--- a/Trabalho Final/SDiK - Ingressos.pptx
+++ b/Trabalho Final/SDiK - Ingressos.pptx
@@ -1,43 +1,43 @@
 
 <file path=ppt/presentation.xml><?xml version="1.0" encoding="utf-8"?>
-<p:presentation xmlns:a="http://schemas.openxmlformats.org/drawingml/2006/main" xmlns:r="http://schemas.openxmlformats.org/officeDocument/2006/relationships" xmlns:mc="http://schemas.openxmlformats.org/markup-compatibility/2006" xmlns:mv="urn:schemas-microsoft-com:mac:vml" xmlns:p="http://schemas.openxmlformats.org/presentationml/2006/main" xmlns:c="http://schemas.openxmlformats.org/drawingml/2006/chart" xmlns:dgm="http://schemas.openxmlformats.org/drawingml/2006/diagram" xmlns:o="urn:schemas-microsoft-com:office:office" xmlns:v="urn:schemas-microsoft-com:vml" xmlns:pvml="urn:schemas-microsoft-com:office:powerpoint" xmlns:com="http://schemas.openxmlformats.org/drawingml/2006/compatibility" xmlns:p14="http://schemas.microsoft.com/office/powerpoint/2010/main" xmlns:p15="http://schemas.microsoft.com/office/powerpoint/2012/main" autoCompressPictures="0" embedTrueTypeFonts="1" strictFirstAndLastChars="0" saveSubsetFonts="1">
+<p:presentation xmlns:a="http://schemas.openxmlformats.org/drawingml/2006/main" xmlns:r="http://schemas.openxmlformats.org/officeDocument/2006/relationships" xmlns:p="http://schemas.openxmlformats.org/presentationml/2006/main" strictFirstAndLastChars="0" embedTrueTypeFonts="1" saveSubsetFonts="1" autoCompressPictures="0">
   <p:sldMasterIdLst>
-    <p:sldMasterId id="2147483659" r:id="rId4"/>
+    <p:sldMasterId id="2147483659" r:id="rId1"/>
   </p:sldMasterIdLst>
   <p:notesMasterIdLst>
-    <p:notesMasterId r:id="rId5"/>
+    <p:notesMasterId r:id="rId6"/>
   </p:notesMasterIdLst>
   <p:sldIdLst>
-    <p:sldId id="256" r:id="rId6"/>
-    <p:sldId id="257" r:id="rId7"/>
-    <p:sldId id="258" r:id="rId8"/>
-    <p:sldId id="259" r:id="rId9"/>
+    <p:sldId id="256" r:id="rId2"/>
+    <p:sldId id="257" r:id="rId3"/>
+    <p:sldId id="258" r:id="rId4"/>
+    <p:sldId id="259" r:id="rId5"/>
   </p:sldIdLst>
-  <p:sldSz cy="5143500" cx="9144000"/>
+  <p:sldSz cx="9144000" cy="5143500" type="screen16x9"/>
   <p:notesSz cx="6858000" cy="9144000"/>
   <p:embeddedFontLst>
     <p:embeddedFont>
-      <p:font typeface="Roboto Black"/>
-      <p:bold r:id="rId10"/>
-      <p:boldItalic r:id="rId11"/>
+      <p:font typeface="Lato" panose="020B0604020202020204" charset="0"/>
+      <p:regular r:id="rId7"/>
+      <p:bold r:id="rId8"/>
+      <p:italic r:id="rId9"/>
+      <p:boldItalic r:id="rId10"/>
     </p:embeddedFont>
     <p:embeddedFont>
-      <p:font typeface="Montserrat"/>
-      <p:regular r:id="rId12"/>
-      <p:bold r:id="rId13"/>
-      <p:italic r:id="rId14"/>
-      <p:boldItalic r:id="rId15"/>
+      <p:font typeface="Montserrat" panose="00000500000000000000" pitchFamily="50" charset="0"/>
+      <p:regular r:id="rId11"/>
+      <p:bold r:id="rId12"/>
+      <p:italic r:id="rId13"/>
+      <p:boldItalic r:id="rId14"/>
     </p:embeddedFont>
     <p:embeddedFont>
-      <p:font typeface="Lato"/>
-      <p:regular r:id="rId16"/>
-      <p:bold r:id="rId17"/>
-      <p:italic r:id="rId18"/>
-      <p:boldItalic r:id="rId19"/>
+      <p:font typeface="Roboto Black" panose="02000000000000000000" pitchFamily="2" charset="0"/>
+      <p:bold r:id="rId15"/>
+      <p:boldItalic r:id="rId16"/>
     </p:embeddedFont>
   </p:embeddedFontLst>
   <p:defaultTextStyle>
-    <a:defPPr lvl="0" marR="0" rtl="0" algn="l">
+    <a:defPPr marR="0" lvl="0" algn="l" rtl="0">
       <a:lnSpc>
         <a:spcPct val="100000"/>
       </a:lnSpc>
@@ -48,7 +48,7 @@
         <a:spcPts val="0"/>
       </a:spcAft>
     </a:defPPr>
-    <a:lvl1pPr lvl="0" marR="0" rtl="0" algn="l">
+    <a:lvl1pPr marR="0" lvl="0" algn="l" rtl="0">
       <a:lnSpc>
         <a:spcPct val="100000"/>
       </a:lnSpc>
@@ -62,7 +62,7 @@
         <a:srgbClr val="000000"/>
       </a:buClr>
       <a:buFont typeface="Arial"/>
-      <a:defRPr b="0" i="0" sz="1400" u="none" cap="none" strike="noStrike">
+      <a:defRPr sz="1400" b="0" i="0" u="none" strike="noStrike" cap="none">
         <a:solidFill>
           <a:srgbClr val="000000"/>
         </a:solidFill>
@@ -72,7 +72,7 @@
         <a:sym typeface="Arial"/>
       </a:defRPr>
     </a:lvl1pPr>
-    <a:lvl2pPr lvl="1" marR="0" rtl="0" algn="l">
+    <a:lvl2pPr marR="0" lvl="1" algn="l" rtl="0">
       <a:lnSpc>
         <a:spcPct val="100000"/>
       </a:lnSpc>
@@ -86,7 +86,7 @@
         <a:srgbClr val="000000"/>
       </a:buClr>
       <a:buFont typeface="Arial"/>
-      <a:defRPr b="0" i="0" sz="1400" u="none" cap="none" strike="noStrike">
+      <a:defRPr sz="1400" b="0" i="0" u="none" strike="noStrike" cap="none">
         <a:solidFill>
           <a:srgbClr val="000000"/>
         </a:solidFill>
@@ -96,7 +96,7 @@
         <a:sym typeface="Arial"/>
       </a:defRPr>
     </a:lvl2pPr>
-    <a:lvl3pPr lvl="2" marR="0" rtl="0" algn="l">
+    <a:lvl3pPr marR="0" lvl="2" algn="l" rtl="0">
       <a:lnSpc>
         <a:spcPct val="100000"/>
       </a:lnSpc>
@@ -110,7 +110,7 @@
         <a:srgbClr val="000000"/>
       </a:buClr>
       <a:buFont typeface="Arial"/>
-      <a:defRPr b="0" i="0" sz="1400" u="none" cap="none" strike="noStrike">
+      <a:defRPr sz="1400" b="0" i="0" u="none" strike="noStrike" cap="none">
         <a:solidFill>
           <a:srgbClr val="000000"/>
         </a:solidFill>
@@ -120,7 +120,7 @@
         <a:sym typeface="Arial"/>
       </a:defRPr>
     </a:lvl3pPr>
-    <a:lvl4pPr lvl="3" marR="0" rtl="0" algn="l">
+    <a:lvl4pPr marR="0" lvl="3" algn="l" rtl="0">
       <a:lnSpc>
         <a:spcPct val="100000"/>
       </a:lnSpc>
@@ -134,7 +134,7 @@
         <a:srgbClr val="000000"/>
       </a:buClr>
       <a:buFont typeface="Arial"/>
-      <a:defRPr b="0" i="0" sz="1400" u="none" cap="none" strike="noStrike">
+      <a:defRPr sz="1400" b="0" i="0" u="none" strike="noStrike" cap="none">
         <a:solidFill>
           <a:srgbClr val="000000"/>
         </a:solidFill>
@@ -144,7 +144,7 @@
         <a:sym typeface="Arial"/>
       </a:defRPr>
     </a:lvl4pPr>
-    <a:lvl5pPr lvl="4" marR="0" rtl="0" algn="l">
+    <a:lvl5pPr marR="0" lvl="4" algn="l" rtl="0">
       <a:lnSpc>
         <a:spcPct val="100000"/>
       </a:lnSpc>
@@ -158,7 +158,7 @@
         <a:srgbClr val="000000"/>
       </a:buClr>
       <a:buFont typeface="Arial"/>
-      <a:defRPr b="0" i="0" sz="1400" u="none" cap="none" strike="noStrike">
+      <a:defRPr sz="1400" b="0" i="0" u="none" strike="noStrike" cap="none">
         <a:solidFill>
           <a:srgbClr val="000000"/>
         </a:solidFill>
@@ -168,7 +168,7 @@
         <a:sym typeface="Arial"/>
       </a:defRPr>
     </a:lvl5pPr>
-    <a:lvl6pPr lvl="5" marR="0" rtl="0" algn="l">
+    <a:lvl6pPr marR="0" lvl="5" algn="l" rtl="0">
       <a:lnSpc>
         <a:spcPct val="100000"/>
       </a:lnSpc>
@@ -182,7 +182,7 @@
         <a:srgbClr val="000000"/>
       </a:buClr>
       <a:buFont typeface="Arial"/>
-      <a:defRPr b="0" i="0" sz="1400" u="none" cap="none" strike="noStrike">
+      <a:defRPr sz="1400" b="0" i="0" u="none" strike="noStrike" cap="none">
         <a:solidFill>
           <a:srgbClr val="000000"/>
         </a:solidFill>
@@ -192,7 +192,7 @@
         <a:sym typeface="Arial"/>
       </a:defRPr>
     </a:lvl6pPr>
-    <a:lvl7pPr lvl="6" marR="0" rtl="0" algn="l">
+    <a:lvl7pPr marR="0" lvl="6" algn="l" rtl="0">
       <a:lnSpc>
         <a:spcPct val="100000"/>
       </a:lnSpc>
@@ -206,7 +206,7 @@
         <a:srgbClr val="000000"/>
       </a:buClr>
       <a:buFont typeface="Arial"/>
-      <a:defRPr b="0" i="0" sz="1400" u="none" cap="none" strike="noStrike">
+      <a:defRPr sz="1400" b="0" i="0" u="none" strike="noStrike" cap="none">
         <a:solidFill>
           <a:srgbClr val="000000"/>
         </a:solidFill>
@@ -216,7 +216,7 @@
         <a:sym typeface="Arial"/>
       </a:defRPr>
     </a:lvl7pPr>
-    <a:lvl8pPr lvl="7" marR="0" rtl="0" algn="l">
+    <a:lvl8pPr marR="0" lvl="7" algn="l" rtl="0">
       <a:lnSpc>
         <a:spcPct val="100000"/>
       </a:lnSpc>
@@ -230,7 +230,7 @@
         <a:srgbClr val="000000"/>
       </a:buClr>
       <a:buFont typeface="Arial"/>
-      <a:defRPr b="0" i="0" sz="1400" u="none" cap="none" strike="noStrike">
+      <a:defRPr sz="1400" b="0" i="0" u="none" strike="noStrike" cap="none">
         <a:solidFill>
           <a:srgbClr val="000000"/>
         </a:solidFill>
@@ -240,7 +240,7 @@
         <a:sym typeface="Arial"/>
       </a:defRPr>
     </a:lvl8pPr>
-    <a:lvl9pPr lvl="8" marR="0" rtl="0" algn="l">
+    <a:lvl9pPr marR="0" lvl="8" algn="l" rtl="0">
       <a:lnSpc>
         <a:spcPct val="100000"/>
       </a:lnSpc>
@@ -254,7 +254,7 @@
         <a:srgbClr val="000000"/>
       </a:buClr>
       <a:buFont typeface="Arial"/>
-      <a:defRPr b="0" i="0" sz="1400" u="none" cap="none" strike="noStrike">
+      <a:defRPr sz="1400" b="0" i="0" u="none" strike="noStrike" cap="none">
         <a:solidFill>
           <a:srgbClr val="000000"/>
         </a:solidFill>
@@ -267,7 +267,7 @@
   </p:defaultTextStyle>
   <p:extLst>
     <p:ext uri="{EFAFB233-063F-42B5-8137-9DF3F51BA10A}">
-      <p15:sldGuideLst>
+      <p15:sldGuideLst xmlns:p15="http://schemas.microsoft.com/office/powerpoint/2012/main">
         <p15:guide id="1" orient="horz" pos="1620">
           <p15:clr>
             <a:srgbClr val="A4A3A4"/>
@@ -285,11 +285,16 @@
 </file>
 
 <file path=ppt/notesMasters/notesMaster1.xml><?xml version="1.0" encoding="utf-8"?>
-<p:notesMaster xmlns:a="http://schemas.openxmlformats.org/drawingml/2006/main" xmlns:r="http://schemas.openxmlformats.org/officeDocument/2006/relationships" xmlns:mc="http://schemas.openxmlformats.org/markup-compatibility/2006" xmlns:mv="urn:schemas-microsoft-com:mac:vml" xmlns:p="http://schemas.openxmlformats.org/presentationml/2006/main" xmlns:c="http://schemas.openxmlformats.org/drawingml/2006/chart" xmlns:dgm="http://schemas.openxmlformats.org/drawingml/2006/diagram" xmlns:o="urn:schemas-microsoft-com:office:office" xmlns:v="urn:schemas-microsoft-com:vml" xmlns:pvml="urn:schemas-microsoft-com:office:powerpoint" xmlns:com="http://schemas.openxmlformats.org/drawingml/2006/compatibility" xmlns:p14="http://schemas.microsoft.com/office/powerpoint/2010/main" xmlns:p15="http://schemas.microsoft.com/office/powerpoint/2012/main">
+<p:notesMaster xmlns:a="http://schemas.openxmlformats.org/drawingml/2006/main" xmlns:r="http://schemas.openxmlformats.org/officeDocument/2006/relationships" xmlns:p="http://schemas.openxmlformats.org/presentationml/2006/main">
   <p:cSld>
+    <p:bg>
+      <p:bgRef idx="1001">
+        <a:schemeClr val="bg1"/>
+      </p:bgRef>
+    </p:bg>
     <p:spTree>
       <p:nvGrpSpPr>
-        <p:cNvPr id="2" name="Shape 2"/>
+        <p:cNvPr id="1" name="Shape 2"/>
         <p:cNvGrpSpPr/>
         <p:nvPr/>
       </p:nvGrpSpPr>
@@ -304,9 +309,11 @@
       <p:sp>
         <p:nvSpPr>
           <p:cNvPr id="3" name="Google Shape;3;n"/>
-          <p:cNvSpPr/>
+          <p:cNvSpPr>
+            <a:spLocks noGrp="1" noRot="1" noChangeAspect="1"/>
+          </p:cNvSpPr>
           <p:nvPr>
-            <p:ph idx="2" type="sldImg"/>
+            <p:ph type="sldImg" idx="2"/>
           </p:nvPr>
         </p:nvSpPr>
         <p:spPr>
@@ -315,9 +322,13 @@
             <a:ext cx="6096075" cy="3429000"/>
           </a:xfrm>
           <a:custGeom>
-            <a:rect b="b" l="l" r="r" t="t"/>
+            <a:avLst/>
+            <a:gdLst/>
+            <a:ahLst/>
+            <a:cxnLst/>
+            <a:rect l="l" t="t" r="r" b="b"/>
             <a:pathLst>
-              <a:path extrusionOk="0" h="120000" w="120000">
+              <a:path w="120000" h="120000" extrusionOk="0">
                 <a:moveTo>
                   <a:pt x="0" y="0"/>
                 </a:moveTo>
@@ -335,23 +346,25 @@
             </a:pathLst>
           </a:custGeom>
           <a:noFill/>
-          <a:ln cap="flat" cmpd="sng" w="9525">
+          <a:ln w="9525" cap="flat" cmpd="sng">
             <a:solidFill>
               <a:srgbClr val="000000"/>
             </a:solidFill>
             <a:prstDash val="solid"/>
             <a:round/>
-            <a:headEnd len="sm" w="sm" type="none"/>
-            <a:tailEnd len="sm" w="sm" type="none"/>
+            <a:headEnd type="none" w="sm" len="sm"/>
+            <a:tailEnd type="none" w="sm" len="sm"/>
           </a:ln>
         </p:spPr>
       </p:sp>
       <p:sp>
         <p:nvSpPr>
           <p:cNvPr id="4" name="Google Shape;4;n"/>
-          <p:cNvSpPr txBox="1"/>
+          <p:cNvSpPr txBox="1">
+            <a:spLocks noGrp="1"/>
+          </p:cNvSpPr>
           <p:nvPr>
-            <p:ph idx="1" type="body"/>
+            <p:ph type="body" idx="1"/>
           </p:nvPr>
         </p:nvSpPr>
         <p:spPr>
@@ -368,11 +381,11 @@
           </a:ln>
         </p:spPr>
         <p:txBody>
-          <a:bodyPr anchorCtr="0" anchor="t" bIns="91425" lIns="91425" spcFirstLastPara="1" rIns="91425" wrap="square" tIns="91425">
+          <a:bodyPr spcFirstLastPara="1" wrap="square" lIns="91425" tIns="91425" rIns="91425" bIns="91425" anchor="t" anchorCtr="0">
             <a:noAutofit/>
           </a:bodyPr>
           <a:lstStyle>
-            <a:lvl1pPr indent="-317500" lvl="0" marL="457200">
+            <a:lvl1pPr marL="457200" lvl="0" indent="-317500">
               <a:spcBef>
                 <a:spcPts val="0"/>
               </a:spcBef>
@@ -383,7 +396,7 @@
               <a:buChar char="●"/>
               <a:defRPr sz="1100"/>
             </a:lvl1pPr>
-            <a:lvl2pPr indent="-317500" lvl="1" marL="914400">
+            <a:lvl2pPr marL="914400" lvl="1" indent="-317500">
               <a:spcBef>
                 <a:spcPts val="0"/>
               </a:spcBef>
@@ -394,7 +407,7 @@
               <a:buChar char="○"/>
               <a:defRPr sz="1100"/>
             </a:lvl2pPr>
-            <a:lvl3pPr indent="-317500" lvl="2" marL="1371600">
+            <a:lvl3pPr marL="1371600" lvl="2" indent="-317500">
               <a:spcBef>
                 <a:spcPts val="0"/>
               </a:spcBef>
@@ -405,7 +418,7 @@
               <a:buChar char="■"/>
               <a:defRPr sz="1100"/>
             </a:lvl3pPr>
-            <a:lvl4pPr indent="-317500" lvl="3" marL="1828800">
+            <a:lvl4pPr marL="1828800" lvl="3" indent="-317500">
               <a:spcBef>
                 <a:spcPts val="0"/>
               </a:spcBef>
@@ -416,7 +429,7 @@
               <a:buChar char="●"/>
               <a:defRPr sz="1100"/>
             </a:lvl4pPr>
-            <a:lvl5pPr indent="-317500" lvl="4" marL="2286000">
+            <a:lvl5pPr marL="2286000" lvl="4" indent="-317500">
               <a:spcBef>
                 <a:spcPts val="0"/>
               </a:spcBef>
@@ -427,7 +440,7 @@
               <a:buChar char="○"/>
               <a:defRPr sz="1100"/>
             </a:lvl5pPr>
-            <a:lvl6pPr indent="-317500" lvl="5" marL="2743200">
+            <a:lvl6pPr marL="2743200" lvl="5" indent="-317500">
               <a:spcBef>
                 <a:spcPts val="0"/>
               </a:spcBef>
@@ -438,7 +451,7 @@
               <a:buChar char="■"/>
               <a:defRPr sz="1100"/>
             </a:lvl6pPr>
-            <a:lvl7pPr indent="-317500" lvl="6" marL="3200400">
+            <a:lvl7pPr marL="3200400" lvl="6" indent="-317500">
               <a:spcBef>
                 <a:spcPts val="0"/>
               </a:spcBef>
@@ -449,7 +462,7 @@
               <a:buChar char="●"/>
               <a:defRPr sz="1100"/>
             </a:lvl7pPr>
-            <a:lvl8pPr indent="-317500" lvl="7" marL="3657600">
+            <a:lvl8pPr marL="3657600" lvl="7" indent="-317500">
               <a:spcBef>
                 <a:spcPts val="0"/>
               </a:spcBef>
@@ -460,7 +473,7 @@
               <a:buChar char="○"/>
               <a:defRPr sz="1100"/>
             </a:lvl8pPr>
-            <a:lvl9pPr indent="-317500" lvl="8" marL="4114800">
+            <a:lvl9pPr marL="4114800" lvl="8" indent="-317500">
               <a:spcBef>
                 <a:spcPts val="0"/>
               </a:spcBef>
@@ -472,14 +485,16 @@
               <a:defRPr sz="1100"/>
             </a:lvl9pPr>
           </a:lstStyle>
-          <a:p/>
+          <a:p>
+            <a:endParaRPr/>
+          </a:p>
         </p:txBody>
       </p:sp>
     </p:spTree>
   </p:cSld>
-  <p:clrMap accent1="accent1" accent2="accent2" accent3="accent3" accent4="accent4" accent5="accent5" accent6="accent6" bg1="lt1" bg2="dk2" tx1="dk1" tx2="lt2" folHlink="folHlink" hlink="hlink"/>
+  <p:clrMap bg1="lt1" tx1="dk1" bg2="dk2" tx2="lt2" accent1="accent1" accent2="accent2" accent3="accent3" accent4="accent4" accent5="accent5" accent6="accent6" hlink="hlink" folHlink="folHlink"/>
   <p:notesStyle>
-    <a:defPPr lvl="0" marR="0" rtl="0" algn="l">
+    <a:defPPr marR="0" lvl="0" algn="l" rtl="0">
       <a:lnSpc>
         <a:spcPct val="100000"/>
       </a:lnSpc>
@@ -490,7 +505,7 @@
         <a:spcPts val="0"/>
       </a:spcAft>
     </a:defPPr>
-    <a:lvl1pPr lvl="0" marR="0" rtl="0" algn="l">
+    <a:lvl1pPr marR="0" lvl="0" algn="l" rtl="0">
       <a:lnSpc>
         <a:spcPct val="100000"/>
       </a:lnSpc>
@@ -504,7 +519,7 @@
         <a:srgbClr val="000000"/>
       </a:buClr>
       <a:buFont typeface="Arial"/>
-      <a:defRPr b="0" i="0" sz="1400" u="none" cap="none" strike="noStrike">
+      <a:defRPr sz="1400" b="0" i="0" u="none" strike="noStrike" cap="none">
         <a:solidFill>
           <a:srgbClr val="000000"/>
         </a:solidFill>
@@ -514,7 +529,7 @@
         <a:sym typeface="Arial"/>
       </a:defRPr>
     </a:lvl1pPr>
-    <a:lvl2pPr lvl="1" marR="0" rtl="0" algn="l">
+    <a:lvl2pPr marR="0" lvl="1" algn="l" rtl="0">
       <a:lnSpc>
         <a:spcPct val="100000"/>
       </a:lnSpc>
@@ -528,7 +543,7 @@
         <a:srgbClr val="000000"/>
       </a:buClr>
       <a:buFont typeface="Arial"/>
-      <a:defRPr b="0" i="0" sz="1400" u="none" cap="none" strike="noStrike">
+      <a:defRPr sz="1400" b="0" i="0" u="none" strike="noStrike" cap="none">
         <a:solidFill>
           <a:srgbClr val="000000"/>
         </a:solidFill>
@@ -538,7 +553,7 @@
         <a:sym typeface="Arial"/>
       </a:defRPr>
     </a:lvl2pPr>
-    <a:lvl3pPr lvl="2" marR="0" rtl="0" algn="l">
+    <a:lvl3pPr marR="0" lvl="2" algn="l" rtl="0">
       <a:lnSpc>
         <a:spcPct val="100000"/>
       </a:lnSpc>
@@ -552,7 +567,7 @@
         <a:srgbClr val="000000"/>
       </a:buClr>
       <a:buFont typeface="Arial"/>
-      <a:defRPr b="0" i="0" sz="1400" u="none" cap="none" strike="noStrike">
+      <a:defRPr sz="1400" b="0" i="0" u="none" strike="noStrike" cap="none">
         <a:solidFill>
           <a:srgbClr val="000000"/>
         </a:solidFill>
@@ -562,7 +577,7 @@
         <a:sym typeface="Arial"/>
       </a:defRPr>
     </a:lvl3pPr>
-    <a:lvl4pPr lvl="3" marR="0" rtl="0" algn="l">
+    <a:lvl4pPr marR="0" lvl="3" algn="l" rtl="0">
       <a:lnSpc>
         <a:spcPct val="100000"/>
       </a:lnSpc>
@@ -576,7 +591,7 @@
         <a:srgbClr val="000000"/>
       </a:buClr>
       <a:buFont typeface="Arial"/>
-      <a:defRPr b="0" i="0" sz="1400" u="none" cap="none" strike="noStrike">
+      <a:defRPr sz="1400" b="0" i="0" u="none" strike="noStrike" cap="none">
         <a:solidFill>
           <a:srgbClr val="000000"/>
         </a:solidFill>
@@ -586,7 +601,7 @@
         <a:sym typeface="Arial"/>
       </a:defRPr>
     </a:lvl4pPr>
-    <a:lvl5pPr lvl="4" marR="0" rtl="0" algn="l">
+    <a:lvl5pPr marR="0" lvl="4" algn="l" rtl="0">
       <a:lnSpc>
         <a:spcPct val="100000"/>
       </a:lnSpc>
@@ -600,7 +615,7 @@
         <a:srgbClr val="000000"/>
       </a:buClr>
       <a:buFont typeface="Arial"/>
-      <a:defRPr b="0" i="0" sz="1400" u="none" cap="none" strike="noStrike">
+      <a:defRPr sz="1400" b="0" i="0" u="none" strike="noStrike" cap="none">
         <a:solidFill>
           <a:srgbClr val="000000"/>
         </a:solidFill>
@@ -610,7 +625,7 @@
         <a:sym typeface="Arial"/>
       </a:defRPr>
     </a:lvl5pPr>
-    <a:lvl6pPr lvl="5" marR="0" rtl="0" algn="l">
+    <a:lvl6pPr marR="0" lvl="5" algn="l" rtl="0">
       <a:lnSpc>
         <a:spcPct val="100000"/>
       </a:lnSpc>
@@ -624,7 +639,7 @@
         <a:srgbClr val="000000"/>
       </a:buClr>
       <a:buFont typeface="Arial"/>
-      <a:defRPr b="0" i="0" sz="1400" u="none" cap="none" strike="noStrike">
+      <a:defRPr sz="1400" b="0" i="0" u="none" strike="noStrike" cap="none">
         <a:solidFill>
           <a:srgbClr val="000000"/>
         </a:solidFill>
@@ -634,7 +649,7 @@
         <a:sym typeface="Arial"/>
       </a:defRPr>
     </a:lvl6pPr>
-    <a:lvl7pPr lvl="6" marR="0" rtl="0" algn="l">
+    <a:lvl7pPr marR="0" lvl="6" algn="l" rtl="0">
       <a:lnSpc>
         <a:spcPct val="100000"/>
       </a:lnSpc>
@@ -648,7 +663,7 @@
         <a:srgbClr val="000000"/>
       </a:buClr>
       <a:buFont typeface="Arial"/>
-      <a:defRPr b="0" i="0" sz="1400" u="none" cap="none" strike="noStrike">
+      <a:defRPr sz="1400" b="0" i="0" u="none" strike="noStrike" cap="none">
         <a:solidFill>
           <a:srgbClr val="000000"/>
         </a:solidFill>
@@ -658,7 +673,7 @@
         <a:sym typeface="Arial"/>
       </a:defRPr>
     </a:lvl7pPr>
-    <a:lvl8pPr lvl="7" marR="0" rtl="0" algn="l">
+    <a:lvl8pPr marR="0" lvl="7" algn="l" rtl="0">
       <a:lnSpc>
         <a:spcPct val="100000"/>
       </a:lnSpc>
@@ -672,7 +687,7 @@
         <a:srgbClr val="000000"/>
       </a:buClr>
       <a:buFont typeface="Arial"/>
-      <a:defRPr b="0" i="0" sz="1400" u="none" cap="none" strike="noStrike">
+      <a:defRPr sz="1400" b="0" i="0" u="none" strike="noStrike" cap="none">
         <a:solidFill>
           <a:srgbClr val="000000"/>
         </a:solidFill>
@@ -682,7 +697,7 @@
         <a:sym typeface="Arial"/>
       </a:defRPr>
     </a:lvl8pPr>
-    <a:lvl9pPr lvl="8" marR="0" rtl="0" algn="l">
+    <a:lvl9pPr marR="0" lvl="8" algn="l" rtl="0">
       <a:lnSpc>
         <a:spcPct val="100000"/>
       </a:lnSpc>
@@ -696,7 +711,7 @@
         <a:srgbClr val="000000"/>
       </a:buClr>
       <a:buFont typeface="Arial"/>
-      <a:defRPr b="0" i="0" sz="1400" u="none" cap="none" strike="noStrike">
+      <a:defRPr sz="1400" b="0" i="0" u="none" strike="noStrike" cap="none">
         <a:solidFill>
           <a:srgbClr val="000000"/>
         </a:solidFill>
@@ -711,11 +726,11 @@
 </file>
 
 <file path=ppt/notesSlides/notesSlide1.xml><?xml version="1.0" encoding="utf-8"?>
-<p:notes xmlns:a="http://schemas.openxmlformats.org/drawingml/2006/main" xmlns:r="http://schemas.openxmlformats.org/officeDocument/2006/relationships" xmlns:mc="http://schemas.openxmlformats.org/markup-compatibility/2006" xmlns:mv="urn:schemas-microsoft-com:mac:vml" xmlns:p="http://schemas.openxmlformats.org/presentationml/2006/main" xmlns:c="http://schemas.openxmlformats.org/drawingml/2006/chart" xmlns:dgm="http://schemas.openxmlformats.org/drawingml/2006/diagram" xmlns:o="urn:schemas-microsoft-com:office:office" xmlns:v="urn:schemas-microsoft-com:vml" xmlns:pvml="urn:schemas-microsoft-com:office:powerpoint" xmlns:com="http://schemas.openxmlformats.org/drawingml/2006/compatibility" xmlns:p14="http://schemas.microsoft.com/office/powerpoint/2010/main" xmlns:p15="http://schemas.microsoft.com/office/powerpoint/2012/main" showMasterPhAnim="0" showMasterSp="0">
+<p:notes xmlns:a="http://schemas.openxmlformats.org/drawingml/2006/main" xmlns:r="http://schemas.openxmlformats.org/officeDocument/2006/relationships" xmlns:p="http://schemas.openxmlformats.org/presentationml/2006/main" showMasterSp="0" showMasterPhAnim="0">
   <p:cSld>
     <p:spTree>
       <p:nvGrpSpPr>
-        <p:cNvPr id="130" name="Shape 130"/>
+        <p:cNvPr id="1" name="Shape 130"/>
         <p:cNvGrpSpPr/>
         <p:nvPr/>
       </p:nvGrpSpPr>
@@ -730,9 +745,11 @@
       <p:sp>
         <p:nvSpPr>
           <p:cNvPr id="131" name="Google Shape;131;gc6f80d1ff_0_27:notes"/>
-          <p:cNvSpPr/>
+          <p:cNvSpPr>
+            <a:spLocks noGrp="1" noRot="1" noChangeAspect="1"/>
+          </p:cNvSpPr>
           <p:nvPr>
-            <p:ph idx="2" type="sldImg"/>
+            <p:ph type="sldImg" idx="2"/>
           </p:nvPr>
         </p:nvSpPr>
         <p:spPr>
@@ -741,9 +758,13 @@
             <a:ext cx="6096300" cy="3429000"/>
           </a:xfrm>
           <a:custGeom>
-            <a:rect b="b" l="l" r="r" t="t"/>
+            <a:avLst/>
+            <a:gdLst/>
+            <a:ahLst/>
+            <a:cxnLst/>
+            <a:rect l="l" t="t" r="r" b="b"/>
             <a:pathLst>
-              <a:path extrusionOk="0" h="120000" w="120000">
+              <a:path w="120000" h="120000" extrusionOk="0">
                 <a:moveTo>
                   <a:pt x="0" y="0"/>
                 </a:moveTo>
@@ -765,9 +786,11 @@
       <p:sp>
         <p:nvSpPr>
           <p:cNvPr id="132" name="Google Shape;132;gc6f80d1ff_0_27:notes"/>
-          <p:cNvSpPr txBox="1"/>
+          <p:cNvSpPr txBox="1">
+            <a:spLocks noGrp="1"/>
+          </p:cNvSpPr>
           <p:nvPr>
-            <p:ph idx="1" type="body"/>
+            <p:ph type="body" idx="1"/>
           </p:nvPr>
         </p:nvSpPr>
         <p:spPr>
@@ -780,12 +803,12 @@
           </a:prstGeom>
         </p:spPr>
         <p:txBody>
-          <a:bodyPr anchorCtr="0" anchor="t" bIns="91425" lIns="91425" spcFirstLastPara="1" rIns="91425" wrap="square" tIns="91425">
+          <a:bodyPr spcFirstLastPara="1" wrap="square" lIns="91425" tIns="91425" rIns="91425" bIns="91425" anchor="t" anchorCtr="0">
             <a:noAutofit/>
           </a:bodyPr>
           <a:lstStyle/>
           <a:p>
-            <a:pPr indent="0" lvl="0" marL="0" rtl="0" algn="l">
+            <a:pPr marL="0" lvl="0" indent="0" algn="l" rtl="0">
               <a:spcBef>
                 <a:spcPts val="0"/>
               </a:spcBef>
@@ -794,9 +817,6 @@
               </a:spcAft>
               <a:buNone/>
             </a:pPr>
-            <a:r>
-              <a:t/>
-            </a:r>
             <a:endParaRPr/>
           </a:p>
         </p:txBody>
@@ -810,11 +830,11 @@
 </file>
 
 <file path=ppt/notesSlides/notesSlide2.xml><?xml version="1.0" encoding="utf-8"?>
-<p:notes xmlns:a="http://schemas.openxmlformats.org/drawingml/2006/main" xmlns:r="http://schemas.openxmlformats.org/officeDocument/2006/relationships" xmlns:mc="http://schemas.openxmlformats.org/markup-compatibility/2006" xmlns:mv="urn:schemas-microsoft-com:mac:vml" xmlns:p="http://schemas.openxmlformats.org/presentationml/2006/main" xmlns:c="http://schemas.openxmlformats.org/drawingml/2006/chart" xmlns:dgm="http://schemas.openxmlformats.org/drawingml/2006/diagram" xmlns:o="urn:schemas-microsoft-com:office:office" xmlns:v="urn:schemas-microsoft-com:vml" xmlns:pvml="urn:schemas-microsoft-com:office:powerpoint" xmlns:com="http://schemas.openxmlformats.org/drawingml/2006/compatibility" xmlns:p14="http://schemas.microsoft.com/office/powerpoint/2010/main" xmlns:p15="http://schemas.microsoft.com/office/powerpoint/2012/main" showMasterPhAnim="0" showMasterSp="0">
+<p:notes xmlns:a="http://schemas.openxmlformats.org/drawingml/2006/main" xmlns:r="http://schemas.openxmlformats.org/officeDocument/2006/relationships" xmlns:p="http://schemas.openxmlformats.org/presentationml/2006/main" showMasterSp="0" showMasterPhAnim="0">
   <p:cSld>
     <p:spTree>
       <p:nvGrpSpPr>
-        <p:cNvPr id="137" name="Shape 137"/>
+        <p:cNvPr id="1" name="Shape 137"/>
         <p:cNvGrpSpPr/>
         <p:nvPr/>
       </p:nvGrpSpPr>
@@ -829,20 +849,26 @@
       <p:sp>
         <p:nvSpPr>
           <p:cNvPr id="138" name="Google Shape;138;g5c7f1f8e50_0_180:notes"/>
-          <p:cNvSpPr/>
+          <p:cNvSpPr>
+            <a:spLocks noGrp="1" noRot="1" noChangeAspect="1"/>
+          </p:cNvSpPr>
           <p:nvPr>
-            <p:ph idx="2" type="sldImg"/>
+            <p:ph type="sldImg" idx="2"/>
           </p:nvPr>
         </p:nvSpPr>
         <p:spPr>
           <a:xfrm>
-            <a:off x="381188" y="685800"/>
-            <a:ext cx="6096300" cy="3429000"/>
+            <a:off x="381000" y="685800"/>
+            <a:ext cx="6096000" cy="3429000"/>
           </a:xfrm>
           <a:custGeom>
-            <a:rect b="b" l="l" r="r" t="t"/>
+            <a:avLst/>
+            <a:gdLst/>
+            <a:ahLst/>
+            <a:cxnLst/>
+            <a:rect l="l" t="t" r="r" b="b"/>
             <a:pathLst>
-              <a:path extrusionOk="0" h="120000" w="120000">
+              <a:path w="120000" h="120000" extrusionOk="0">
                 <a:moveTo>
                   <a:pt x="0" y="0"/>
                 </a:moveTo>
@@ -864,9 +890,11 @@
       <p:sp>
         <p:nvSpPr>
           <p:cNvPr id="139" name="Google Shape;139;g5c7f1f8e50_0_180:notes"/>
-          <p:cNvSpPr txBox="1"/>
+          <p:cNvSpPr txBox="1">
+            <a:spLocks noGrp="1"/>
+          </p:cNvSpPr>
           <p:nvPr>
-            <p:ph idx="1" type="body"/>
+            <p:ph type="body" idx="1"/>
           </p:nvPr>
         </p:nvSpPr>
         <p:spPr>
@@ -879,12 +907,12 @@
           </a:prstGeom>
         </p:spPr>
         <p:txBody>
-          <a:bodyPr anchorCtr="0" anchor="t" bIns="91425" lIns="91425" spcFirstLastPara="1" rIns="91425" wrap="square" tIns="91425">
+          <a:bodyPr spcFirstLastPara="1" wrap="square" lIns="91425" tIns="91425" rIns="91425" bIns="91425" anchor="t" anchorCtr="0">
             <a:noAutofit/>
           </a:bodyPr>
           <a:lstStyle/>
           <a:p>
-            <a:pPr indent="0" lvl="0" marL="0" rtl="0" algn="l">
+            <a:pPr marL="0" lvl="0" indent="0" algn="l" rtl="0">
               <a:spcBef>
                 <a:spcPts val="0"/>
               </a:spcBef>
@@ -893,9 +921,6 @@
               </a:spcAft>
               <a:buNone/>
             </a:pPr>
-            <a:r>
-              <a:t/>
-            </a:r>
             <a:endParaRPr/>
           </a:p>
         </p:txBody>
@@ -909,11 +934,11 @@
 </file>
 
 <file path=ppt/notesSlides/notesSlide3.xml><?xml version="1.0" encoding="utf-8"?>
-<p:notes xmlns:a="http://schemas.openxmlformats.org/drawingml/2006/main" xmlns:r="http://schemas.openxmlformats.org/officeDocument/2006/relationships" xmlns:mc="http://schemas.openxmlformats.org/markup-compatibility/2006" xmlns:mv="urn:schemas-microsoft-com:mac:vml" xmlns:p="http://schemas.openxmlformats.org/presentationml/2006/main" xmlns:c="http://schemas.openxmlformats.org/drawingml/2006/chart" xmlns:dgm="http://schemas.openxmlformats.org/drawingml/2006/diagram" xmlns:o="urn:schemas-microsoft-com:office:office" xmlns:v="urn:schemas-microsoft-com:vml" xmlns:pvml="urn:schemas-microsoft-com:office:powerpoint" xmlns:com="http://schemas.openxmlformats.org/drawingml/2006/compatibility" xmlns:p14="http://schemas.microsoft.com/office/powerpoint/2010/main" xmlns:p15="http://schemas.microsoft.com/office/powerpoint/2012/main" showMasterPhAnim="0" showMasterSp="0">
+<p:notes xmlns:a="http://schemas.openxmlformats.org/drawingml/2006/main" xmlns:r="http://schemas.openxmlformats.org/officeDocument/2006/relationships" xmlns:p="http://schemas.openxmlformats.org/presentationml/2006/main" showMasterSp="0" showMasterPhAnim="0">
   <p:cSld>
     <p:spTree>
       <p:nvGrpSpPr>
-        <p:cNvPr id="142" name="Shape 142"/>
+        <p:cNvPr id="1" name="Shape 142"/>
         <p:cNvGrpSpPr/>
         <p:nvPr/>
       </p:nvGrpSpPr>
@@ -928,20 +953,26 @@
       <p:sp>
         <p:nvSpPr>
           <p:cNvPr id="143" name="Google Shape;143;g5c7f1f8e50_0_188:notes"/>
-          <p:cNvSpPr/>
+          <p:cNvSpPr>
+            <a:spLocks noGrp="1" noRot="1" noChangeAspect="1"/>
+          </p:cNvSpPr>
           <p:nvPr>
-            <p:ph idx="2" type="sldImg"/>
+            <p:ph type="sldImg" idx="2"/>
           </p:nvPr>
         </p:nvSpPr>
         <p:spPr>
           <a:xfrm>
-            <a:off x="381188" y="685800"/>
-            <a:ext cx="6096300" cy="3429000"/>
+            <a:off x="381000" y="685800"/>
+            <a:ext cx="6096000" cy="3429000"/>
           </a:xfrm>
           <a:custGeom>
-            <a:rect b="b" l="l" r="r" t="t"/>
+            <a:avLst/>
+            <a:gdLst/>
+            <a:ahLst/>
+            <a:cxnLst/>
+            <a:rect l="l" t="t" r="r" b="b"/>
             <a:pathLst>
-              <a:path extrusionOk="0" h="120000" w="120000">
+              <a:path w="120000" h="120000" extrusionOk="0">
                 <a:moveTo>
                   <a:pt x="0" y="0"/>
                 </a:moveTo>
@@ -963,9 +994,11 @@
       <p:sp>
         <p:nvSpPr>
           <p:cNvPr id="144" name="Google Shape;144;g5c7f1f8e50_0_188:notes"/>
-          <p:cNvSpPr txBox="1"/>
+          <p:cNvSpPr txBox="1">
+            <a:spLocks noGrp="1"/>
+          </p:cNvSpPr>
           <p:nvPr>
-            <p:ph idx="1" type="body"/>
+            <p:ph type="body" idx="1"/>
           </p:nvPr>
         </p:nvSpPr>
         <p:spPr>
@@ -978,12 +1011,12 @@
           </a:prstGeom>
         </p:spPr>
         <p:txBody>
-          <a:bodyPr anchorCtr="0" anchor="t" bIns="91425" lIns="91425" spcFirstLastPara="1" rIns="91425" wrap="square" tIns="91425">
+          <a:bodyPr spcFirstLastPara="1" wrap="square" lIns="91425" tIns="91425" rIns="91425" bIns="91425" anchor="t" anchorCtr="0">
             <a:noAutofit/>
           </a:bodyPr>
           <a:lstStyle/>
           <a:p>
-            <a:pPr indent="0" lvl="0" marL="0" rtl="0" algn="l">
+            <a:pPr marL="0" lvl="0" indent="0" algn="l" rtl="0">
               <a:spcBef>
                 <a:spcPts val="0"/>
               </a:spcBef>
@@ -992,9 +1025,6 @@
               </a:spcAft>
               <a:buNone/>
             </a:pPr>
-            <a:r>
-              <a:t/>
-            </a:r>
             <a:endParaRPr/>
           </a:p>
         </p:txBody>
@@ -1008,11 +1038,11 @@
 </file>
 
 <file path=ppt/notesSlides/notesSlide4.xml><?xml version="1.0" encoding="utf-8"?>
-<p:notes xmlns:a="http://schemas.openxmlformats.org/drawingml/2006/main" xmlns:r="http://schemas.openxmlformats.org/officeDocument/2006/relationships" xmlns:mc="http://schemas.openxmlformats.org/markup-compatibility/2006" xmlns:mv="urn:schemas-microsoft-com:mac:vml" xmlns:p="http://schemas.openxmlformats.org/presentationml/2006/main" xmlns:c="http://schemas.openxmlformats.org/drawingml/2006/chart" xmlns:dgm="http://schemas.openxmlformats.org/drawingml/2006/diagram" xmlns:o="urn:schemas-microsoft-com:office:office" xmlns:v="urn:schemas-microsoft-com:vml" xmlns:pvml="urn:schemas-microsoft-com:office:powerpoint" xmlns:com="http://schemas.openxmlformats.org/drawingml/2006/compatibility" xmlns:p14="http://schemas.microsoft.com/office/powerpoint/2010/main" xmlns:p15="http://schemas.microsoft.com/office/powerpoint/2012/main" showMasterPhAnim="0" showMasterSp="0">
+<p:notes xmlns:a="http://schemas.openxmlformats.org/drawingml/2006/main" xmlns:r="http://schemas.openxmlformats.org/officeDocument/2006/relationships" xmlns:p="http://schemas.openxmlformats.org/presentationml/2006/main" showMasterSp="0" showMasterPhAnim="0">
   <p:cSld>
     <p:spTree>
       <p:nvGrpSpPr>
-        <p:cNvPr id="147" name="Shape 147"/>
+        <p:cNvPr id="1" name="Shape 147"/>
         <p:cNvGrpSpPr/>
         <p:nvPr/>
       </p:nvGrpSpPr>
@@ -1027,20 +1057,26 @@
       <p:sp>
         <p:nvSpPr>
           <p:cNvPr id="148" name="Google Shape;148;g5c7f1f8e50_0_193:notes"/>
-          <p:cNvSpPr/>
+          <p:cNvSpPr>
+            <a:spLocks noGrp="1" noRot="1" noChangeAspect="1"/>
+          </p:cNvSpPr>
           <p:nvPr>
-            <p:ph idx="2" type="sldImg"/>
+            <p:ph type="sldImg" idx="2"/>
           </p:nvPr>
         </p:nvSpPr>
         <p:spPr>
           <a:xfrm>
-            <a:off x="381188" y="685800"/>
-            <a:ext cx="6096300" cy="3429000"/>
+            <a:off x="381000" y="685800"/>
+            <a:ext cx="6096000" cy="3429000"/>
           </a:xfrm>
           <a:custGeom>
-            <a:rect b="b" l="l" r="r" t="t"/>
+            <a:avLst/>
+            <a:gdLst/>
+            <a:ahLst/>
+            <a:cxnLst/>
+            <a:rect l="l" t="t" r="r" b="b"/>
             <a:pathLst>
-              <a:path extrusionOk="0" h="120000" w="120000">
+              <a:path w="120000" h="120000" extrusionOk="0">
                 <a:moveTo>
                   <a:pt x="0" y="0"/>
                 </a:moveTo>
@@ -1062,9 +1098,11 @@
       <p:sp>
         <p:nvSpPr>
           <p:cNvPr id="149" name="Google Shape;149;g5c7f1f8e50_0_193:notes"/>
-          <p:cNvSpPr txBox="1"/>
+          <p:cNvSpPr txBox="1">
+            <a:spLocks noGrp="1"/>
+          </p:cNvSpPr>
           <p:nvPr>
-            <p:ph idx="1" type="body"/>
+            <p:ph type="body" idx="1"/>
           </p:nvPr>
         </p:nvSpPr>
         <p:spPr>
@@ -1077,12 +1115,12 @@
           </a:prstGeom>
         </p:spPr>
         <p:txBody>
-          <a:bodyPr anchorCtr="0" anchor="t" bIns="91425" lIns="91425" spcFirstLastPara="1" rIns="91425" wrap="square" tIns="91425">
+          <a:bodyPr spcFirstLastPara="1" wrap="square" lIns="91425" tIns="91425" rIns="91425" bIns="91425" anchor="t" anchorCtr="0">
             <a:noAutofit/>
           </a:bodyPr>
           <a:lstStyle/>
           <a:p>
-            <a:pPr indent="0" lvl="0" marL="0" rtl="0" algn="l">
+            <a:pPr marL="0" lvl="0" indent="0" algn="l" rtl="0">
               <a:spcBef>
                 <a:spcPts val="0"/>
               </a:spcBef>
@@ -1091,9 +1129,6 @@
               </a:spcAft>
               <a:buNone/>
             </a:pPr>
-            <a:r>
-              <a:t/>
-            </a:r>
             <a:endParaRPr/>
           </a:p>
         </p:txBody>
@@ -1107,11 +1142,11 @@
 </file>
 
 <file path=ppt/slideLayouts/slideLayout1.xml><?xml version="1.0" encoding="utf-8"?>
-<p:sldLayout xmlns:a="http://schemas.openxmlformats.org/drawingml/2006/main" xmlns:r="http://schemas.openxmlformats.org/officeDocument/2006/relationships" xmlns:mc="http://schemas.openxmlformats.org/markup-compatibility/2006" xmlns:mv="urn:schemas-microsoft-com:mac:vml" xmlns:p="http://schemas.openxmlformats.org/presentationml/2006/main" xmlns:c="http://schemas.openxmlformats.org/drawingml/2006/chart" xmlns:dgm="http://schemas.openxmlformats.org/drawingml/2006/diagram" xmlns:o="urn:schemas-microsoft-com:office:office" xmlns:v="urn:schemas-microsoft-com:vml" xmlns:pvml="urn:schemas-microsoft-com:office:powerpoint" xmlns:com="http://schemas.openxmlformats.org/drawingml/2006/compatibility" xmlns:p14="http://schemas.microsoft.com/office/powerpoint/2010/main" xmlns:p15="http://schemas.microsoft.com/office/powerpoint/2012/main" matchingName="Title slide" type="title">
+<p:sldLayout xmlns:a="http://schemas.openxmlformats.org/drawingml/2006/main" xmlns:r="http://schemas.openxmlformats.org/officeDocument/2006/relationships" xmlns:p="http://schemas.openxmlformats.org/presentationml/2006/main" matchingName="Title slide" type="title">
   <p:cSld name="TITLE">
     <p:spTree>
       <p:nvGrpSpPr>
-        <p:cNvPr id="9" name="Shape 9"/>
+        <p:cNvPr id="1" name="Shape 9"/>
         <p:cNvGrpSpPr/>
         <p:nvPr/>
       </p:nvGrpSpPr>
@@ -1136,7 +1171,7 @@
           </a:xfrm>
           <a:prstGeom prst="diagStripe">
             <a:avLst>
-              <a:gd fmla="val 0" name="adj"/>
+              <a:gd name="adj" fmla="val 0"/>
             </a:avLst>
           </a:prstGeom>
           <a:solidFill>
@@ -1149,12 +1184,12 @@
           </a:ln>
         </p:spPr>
         <p:txBody>
-          <a:bodyPr anchorCtr="0" anchor="ctr" bIns="91425" lIns="91425" spcFirstLastPara="1" rIns="91425" wrap="square" tIns="91425">
+          <a:bodyPr spcFirstLastPara="1" wrap="square" lIns="91425" tIns="91425" rIns="91425" bIns="91425" anchor="ctr" anchorCtr="0">
             <a:noAutofit/>
           </a:bodyPr>
           <a:lstStyle/>
           <a:p>
-            <a:pPr indent="0" lvl="0" marL="0" rtl="0" algn="l">
+            <a:pPr marL="0" lvl="0" indent="0" algn="l" rtl="0">
               <a:spcBef>
                 <a:spcPts val="0"/>
               </a:spcBef>
@@ -1163,9 +1198,6 @@
               </a:spcAft>
               <a:buNone/>
             </a:pPr>
-            <a:r>
-              <a:t/>
-            </a:r>
             <a:endParaRPr/>
           </a:p>
         </p:txBody>
@@ -1197,7 +1229,7 @@
             </a:xfrm>
             <a:prstGeom prst="diagStripe">
               <a:avLst>
-                <a:gd fmla="val 50000" name="adj"/>
+                <a:gd name="adj" fmla="val 50000"/>
               </a:avLst>
             </a:prstGeom>
             <a:solidFill>
@@ -1210,12 +1242,12 @@
             </a:ln>
           </p:spPr>
           <p:txBody>
-            <a:bodyPr anchorCtr="0" anchor="ctr" bIns="91425" lIns="91425" spcFirstLastPara="1" rIns="91425" wrap="square" tIns="91425">
+            <a:bodyPr spcFirstLastPara="1" wrap="square" lIns="91425" tIns="91425" rIns="91425" bIns="91425" anchor="ctr" anchorCtr="0">
               <a:noAutofit/>
             </a:bodyPr>
             <a:lstStyle/>
             <a:p>
-              <a:pPr indent="0" lvl="0" marL="0" rtl="0" algn="l">
+              <a:pPr marL="0" lvl="0" indent="0" algn="l" rtl="0">
                 <a:spcBef>
                   <a:spcPts val="0"/>
                 </a:spcBef>
@@ -1224,9 +1256,6 @@
                 </a:spcAft>
                 <a:buNone/>
               </a:pPr>
-              <a:r>
-                <a:t/>
-              </a:r>
               <a:endParaRPr/>
             </a:p>
           </p:txBody>
@@ -1244,7 +1273,7 @@
             </a:xfrm>
             <a:prstGeom prst="diagStripe">
               <a:avLst>
-                <a:gd fmla="val 58774" name="adj"/>
+                <a:gd name="adj" fmla="val 58774"/>
               </a:avLst>
             </a:prstGeom>
             <a:solidFill>
@@ -1257,12 +1286,12 @@
             </a:ln>
           </p:spPr>
           <p:txBody>
-            <a:bodyPr anchorCtr="0" anchor="ctr" bIns="91425" lIns="91425" spcFirstLastPara="1" rIns="91425" wrap="square" tIns="91425">
+            <a:bodyPr spcFirstLastPara="1" wrap="square" lIns="91425" tIns="91425" rIns="91425" bIns="91425" anchor="ctr" anchorCtr="0">
               <a:noAutofit/>
             </a:bodyPr>
             <a:lstStyle/>
             <a:p>
-              <a:pPr indent="0" lvl="0" marL="0" rtl="0" algn="l">
+              <a:pPr marL="0" lvl="0" indent="0" algn="l" rtl="0">
                 <a:spcBef>
                   <a:spcPts val="0"/>
                 </a:spcBef>
@@ -1271,9 +1300,6 @@
                 </a:spcAft>
                 <a:buNone/>
               </a:pPr>
-              <a:r>
-                <a:t/>
-              </a:r>
               <a:endParaRPr/>
             </a:p>
           </p:txBody>
@@ -1291,7 +1317,7 @@
             </a:xfrm>
             <a:prstGeom prst="diagStripe">
               <a:avLst>
-                <a:gd fmla="val 50000" name="adj"/>
+                <a:gd name="adj" fmla="val 50000"/>
               </a:avLst>
             </a:prstGeom>
             <a:solidFill>
@@ -1302,12 +1328,12 @@
             </a:ln>
           </p:spPr>
           <p:txBody>
-            <a:bodyPr anchorCtr="0" anchor="ctr" bIns="91425" lIns="91425" spcFirstLastPara="1" rIns="91425" wrap="square" tIns="91425">
+            <a:bodyPr spcFirstLastPara="1" wrap="square" lIns="91425" tIns="91425" rIns="91425" bIns="91425" anchor="ctr" anchorCtr="0">
               <a:noAutofit/>
             </a:bodyPr>
             <a:lstStyle/>
             <a:p>
-              <a:pPr indent="0" lvl="0" marL="0" rtl="0" algn="l">
+              <a:pPr marL="0" lvl="0" indent="0" algn="l" rtl="0">
                 <a:spcBef>
                   <a:spcPts val="0"/>
                 </a:spcBef>
@@ -1316,9 +1342,6 @@
                 </a:spcAft>
                 <a:buNone/>
               </a:pPr>
-              <a:r>
-                <a:t/>
-              </a:r>
               <a:endParaRPr/>
             </a:p>
           </p:txBody>
@@ -1336,7 +1359,7 @@
             </a:xfrm>
             <a:prstGeom prst="diagStripe">
               <a:avLst>
-                <a:gd fmla="val 50000" name="adj"/>
+                <a:gd name="adj" fmla="val 50000"/>
               </a:avLst>
             </a:prstGeom>
             <a:solidFill>
@@ -1347,12 +1370,12 @@
             </a:ln>
           </p:spPr>
           <p:txBody>
-            <a:bodyPr anchorCtr="0" anchor="ctr" bIns="91425" lIns="91425" spcFirstLastPara="1" rIns="91425" wrap="square" tIns="91425">
+            <a:bodyPr spcFirstLastPara="1" wrap="square" lIns="91425" tIns="91425" rIns="91425" bIns="91425" anchor="ctr" anchorCtr="0">
               <a:noAutofit/>
             </a:bodyPr>
             <a:lstStyle/>
             <a:p>
-              <a:pPr indent="0" lvl="0" marL="0" rtl="0" algn="l">
+              <a:pPr marL="0" lvl="0" indent="0" algn="l" rtl="0">
                 <a:spcBef>
                   <a:spcPts val="0"/>
                 </a:spcBef>
@@ -1361,9 +1384,6 @@
                 </a:spcAft>
                 <a:buNone/>
               </a:pPr>
-              <a:r>
-                <a:t/>
-              </a:r>
               <a:endParaRPr/>
             </a:p>
           </p:txBody>
@@ -1372,7 +1392,9 @@
       <p:sp>
         <p:nvSpPr>
           <p:cNvPr id="16" name="Google Shape;16;p2"/>
-          <p:cNvSpPr txBox="1"/>
+          <p:cNvSpPr txBox="1">
+            <a:spLocks noGrp="1"/>
+          </p:cNvSpPr>
           <p:nvPr>
             <p:ph type="ctrTitle"/>
           </p:nvPr>
@@ -1387,7 +1409,7 @@
           </a:prstGeom>
         </p:spPr>
         <p:txBody>
-          <a:bodyPr anchorCtr="0" anchor="t" bIns="91425" lIns="91425" spcFirstLastPara="1" rIns="91425" wrap="square" tIns="91425">
+          <a:bodyPr spcFirstLastPara="1" wrap="square" lIns="91425" tIns="91425" rIns="91425" bIns="91425" anchor="t" anchorCtr="0">
             <a:noAutofit/>
           </a:bodyPr>
           <a:lstStyle>
@@ -1491,15 +1513,19 @@
               <a:defRPr sz="4000"/>
             </a:lvl9pPr>
           </a:lstStyle>
-          <a:p/>
+          <a:p>
+            <a:endParaRPr/>
+          </a:p>
         </p:txBody>
       </p:sp>
       <p:sp>
         <p:nvSpPr>
           <p:cNvPr id="17" name="Google Shape;17;p2"/>
-          <p:cNvSpPr txBox="1"/>
+          <p:cNvSpPr txBox="1">
+            <a:spLocks noGrp="1"/>
+          </p:cNvSpPr>
           <p:nvPr>
-            <p:ph idx="1" type="subTitle"/>
+            <p:ph type="subTitle" idx="1"/>
           </p:nvPr>
         </p:nvSpPr>
         <p:spPr>
@@ -1512,7 +1538,7 @@
           </a:prstGeom>
         </p:spPr>
         <p:txBody>
-          <a:bodyPr anchorCtr="0" anchor="t" bIns="91425" lIns="91425" spcFirstLastPara="1" rIns="91425" wrap="square" tIns="91425">
+          <a:bodyPr spcFirstLastPara="1" wrap="square" lIns="91425" tIns="91425" rIns="91425" bIns="91425" anchor="t" anchorCtr="0">
             <a:noAutofit/>
           </a:bodyPr>
           <a:lstStyle>
@@ -1643,15 +1669,19 @@
               <a:defRPr sz="1300"/>
             </a:lvl9pPr>
           </a:lstStyle>
-          <a:p/>
+          <a:p>
+            <a:endParaRPr/>
+          </a:p>
         </p:txBody>
       </p:sp>
       <p:sp>
         <p:nvSpPr>
           <p:cNvPr id="18" name="Google Shape;18;p2"/>
-          <p:cNvSpPr txBox="1"/>
+          <p:cNvSpPr txBox="1">
+            <a:spLocks noGrp="1"/>
+          </p:cNvSpPr>
           <p:nvPr>
-            <p:ph idx="12" type="sldNum"/>
+            <p:ph type="sldNum" idx="12"/>
           </p:nvPr>
         </p:nvSpPr>
         <p:spPr>
@@ -1664,7 +1694,7 @@
           </a:prstGeom>
         </p:spPr>
         <p:txBody>
-          <a:bodyPr anchorCtr="0" anchor="ctr" bIns="91425" lIns="91425" spcFirstLastPara="1" rIns="91425" wrap="square" tIns="91425">
+          <a:bodyPr spcFirstLastPara="1" wrap="square" lIns="91425" tIns="91425" rIns="91425" bIns="91425" anchor="ctr" anchorCtr="0">
             <a:noAutofit/>
           </a:bodyPr>
           <a:lstStyle>
@@ -1706,7 +1736,7 @@
             </a:lvl9pPr>
           </a:lstStyle>
           <a:p>
-            <a:pPr indent="0" lvl="0" marL="0" rtl="0" algn="r">
+            <a:pPr marL="0" lvl="0" indent="0" algn="r" rtl="0">
               <a:spcBef>
                 <a:spcPts val="0"/>
               </a:spcBef>
@@ -1717,7 +1747,7 @@
             </a:pPr>
             <a:fld id="{00000000-1234-1234-1234-123412341234}" type="slidenum">
               <a:rPr lang="en"/>
-              <a:t>‹#›</a:t>
+              <a:t>‹nº›</a:t>
             </a:fld>
             <a:endParaRPr/>
           </a:p>
@@ -1732,11 +1762,11 @@
 </file>
 
 <file path=ppt/slideLayouts/slideLayout10.xml><?xml version="1.0" encoding="utf-8"?>
-<p:sldLayout xmlns:a="http://schemas.openxmlformats.org/drawingml/2006/main" xmlns:r="http://schemas.openxmlformats.org/officeDocument/2006/relationships" xmlns:mc="http://schemas.openxmlformats.org/markup-compatibility/2006" xmlns:mv="urn:schemas-microsoft-com:mac:vml" xmlns:p="http://schemas.openxmlformats.org/presentationml/2006/main" xmlns:c="http://schemas.openxmlformats.org/drawingml/2006/chart" xmlns:dgm="http://schemas.openxmlformats.org/drawingml/2006/diagram" xmlns:o="urn:schemas-microsoft-com:office:office" xmlns:v="urn:schemas-microsoft-com:vml" xmlns:pvml="urn:schemas-microsoft-com:office:powerpoint" xmlns:com="http://schemas.openxmlformats.org/drawingml/2006/compatibility" xmlns:p14="http://schemas.microsoft.com/office/powerpoint/2010/main" xmlns:p15="http://schemas.microsoft.com/office/powerpoint/2012/main" matchingName="Big number">
+<p:sldLayout xmlns:a="http://schemas.openxmlformats.org/drawingml/2006/main" xmlns:r="http://schemas.openxmlformats.org/officeDocument/2006/relationships" xmlns:p="http://schemas.openxmlformats.org/presentationml/2006/main" matchingName="Big number">
   <p:cSld name="BIG_NUMBER">
     <p:spTree>
       <p:nvGrpSpPr>
-        <p:cNvPr id="105" name="Shape 105"/>
+        <p:cNvPr id="1" name="Shape 105"/>
         <p:cNvGrpSpPr/>
         <p:nvPr/>
       </p:nvGrpSpPr>
@@ -1775,7 +1805,7 @@
             </a:xfrm>
             <a:prstGeom prst="diagStripe">
               <a:avLst>
-                <a:gd fmla="val 49469" name="adj"/>
+                <a:gd name="adj" fmla="val 49469"/>
               </a:avLst>
             </a:prstGeom>
             <a:solidFill>
@@ -1788,12 +1818,12 @@
             </a:ln>
           </p:spPr>
           <p:txBody>
-            <a:bodyPr anchorCtr="0" anchor="ctr" bIns="91425" lIns="91425" spcFirstLastPara="1" rIns="91425" wrap="square" tIns="91425">
+            <a:bodyPr spcFirstLastPara="1" wrap="square" lIns="91425" tIns="91425" rIns="91425" bIns="91425" anchor="ctr" anchorCtr="0">
               <a:noAutofit/>
             </a:bodyPr>
             <a:lstStyle/>
             <a:p>
-              <a:pPr indent="0" lvl="0" marL="0" rtl="0" algn="l">
+              <a:pPr marL="0" lvl="0" indent="0" algn="l" rtl="0">
                 <a:spcBef>
                   <a:spcPts val="0"/>
                 </a:spcBef>
@@ -1802,9 +1832,6 @@
                 </a:spcAft>
                 <a:buNone/>
               </a:pPr>
-              <a:r>
-                <a:t/>
-              </a:r>
               <a:endParaRPr/>
             </a:p>
           </p:txBody>
@@ -1822,7 +1849,7 @@
             </a:xfrm>
             <a:prstGeom prst="diagStripe">
               <a:avLst>
-                <a:gd fmla="val 0" name="adj"/>
+                <a:gd name="adj" fmla="val 0"/>
               </a:avLst>
             </a:prstGeom>
             <a:solidFill>
@@ -1835,12 +1862,12 @@
             </a:ln>
           </p:spPr>
           <p:txBody>
-            <a:bodyPr anchorCtr="0" anchor="ctr" bIns="91425" lIns="91425" spcFirstLastPara="1" rIns="91425" wrap="square" tIns="91425">
+            <a:bodyPr spcFirstLastPara="1" wrap="square" lIns="91425" tIns="91425" rIns="91425" bIns="91425" anchor="ctr" anchorCtr="0">
               <a:noAutofit/>
             </a:bodyPr>
             <a:lstStyle/>
             <a:p>
-              <a:pPr indent="0" lvl="0" marL="0" rtl="0" algn="l">
+              <a:pPr marL="0" lvl="0" indent="0" algn="l" rtl="0">
                 <a:spcBef>
                   <a:spcPts val="0"/>
                 </a:spcBef>
@@ -1849,9 +1876,6 @@
                 </a:spcAft>
                 <a:buNone/>
               </a:pPr>
-              <a:r>
-                <a:t/>
-              </a:r>
               <a:endParaRPr/>
             </a:p>
           </p:txBody>
@@ -1869,7 +1893,7 @@
             </a:xfrm>
             <a:prstGeom prst="diagStripe">
               <a:avLst>
-                <a:gd fmla="val 50000" name="adj"/>
+                <a:gd name="adj" fmla="val 50000"/>
               </a:avLst>
             </a:prstGeom>
             <a:solidFill>
@@ -1882,12 +1906,12 @@
             </a:ln>
           </p:spPr>
           <p:txBody>
-            <a:bodyPr anchorCtr="0" anchor="ctr" bIns="91425" lIns="91425" spcFirstLastPara="1" rIns="91425" wrap="square" tIns="91425">
+            <a:bodyPr spcFirstLastPara="1" wrap="square" lIns="91425" tIns="91425" rIns="91425" bIns="91425" anchor="ctr" anchorCtr="0">
               <a:noAutofit/>
             </a:bodyPr>
             <a:lstStyle/>
             <a:p>
-              <a:pPr indent="0" lvl="0" marL="0" rtl="0" algn="l">
+              <a:pPr marL="0" lvl="0" indent="0" algn="l" rtl="0">
                 <a:spcBef>
                   <a:spcPts val="0"/>
                 </a:spcBef>
@@ -1896,9 +1920,6 @@
                 </a:spcAft>
                 <a:buNone/>
               </a:pPr>
-              <a:r>
-                <a:t/>
-              </a:r>
               <a:endParaRPr/>
             </a:p>
           </p:txBody>
@@ -1916,7 +1937,7 @@
             </a:xfrm>
             <a:prstGeom prst="diagStripe">
               <a:avLst>
-                <a:gd fmla="val 50000" name="adj"/>
+                <a:gd name="adj" fmla="val 50000"/>
               </a:avLst>
             </a:prstGeom>
             <a:solidFill>
@@ -1929,12 +1950,12 @@
             </a:ln>
           </p:spPr>
           <p:txBody>
-            <a:bodyPr anchorCtr="0" anchor="ctr" bIns="91425" lIns="91425" spcFirstLastPara="1" rIns="91425" wrap="square" tIns="91425">
+            <a:bodyPr spcFirstLastPara="1" wrap="square" lIns="91425" tIns="91425" rIns="91425" bIns="91425" anchor="ctr" anchorCtr="0">
               <a:noAutofit/>
             </a:bodyPr>
             <a:lstStyle/>
             <a:p>
-              <a:pPr indent="0" lvl="0" marL="0" rtl="0" algn="l">
+              <a:pPr marL="0" lvl="0" indent="0" algn="l" rtl="0">
                 <a:spcBef>
                   <a:spcPts val="0"/>
                 </a:spcBef>
@@ -1943,9 +1964,6 @@
                 </a:spcAft>
                 <a:buNone/>
               </a:pPr>
-              <a:r>
-                <a:t/>
-              </a:r>
               <a:endParaRPr/>
             </a:p>
           </p:txBody>
@@ -1963,7 +1981,7 @@
             </a:xfrm>
             <a:prstGeom prst="diagStripe">
               <a:avLst>
-                <a:gd fmla="val 50000" name="adj"/>
+                <a:gd name="adj" fmla="val 50000"/>
               </a:avLst>
             </a:prstGeom>
             <a:solidFill>
@@ -1976,12 +1994,12 @@
             </a:ln>
           </p:spPr>
           <p:txBody>
-            <a:bodyPr anchorCtr="0" anchor="ctr" bIns="91425" lIns="91425" spcFirstLastPara="1" rIns="91425" wrap="square" tIns="91425">
+            <a:bodyPr spcFirstLastPara="1" wrap="square" lIns="91425" tIns="91425" rIns="91425" bIns="91425" anchor="ctr" anchorCtr="0">
               <a:noAutofit/>
             </a:bodyPr>
             <a:lstStyle/>
             <a:p>
-              <a:pPr indent="0" lvl="0" marL="0" rtl="0" algn="l">
+              <a:pPr marL="0" lvl="0" indent="0" algn="l" rtl="0">
                 <a:spcBef>
                   <a:spcPts val="0"/>
                 </a:spcBef>
@@ -1990,9 +2008,6 @@
                 </a:spcAft>
                 <a:buNone/>
               </a:pPr>
-              <a:r>
-                <a:t/>
-              </a:r>
               <a:endParaRPr/>
             </a:p>
           </p:txBody>
@@ -2010,7 +2025,7 @@
             </a:xfrm>
             <a:prstGeom prst="diagStripe">
               <a:avLst>
-                <a:gd fmla="val 50000" name="adj"/>
+                <a:gd name="adj" fmla="val 50000"/>
               </a:avLst>
             </a:prstGeom>
             <a:solidFill>
@@ -2023,12 +2038,12 @@
             </a:ln>
           </p:spPr>
           <p:txBody>
-            <a:bodyPr anchorCtr="0" anchor="ctr" bIns="91425" lIns="91425" spcFirstLastPara="1" rIns="91425" wrap="square" tIns="91425">
+            <a:bodyPr spcFirstLastPara="1" wrap="square" lIns="91425" tIns="91425" rIns="91425" bIns="91425" anchor="ctr" anchorCtr="0">
               <a:noAutofit/>
             </a:bodyPr>
             <a:lstStyle/>
             <a:p>
-              <a:pPr indent="0" lvl="0" marL="0" rtl="0" algn="l">
+              <a:pPr marL="0" lvl="0" indent="0" algn="l" rtl="0">
                 <a:spcBef>
                   <a:spcPts val="0"/>
                 </a:spcBef>
@@ -2037,9 +2052,6 @@
                 </a:spcAft>
                 <a:buNone/>
               </a:pPr>
-              <a:r>
-                <a:t/>
-              </a:r>
               <a:endParaRPr/>
             </a:p>
           </p:txBody>
@@ -2057,7 +2069,7 @@
             </a:xfrm>
             <a:prstGeom prst="diagStripe">
               <a:avLst>
-                <a:gd fmla="val 50000" name="adj"/>
+                <a:gd name="adj" fmla="val 50000"/>
               </a:avLst>
             </a:prstGeom>
             <a:solidFill>
@@ -2070,12 +2082,12 @@
             </a:ln>
           </p:spPr>
           <p:txBody>
-            <a:bodyPr anchorCtr="0" anchor="ctr" bIns="91425" lIns="91425" spcFirstLastPara="1" rIns="91425" wrap="square" tIns="91425">
+            <a:bodyPr spcFirstLastPara="1" wrap="square" lIns="91425" tIns="91425" rIns="91425" bIns="91425" anchor="ctr" anchorCtr="0">
               <a:noAutofit/>
             </a:bodyPr>
             <a:lstStyle/>
             <a:p>
-              <a:pPr indent="0" lvl="0" marL="0" rtl="0" algn="l">
+              <a:pPr marL="0" lvl="0" indent="0" algn="l" rtl="0">
                 <a:spcBef>
                   <a:spcPts val="0"/>
                 </a:spcBef>
@@ -2084,9 +2096,6 @@
                 </a:spcAft>
                 <a:buNone/>
               </a:pPr>
-              <a:r>
-                <a:t/>
-              </a:r>
               <a:endParaRPr/>
             </a:p>
           </p:txBody>
@@ -2104,7 +2113,7 @@
             </a:xfrm>
             <a:prstGeom prst="diagStripe">
               <a:avLst>
-                <a:gd fmla="val 50000" name="adj"/>
+                <a:gd name="adj" fmla="val 50000"/>
               </a:avLst>
             </a:prstGeom>
             <a:solidFill>
@@ -2115,12 +2124,12 @@
             </a:ln>
           </p:spPr>
           <p:txBody>
-            <a:bodyPr anchorCtr="0" anchor="ctr" bIns="91425" lIns="91425" spcFirstLastPara="1" rIns="91425" wrap="square" tIns="91425">
+            <a:bodyPr spcFirstLastPara="1" wrap="square" lIns="91425" tIns="91425" rIns="91425" bIns="91425" anchor="ctr" anchorCtr="0">
               <a:noAutofit/>
             </a:bodyPr>
             <a:lstStyle/>
             <a:p>
-              <a:pPr indent="0" lvl="0" marL="0" rtl="0" algn="l">
+              <a:pPr marL="0" lvl="0" indent="0" algn="l" rtl="0">
                 <a:spcBef>
                   <a:spcPts val="0"/>
                 </a:spcBef>
@@ -2129,9 +2138,6 @@
                 </a:spcAft>
                 <a:buNone/>
               </a:pPr>
-              <a:r>
-                <a:t/>
-              </a:r>
               <a:endParaRPr/>
             </a:p>
           </p:txBody>
@@ -2149,7 +2155,7 @@
             </a:xfrm>
             <a:prstGeom prst="diagStripe">
               <a:avLst>
-                <a:gd fmla="val 50000" name="adj"/>
+                <a:gd name="adj" fmla="val 50000"/>
               </a:avLst>
             </a:prstGeom>
             <a:solidFill>
@@ -2162,12 +2168,12 @@
             </a:ln>
           </p:spPr>
           <p:txBody>
-            <a:bodyPr anchorCtr="0" anchor="ctr" bIns="91425" lIns="91425" spcFirstLastPara="1" rIns="91425" wrap="square" tIns="91425">
+            <a:bodyPr spcFirstLastPara="1" wrap="square" lIns="91425" tIns="91425" rIns="91425" bIns="91425" anchor="ctr" anchorCtr="0">
               <a:noAutofit/>
             </a:bodyPr>
             <a:lstStyle/>
             <a:p>
-              <a:pPr indent="0" lvl="0" marL="0" rtl="0" algn="l">
+              <a:pPr marL="0" lvl="0" indent="0" algn="l" rtl="0">
                 <a:spcBef>
                   <a:spcPts val="0"/>
                 </a:spcBef>
@@ -2176,9 +2182,6 @@
                 </a:spcAft>
                 <a:buNone/>
               </a:pPr>
-              <a:r>
-                <a:t/>
-              </a:r>
               <a:endParaRPr/>
             </a:p>
           </p:txBody>
@@ -2196,7 +2199,7 @@
             </a:xfrm>
             <a:prstGeom prst="diagStripe">
               <a:avLst>
-                <a:gd fmla="val 50000" name="adj"/>
+                <a:gd name="adj" fmla="val 50000"/>
               </a:avLst>
             </a:prstGeom>
             <a:solidFill>
@@ -2209,12 +2212,12 @@
             </a:ln>
           </p:spPr>
           <p:txBody>
-            <a:bodyPr anchorCtr="0" anchor="ctr" bIns="91425" lIns="91425" spcFirstLastPara="1" rIns="91425" wrap="square" tIns="91425">
+            <a:bodyPr spcFirstLastPara="1" wrap="square" lIns="91425" tIns="91425" rIns="91425" bIns="91425" anchor="ctr" anchorCtr="0">
               <a:noAutofit/>
             </a:bodyPr>
             <a:lstStyle/>
             <a:p>
-              <a:pPr indent="0" lvl="0" marL="0" rtl="0" algn="l">
+              <a:pPr marL="0" lvl="0" indent="0" algn="l" rtl="0">
                 <a:spcBef>
                   <a:spcPts val="0"/>
                 </a:spcBef>
@@ -2223,9 +2226,6 @@
                 </a:spcAft>
                 <a:buNone/>
               </a:pPr>
-              <a:r>
-                <a:t/>
-              </a:r>
               <a:endParaRPr/>
             </a:p>
           </p:txBody>
@@ -2243,7 +2243,7 @@
             </a:xfrm>
             <a:prstGeom prst="diagStripe">
               <a:avLst>
-                <a:gd fmla="val 50000" name="adj"/>
+                <a:gd name="adj" fmla="val 50000"/>
               </a:avLst>
             </a:prstGeom>
             <a:solidFill>
@@ -2256,12 +2256,12 @@
             </a:ln>
           </p:spPr>
           <p:txBody>
-            <a:bodyPr anchorCtr="0" anchor="ctr" bIns="91425" lIns="91425" spcFirstLastPara="1" rIns="91425" wrap="square" tIns="91425">
+            <a:bodyPr spcFirstLastPara="1" wrap="square" lIns="91425" tIns="91425" rIns="91425" bIns="91425" anchor="ctr" anchorCtr="0">
               <a:noAutofit/>
             </a:bodyPr>
             <a:lstStyle/>
             <a:p>
-              <a:pPr indent="0" lvl="0" marL="0" rtl="0" algn="l">
+              <a:pPr marL="0" lvl="0" indent="0" algn="l" rtl="0">
                 <a:spcBef>
                   <a:spcPts val="0"/>
                 </a:spcBef>
@@ -2270,9 +2270,6 @@
                 </a:spcAft>
                 <a:buNone/>
               </a:pPr>
-              <a:r>
-                <a:t/>
-              </a:r>
               <a:endParaRPr/>
             </a:p>
           </p:txBody>
@@ -2290,7 +2287,7 @@
             </a:xfrm>
             <a:prstGeom prst="diagStripe">
               <a:avLst>
-                <a:gd fmla="val 50000" name="adj"/>
+                <a:gd name="adj" fmla="val 50000"/>
               </a:avLst>
             </a:prstGeom>
             <a:solidFill>
@@ -2303,12 +2300,12 @@
             </a:ln>
           </p:spPr>
           <p:txBody>
-            <a:bodyPr anchorCtr="0" anchor="ctr" bIns="91425" lIns="91425" spcFirstLastPara="1" rIns="91425" wrap="square" tIns="91425">
+            <a:bodyPr spcFirstLastPara="1" wrap="square" lIns="91425" tIns="91425" rIns="91425" bIns="91425" anchor="ctr" anchorCtr="0">
               <a:noAutofit/>
             </a:bodyPr>
             <a:lstStyle/>
             <a:p>
-              <a:pPr indent="0" lvl="0" marL="0" rtl="0" algn="l">
+              <a:pPr marL="0" lvl="0" indent="0" algn="l" rtl="0">
                 <a:spcBef>
                   <a:spcPts val="0"/>
                 </a:spcBef>
@@ -2317,9 +2314,6 @@
                 </a:spcAft>
                 <a:buNone/>
               </a:pPr>
-              <a:r>
-                <a:t/>
-              </a:r>
               <a:endParaRPr/>
             </a:p>
           </p:txBody>
@@ -2337,7 +2331,7 @@
             </a:xfrm>
             <a:prstGeom prst="diagStripe">
               <a:avLst>
-                <a:gd fmla="val 50000" name="adj"/>
+                <a:gd name="adj" fmla="val 50000"/>
               </a:avLst>
             </a:prstGeom>
             <a:solidFill>
@@ -2350,12 +2344,12 @@
             </a:ln>
           </p:spPr>
           <p:txBody>
-            <a:bodyPr anchorCtr="0" anchor="ctr" bIns="91425" lIns="91425" spcFirstLastPara="1" rIns="91425" wrap="square" tIns="91425">
+            <a:bodyPr spcFirstLastPara="1" wrap="square" lIns="91425" tIns="91425" rIns="91425" bIns="91425" anchor="ctr" anchorCtr="0">
               <a:noAutofit/>
             </a:bodyPr>
             <a:lstStyle/>
             <a:p>
-              <a:pPr indent="0" lvl="0" marL="0" rtl="0" algn="l">
+              <a:pPr marL="0" lvl="0" indent="0" algn="l" rtl="0">
                 <a:spcBef>
                   <a:spcPts val="0"/>
                 </a:spcBef>
@@ -2364,9 +2358,6 @@
                 </a:spcAft>
                 <a:buNone/>
               </a:pPr>
-              <a:r>
-                <a:t/>
-              </a:r>
               <a:endParaRPr/>
             </a:p>
           </p:txBody>
@@ -2384,7 +2375,7 @@
             </a:xfrm>
             <a:prstGeom prst="diagStripe">
               <a:avLst>
-                <a:gd fmla="val 50000" name="adj"/>
+                <a:gd name="adj" fmla="val 50000"/>
               </a:avLst>
             </a:prstGeom>
             <a:solidFill>
@@ -2395,12 +2386,12 @@
             </a:ln>
           </p:spPr>
           <p:txBody>
-            <a:bodyPr anchorCtr="0" anchor="ctr" bIns="91425" lIns="91425" spcFirstLastPara="1" rIns="91425" wrap="square" tIns="91425">
+            <a:bodyPr spcFirstLastPara="1" wrap="square" lIns="91425" tIns="91425" rIns="91425" bIns="91425" anchor="ctr" anchorCtr="0">
               <a:noAutofit/>
             </a:bodyPr>
             <a:lstStyle/>
             <a:p>
-              <a:pPr indent="0" lvl="0" marL="0" rtl="0" algn="l">
+              <a:pPr marL="0" lvl="0" indent="0" algn="l" rtl="0">
                 <a:spcBef>
                   <a:spcPts val="0"/>
                 </a:spcBef>
@@ -2409,9 +2400,6 @@
                 </a:spcAft>
                 <a:buNone/>
               </a:pPr>
-              <a:r>
-                <a:t/>
-              </a:r>
               <a:endParaRPr/>
             </a:p>
           </p:txBody>
@@ -2429,7 +2417,7 @@
             </a:xfrm>
             <a:prstGeom prst="diagStripe">
               <a:avLst>
-                <a:gd fmla="val 50000" name="adj"/>
+                <a:gd name="adj" fmla="val 50000"/>
               </a:avLst>
             </a:prstGeom>
             <a:solidFill>
@@ -2442,12 +2430,12 @@
             </a:ln>
           </p:spPr>
           <p:txBody>
-            <a:bodyPr anchorCtr="0" anchor="ctr" bIns="91425" lIns="91425" spcFirstLastPara="1" rIns="91425" wrap="square" tIns="91425">
+            <a:bodyPr spcFirstLastPara="1" wrap="square" lIns="91425" tIns="91425" rIns="91425" bIns="91425" anchor="ctr" anchorCtr="0">
               <a:noAutofit/>
             </a:bodyPr>
             <a:lstStyle/>
             <a:p>
-              <a:pPr indent="0" lvl="0" marL="0" rtl="0" algn="l">
+              <a:pPr marL="0" lvl="0" indent="0" algn="l" rtl="0">
                 <a:spcBef>
                   <a:spcPts val="0"/>
                 </a:spcBef>
@@ -2456,9 +2444,6 @@
                 </a:spcAft>
                 <a:buNone/>
               </a:pPr>
-              <a:r>
-                <a:t/>
-              </a:r>
               <a:endParaRPr/>
             </a:p>
           </p:txBody>
@@ -2476,7 +2461,7 @@
             </a:xfrm>
             <a:prstGeom prst="diagStripe">
               <a:avLst>
-                <a:gd fmla="val 50000" name="adj"/>
+                <a:gd name="adj" fmla="val 50000"/>
               </a:avLst>
             </a:prstGeom>
             <a:solidFill>
@@ -2489,12 +2474,12 @@
             </a:ln>
           </p:spPr>
           <p:txBody>
-            <a:bodyPr anchorCtr="0" anchor="ctr" bIns="91425" lIns="91425" spcFirstLastPara="1" rIns="91425" wrap="square" tIns="91425">
+            <a:bodyPr spcFirstLastPara="1" wrap="square" lIns="91425" tIns="91425" rIns="91425" bIns="91425" anchor="ctr" anchorCtr="0">
               <a:noAutofit/>
             </a:bodyPr>
             <a:lstStyle/>
             <a:p>
-              <a:pPr indent="0" lvl="0" marL="0" rtl="0" algn="l">
+              <a:pPr marL="0" lvl="0" indent="0" algn="l" rtl="0">
                 <a:spcBef>
                   <a:spcPts val="0"/>
                 </a:spcBef>
@@ -2503,9 +2488,6 @@
                 </a:spcAft>
                 <a:buNone/>
               </a:pPr>
-              <a:r>
-                <a:t/>
-              </a:r>
               <a:endParaRPr/>
             </a:p>
           </p:txBody>
@@ -2523,7 +2505,7 @@
             </a:xfrm>
             <a:prstGeom prst="diagStripe">
               <a:avLst>
-                <a:gd fmla="val 50000" name="adj"/>
+                <a:gd name="adj" fmla="val 50000"/>
               </a:avLst>
             </a:prstGeom>
             <a:solidFill>
@@ -2536,12 +2518,12 @@
             </a:ln>
           </p:spPr>
           <p:txBody>
-            <a:bodyPr anchorCtr="0" anchor="ctr" bIns="91425" lIns="91425" spcFirstLastPara="1" rIns="91425" wrap="square" tIns="91425">
+            <a:bodyPr spcFirstLastPara="1" wrap="square" lIns="91425" tIns="91425" rIns="91425" bIns="91425" anchor="ctr" anchorCtr="0">
               <a:noAutofit/>
             </a:bodyPr>
             <a:lstStyle/>
             <a:p>
-              <a:pPr indent="0" lvl="0" marL="0" rtl="0" algn="l">
+              <a:pPr marL="0" lvl="0" indent="0" algn="l" rtl="0">
                 <a:spcBef>
                   <a:spcPts val="0"/>
                 </a:spcBef>
@@ -2550,9 +2532,6 @@
                 </a:spcAft>
                 <a:buNone/>
               </a:pPr>
-              <a:r>
-                <a:t/>
-              </a:r>
               <a:endParaRPr/>
             </a:p>
           </p:txBody>
@@ -2570,7 +2549,7 @@
             </a:xfrm>
             <a:prstGeom prst="diagStripe">
               <a:avLst>
-                <a:gd fmla="val 50000" name="adj"/>
+                <a:gd name="adj" fmla="val 50000"/>
               </a:avLst>
             </a:prstGeom>
             <a:solidFill>
@@ -2583,12 +2562,12 @@
             </a:ln>
           </p:spPr>
           <p:txBody>
-            <a:bodyPr anchorCtr="0" anchor="ctr" bIns="91425" lIns="91425" spcFirstLastPara="1" rIns="91425" wrap="square" tIns="91425">
+            <a:bodyPr spcFirstLastPara="1" wrap="square" lIns="91425" tIns="91425" rIns="91425" bIns="91425" anchor="ctr" anchorCtr="0">
               <a:noAutofit/>
             </a:bodyPr>
             <a:lstStyle/>
             <a:p>
-              <a:pPr indent="0" lvl="0" marL="0" rtl="0" algn="l">
+              <a:pPr marL="0" lvl="0" indent="0" algn="l" rtl="0">
                 <a:spcBef>
                   <a:spcPts val="0"/>
                 </a:spcBef>
@@ -2597,9 +2576,6 @@
                 </a:spcAft>
                 <a:buNone/>
               </a:pPr>
-              <a:r>
-                <a:t/>
-              </a:r>
               <a:endParaRPr/>
             </a:p>
           </p:txBody>
@@ -2608,9 +2584,11 @@
       <p:sp>
         <p:nvSpPr>
           <p:cNvPr id="125" name="Google Shape;125;p11"/>
-          <p:cNvSpPr txBox="1"/>
+          <p:cNvSpPr txBox="1">
+            <a:spLocks noGrp="1"/>
+          </p:cNvSpPr>
           <p:nvPr>
-            <p:ph hasCustomPrompt="1" type="title"/>
+            <p:ph type="title" hasCustomPrompt="1"/>
           </p:nvPr>
         </p:nvSpPr>
         <p:spPr>
@@ -2623,7 +2601,7 @@
           </a:prstGeom>
         </p:spPr>
         <p:txBody>
-          <a:bodyPr anchorCtr="0" anchor="t" bIns="91425" lIns="91425" spcFirstLastPara="1" rIns="91425" wrap="square" tIns="91425">
+          <a:bodyPr spcFirstLastPara="1" wrap="square" lIns="91425" tIns="91425" rIns="91425" bIns="91425" anchor="t" anchorCtr="0">
             <a:noAutofit/>
           </a:bodyPr>
           <a:lstStyle>
@@ -2737,9 +2715,11 @@
       <p:sp>
         <p:nvSpPr>
           <p:cNvPr id="126" name="Google Shape;126;p11"/>
-          <p:cNvSpPr txBox="1"/>
+          <p:cNvSpPr txBox="1">
+            <a:spLocks noGrp="1"/>
+          </p:cNvSpPr>
           <p:nvPr>
-            <p:ph idx="1" type="body"/>
+            <p:ph type="body" idx="1"/>
           </p:nvPr>
         </p:nvSpPr>
         <p:spPr>
@@ -2752,11 +2732,11 @@
           </a:prstGeom>
         </p:spPr>
         <p:txBody>
-          <a:bodyPr anchorCtr="0" anchor="t" bIns="91425" lIns="91425" spcFirstLastPara="1" rIns="91425" wrap="square" tIns="91425">
+          <a:bodyPr spcFirstLastPara="1" wrap="square" lIns="91425" tIns="91425" rIns="91425" bIns="91425" anchor="t" anchorCtr="0">
             <a:noAutofit/>
           </a:bodyPr>
           <a:lstStyle>
-            <a:lvl1pPr indent="-311150" lvl="0" marL="457200">
+            <a:lvl1pPr marL="457200" lvl="0" indent="-311150">
               <a:spcBef>
                 <a:spcPts val="0"/>
               </a:spcBef>
@@ -2767,7 +2747,7 @@
               <a:buChar char="●"/>
               <a:defRPr/>
             </a:lvl1pPr>
-            <a:lvl2pPr indent="-298450" lvl="1" marL="914400">
+            <a:lvl2pPr marL="914400" lvl="1" indent="-298450">
               <a:spcBef>
                 <a:spcPts val="1600"/>
               </a:spcBef>
@@ -2778,7 +2758,7 @@
               <a:buChar char="○"/>
               <a:defRPr/>
             </a:lvl2pPr>
-            <a:lvl3pPr indent="-298450" lvl="2" marL="1371600">
+            <a:lvl3pPr marL="1371600" lvl="2" indent="-298450">
               <a:spcBef>
                 <a:spcPts val="1600"/>
               </a:spcBef>
@@ -2789,7 +2769,7 @@
               <a:buChar char="■"/>
               <a:defRPr/>
             </a:lvl3pPr>
-            <a:lvl4pPr indent="-298450" lvl="3" marL="1828800">
+            <a:lvl4pPr marL="1828800" lvl="3" indent="-298450">
               <a:spcBef>
                 <a:spcPts val="1600"/>
               </a:spcBef>
@@ -2800,7 +2780,7 @@
               <a:buChar char="●"/>
               <a:defRPr/>
             </a:lvl4pPr>
-            <a:lvl5pPr indent="-298450" lvl="4" marL="2286000">
+            <a:lvl5pPr marL="2286000" lvl="4" indent="-298450">
               <a:spcBef>
                 <a:spcPts val="1600"/>
               </a:spcBef>
@@ -2811,7 +2791,7 @@
               <a:buChar char="○"/>
               <a:defRPr/>
             </a:lvl5pPr>
-            <a:lvl6pPr indent="-298450" lvl="5" marL="2743200">
+            <a:lvl6pPr marL="2743200" lvl="5" indent="-298450">
               <a:spcBef>
                 <a:spcPts val="1600"/>
               </a:spcBef>
@@ -2822,7 +2802,7 @@
               <a:buChar char="■"/>
               <a:defRPr/>
             </a:lvl6pPr>
-            <a:lvl7pPr indent="-298450" lvl="6" marL="3200400">
+            <a:lvl7pPr marL="3200400" lvl="6" indent="-298450">
               <a:spcBef>
                 <a:spcPts val="1600"/>
               </a:spcBef>
@@ -2833,7 +2813,7 @@
               <a:buChar char="●"/>
               <a:defRPr/>
             </a:lvl7pPr>
-            <a:lvl8pPr indent="-298450" lvl="7" marL="3657600">
+            <a:lvl8pPr marL="3657600" lvl="7" indent="-298450">
               <a:spcBef>
                 <a:spcPts val="1600"/>
               </a:spcBef>
@@ -2844,7 +2824,7 @@
               <a:buChar char="○"/>
               <a:defRPr/>
             </a:lvl8pPr>
-            <a:lvl9pPr indent="-298450" lvl="8" marL="4114800">
+            <a:lvl9pPr marL="4114800" lvl="8" indent="-298450">
               <a:spcBef>
                 <a:spcPts val="1600"/>
               </a:spcBef>
@@ -2856,15 +2836,19 @@
               <a:defRPr/>
             </a:lvl9pPr>
           </a:lstStyle>
-          <a:p/>
+          <a:p>
+            <a:endParaRPr/>
+          </a:p>
         </p:txBody>
       </p:sp>
       <p:sp>
         <p:nvSpPr>
           <p:cNvPr id="127" name="Google Shape;127;p11"/>
-          <p:cNvSpPr txBox="1"/>
+          <p:cNvSpPr txBox="1">
+            <a:spLocks noGrp="1"/>
+          </p:cNvSpPr>
           <p:nvPr>
-            <p:ph idx="12" type="sldNum"/>
+            <p:ph type="sldNum" idx="12"/>
           </p:nvPr>
         </p:nvSpPr>
         <p:spPr>
@@ -2877,7 +2861,7 @@
           </a:prstGeom>
         </p:spPr>
         <p:txBody>
-          <a:bodyPr anchorCtr="0" anchor="ctr" bIns="91425" lIns="91425" spcFirstLastPara="1" rIns="91425" wrap="square" tIns="91425">
+          <a:bodyPr spcFirstLastPara="1" wrap="square" lIns="91425" tIns="91425" rIns="91425" bIns="91425" anchor="ctr" anchorCtr="0">
             <a:noAutofit/>
           </a:bodyPr>
           <a:lstStyle>
@@ -2919,7 +2903,7 @@
             </a:lvl9pPr>
           </a:lstStyle>
           <a:p>
-            <a:pPr indent="0" lvl="0" marL="0" rtl="0" algn="r">
+            <a:pPr marL="0" lvl="0" indent="0" algn="r" rtl="0">
               <a:spcBef>
                 <a:spcPts val="0"/>
               </a:spcBef>
@@ -2930,7 +2914,7 @@
             </a:pPr>
             <a:fld id="{00000000-1234-1234-1234-123412341234}" type="slidenum">
               <a:rPr lang="en"/>
-              <a:t>‹#›</a:t>
+              <a:t>‹nº›</a:t>
             </a:fld>
             <a:endParaRPr/>
           </a:p>
@@ -2945,11 +2929,11 @@
 </file>
 
 <file path=ppt/slideLayouts/slideLayout11.xml><?xml version="1.0" encoding="utf-8"?>
-<p:sldLayout xmlns:a="http://schemas.openxmlformats.org/drawingml/2006/main" xmlns:r="http://schemas.openxmlformats.org/officeDocument/2006/relationships" xmlns:mc="http://schemas.openxmlformats.org/markup-compatibility/2006" xmlns:mv="urn:schemas-microsoft-com:mac:vml" xmlns:p="http://schemas.openxmlformats.org/presentationml/2006/main" xmlns:c="http://schemas.openxmlformats.org/drawingml/2006/chart" xmlns:dgm="http://schemas.openxmlformats.org/drawingml/2006/diagram" xmlns:o="urn:schemas-microsoft-com:office:office" xmlns:v="urn:schemas-microsoft-com:vml" xmlns:pvml="urn:schemas-microsoft-com:office:powerpoint" xmlns:com="http://schemas.openxmlformats.org/drawingml/2006/compatibility" xmlns:p14="http://schemas.microsoft.com/office/powerpoint/2010/main" xmlns:p15="http://schemas.microsoft.com/office/powerpoint/2012/main" matchingName="Blank" type="blank">
+<p:sldLayout xmlns:a="http://schemas.openxmlformats.org/drawingml/2006/main" xmlns:r="http://schemas.openxmlformats.org/officeDocument/2006/relationships" xmlns:p="http://schemas.openxmlformats.org/presentationml/2006/main" matchingName="Blank" type="blank">
   <p:cSld name="BLANK">
     <p:spTree>
       <p:nvGrpSpPr>
-        <p:cNvPr id="128" name="Shape 128"/>
+        <p:cNvPr id="1" name="Shape 128"/>
         <p:cNvGrpSpPr/>
         <p:nvPr/>
       </p:nvGrpSpPr>
@@ -2964,9 +2948,11 @@
       <p:sp>
         <p:nvSpPr>
           <p:cNvPr id="129" name="Google Shape;129;p12"/>
-          <p:cNvSpPr txBox="1"/>
+          <p:cNvSpPr txBox="1">
+            <a:spLocks noGrp="1"/>
+          </p:cNvSpPr>
           <p:nvPr>
-            <p:ph idx="12" type="sldNum"/>
+            <p:ph type="sldNum" idx="12"/>
           </p:nvPr>
         </p:nvSpPr>
         <p:spPr>
@@ -2979,7 +2965,7 @@
           </a:prstGeom>
         </p:spPr>
         <p:txBody>
-          <a:bodyPr anchorCtr="0" anchor="ctr" bIns="91425" lIns="91425" spcFirstLastPara="1" rIns="91425" wrap="square" tIns="91425">
+          <a:bodyPr spcFirstLastPara="1" wrap="square" lIns="91425" tIns="91425" rIns="91425" bIns="91425" anchor="ctr" anchorCtr="0">
             <a:noAutofit/>
           </a:bodyPr>
           <a:lstStyle>
@@ -3021,7 +3007,7 @@
             </a:lvl9pPr>
           </a:lstStyle>
           <a:p>
-            <a:pPr indent="0" lvl="0" marL="0" rtl="0" algn="r">
+            <a:pPr marL="0" lvl="0" indent="0" algn="r" rtl="0">
               <a:spcBef>
                 <a:spcPts val="0"/>
               </a:spcBef>
@@ -3032,7 +3018,7 @@
             </a:pPr>
             <a:fld id="{00000000-1234-1234-1234-123412341234}" type="slidenum">
               <a:rPr lang="en"/>
-              <a:t>‹#›</a:t>
+              <a:t>‹nº›</a:t>
             </a:fld>
             <a:endParaRPr/>
           </a:p>
@@ -3047,11 +3033,11 @@
 </file>
 
 <file path=ppt/slideLayouts/slideLayout2.xml><?xml version="1.0" encoding="utf-8"?>
-<p:sldLayout xmlns:a="http://schemas.openxmlformats.org/drawingml/2006/main" xmlns:r="http://schemas.openxmlformats.org/officeDocument/2006/relationships" xmlns:mc="http://schemas.openxmlformats.org/markup-compatibility/2006" xmlns:mv="urn:schemas-microsoft-com:mac:vml" xmlns:p="http://schemas.openxmlformats.org/presentationml/2006/main" xmlns:c="http://schemas.openxmlformats.org/drawingml/2006/chart" xmlns:dgm="http://schemas.openxmlformats.org/drawingml/2006/diagram" xmlns:o="urn:schemas-microsoft-com:office:office" xmlns:v="urn:schemas-microsoft-com:vml" xmlns:pvml="urn:schemas-microsoft-com:office:powerpoint" xmlns:com="http://schemas.openxmlformats.org/drawingml/2006/compatibility" xmlns:p14="http://schemas.microsoft.com/office/powerpoint/2010/main" xmlns:p15="http://schemas.microsoft.com/office/powerpoint/2012/main" matchingName="Section header" type="secHead">
+<p:sldLayout xmlns:a="http://schemas.openxmlformats.org/drawingml/2006/main" xmlns:r="http://schemas.openxmlformats.org/officeDocument/2006/relationships" xmlns:p="http://schemas.openxmlformats.org/presentationml/2006/main" matchingName="Section header" type="secHead">
   <p:cSld name="SECTION_HEADER">
     <p:spTree>
       <p:nvGrpSpPr>
-        <p:cNvPr id="19" name="Shape 19"/>
+        <p:cNvPr id="1" name="Shape 19"/>
         <p:cNvGrpSpPr/>
         <p:nvPr/>
       </p:nvGrpSpPr>
@@ -3090,7 +3076,7 @@
             </a:xfrm>
             <a:prstGeom prst="diagStripe">
               <a:avLst>
-                <a:gd fmla="val 49469" name="adj"/>
+                <a:gd name="adj" fmla="val 49469"/>
               </a:avLst>
             </a:prstGeom>
             <a:solidFill>
@@ -3103,12 +3089,12 @@
             </a:ln>
           </p:spPr>
           <p:txBody>
-            <a:bodyPr anchorCtr="0" anchor="ctr" bIns="91425" lIns="91425" spcFirstLastPara="1" rIns="91425" wrap="square" tIns="91425">
+            <a:bodyPr spcFirstLastPara="1" wrap="square" lIns="91425" tIns="91425" rIns="91425" bIns="91425" anchor="ctr" anchorCtr="0">
               <a:noAutofit/>
             </a:bodyPr>
             <a:lstStyle/>
             <a:p>
-              <a:pPr indent="0" lvl="0" marL="0" rtl="0" algn="l">
+              <a:pPr marL="0" lvl="0" indent="0" algn="l" rtl="0">
                 <a:spcBef>
                   <a:spcPts val="0"/>
                 </a:spcBef>
@@ -3117,9 +3103,6 @@
                 </a:spcAft>
                 <a:buNone/>
               </a:pPr>
-              <a:r>
-                <a:t/>
-              </a:r>
               <a:endParaRPr/>
             </a:p>
           </p:txBody>
@@ -3137,7 +3120,7 @@
             </a:xfrm>
             <a:prstGeom prst="diagStripe">
               <a:avLst>
-                <a:gd fmla="val 0" name="adj"/>
+                <a:gd name="adj" fmla="val 0"/>
               </a:avLst>
             </a:prstGeom>
             <a:solidFill>
@@ -3150,12 +3133,12 @@
             </a:ln>
           </p:spPr>
           <p:txBody>
-            <a:bodyPr anchorCtr="0" anchor="ctr" bIns="91425" lIns="91425" spcFirstLastPara="1" rIns="91425" wrap="square" tIns="91425">
+            <a:bodyPr spcFirstLastPara="1" wrap="square" lIns="91425" tIns="91425" rIns="91425" bIns="91425" anchor="ctr" anchorCtr="0">
               <a:noAutofit/>
             </a:bodyPr>
             <a:lstStyle/>
             <a:p>
-              <a:pPr indent="0" lvl="0" marL="0" rtl="0" algn="l">
+              <a:pPr marL="0" lvl="0" indent="0" algn="l" rtl="0">
                 <a:spcBef>
                   <a:spcPts val="0"/>
                 </a:spcBef>
@@ -3164,9 +3147,6 @@
                 </a:spcAft>
                 <a:buNone/>
               </a:pPr>
-              <a:r>
-                <a:t/>
-              </a:r>
               <a:endParaRPr/>
             </a:p>
           </p:txBody>
@@ -3184,7 +3164,7 @@
             </a:xfrm>
             <a:prstGeom prst="diagStripe">
               <a:avLst>
-                <a:gd fmla="val 50000" name="adj"/>
+                <a:gd name="adj" fmla="val 50000"/>
               </a:avLst>
             </a:prstGeom>
             <a:solidFill>
@@ -3197,12 +3177,12 @@
             </a:ln>
           </p:spPr>
           <p:txBody>
-            <a:bodyPr anchorCtr="0" anchor="ctr" bIns="91425" lIns="91425" spcFirstLastPara="1" rIns="91425" wrap="square" tIns="91425">
+            <a:bodyPr spcFirstLastPara="1" wrap="square" lIns="91425" tIns="91425" rIns="91425" bIns="91425" anchor="ctr" anchorCtr="0">
               <a:noAutofit/>
             </a:bodyPr>
             <a:lstStyle/>
             <a:p>
-              <a:pPr indent="0" lvl="0" marL="0" rtl="0" algn="l">
+              <a:pPr marL="0" lvl="0" indent="0" algn="l" rtl="0">
                 <a:spcBef>
                   <a:spcPts val="0"/>
                 </a:spcBef>
@@ -3211,9 +3191,6 @@
                 </a:spcAft>
                 <a:buNone/>
               </a:pPr>
-              <a:r>
-                <a:t/>
-              </a:r>
               <a:endParaRPr/>
             </a:p>
           </p:txBody>
@@ -3231,7 +3208,7 @@
             </a:xfrm>
             <a:prstGeom prst="diagStripe">
               <a:avLst>
-                <a:gd fmla="val 50000" name="adj"/>
+                <a:gd name="adj" fmla="val 50000"/>
               </a:avLst>
             </a:prstGeom>
             <a:solidFill>
@@ -3244,12 +3221,12 @@
             </a:ln>
           </p:spPr>
           <p:txBody>
-            <a:bodyPr anchorCtr="0" anchor="ctr" bIns="91425" lIns="91425" spcFirstLastPara="1" rIns="91425" wrap="square" tIns="91425">
+            <a:bodyPr spcFirstLastPara="1" wrap="square" lIns="91425" tIns="91425" rIns="91425" bIns="91425" anchor="ctr" anchorCtr="0">
               <a:noAutofit/>
             </a:bodyPr>
             <a:lstStyle/>
             <a:p>
-              <a:pPr indent="0" lvl="0" marL="0" rtl="0" algn="l">
+              <a:pPr marL="0" lvl="0" indent="0" algn="l" rtl="0">
                 <a:spcBef>
                   <a:spcPts val="0"/>
                 </a:spcBef>
@@ -3258,9 +3235,6 @@
                 </a:spcAft>
                 <a:buNone/>
               </a:pPr>
-              <a:r>
-                <a:t/>
-              </a:r>
               <a:endParaRPr/>
             </a:p>
           </p:txBody>
@@ -3278,7 +3252,7 @@
             </a:xfrm>
             <a:prstGeom prst="diagStripe">
               <a:avLst>
-                <a:gd fmla="val 50000" name="adj"/>
+                <a:gd name="adj" fmla="val 50000"/>
               </a:avLst>
             </a:prstGeom>
             <a:solidFill>
@@ -3291,12 +3265,12 @@
             </a:ln>
           </p:spPr>
           <p:txBody>
-            <a:bodyPr anchorCtr="0" anchor="ctr" bIns="91425" lIns="91425" spcFirstLastPara="1" rIns="91425" wrap="square" tIns="91425">
+            <a:bodyPr spcFirstLastPara="1" wrap="square" lIns="91425" tIns="91425" rIns="91425" bIns="91425" anchor="ctr" anchorCtr="0">
               <a:noAutofit/>
             </a:bodyPr>
             <a:lstStyle/>
             <a:p>
-              <a:pPr indent="0" lvl="0" marL="0" rtl="0" algn="l">
+              <a:pPr marL="0" lvl="0" indent="0" algn="l" rtl="0">
                 <a:spcBef>
                   <a:spcPts val="0"/>
                 </a:spcBef>
@@ -3305,9 +3279,6 @@
                 </a:spcAft>
                 <a:buNone/>
               </a:pPr>
-              <a:r>
-                <a:t/>
-              </a:r>
               <a:endParaRPr/>
             </a:p>
           </p:txBody>
@@ -3325,7 +3296,7 @@
             </a:xfrm>
             <a:prstGeom prst="diagStripe">
               <a:avLst>
-                <a:gd fmla="val 50000" name="adj"/>
+                <a:gd name="adj" fmla="val 50000"/>
               </a:avLst>
             </a:prstGeom>
             <a:solidFill>
@@ -3338,12 +3309,12 @@
             </a:ln>
           </p:spPr>
           <p:txBody>
-            <a:bodyPr anchorCtr="0" anchor="ctr" bIns="91425" lIns="91425" spcFirstLastPara="1" rIns="91425" wrap="square" tIns="91425">
+            <a:bodyPr spcFirstLastPara="1" wrap="square" lIns="91425" tIns="91425" rIns="91425" bIns="91425" anchor="ctr" anchorCtr="0">
               <a:noAutofit/>
             </a:bodyPr>
             <a:lstStyle/>
             <a:p>
-              <a:pPr indent="0" lvl="0" marL="0" rtl="0" algn="l">
+              <a:pPr marL="0" lvl="0" indent="0" algn="l" rtl="0">
                 <a:spcBef>
                   <a:spcPts val="0"/>
                 </a:spcBef>
@@ -3352,9 +3323,6 @@
                 </a:spcAft>
                 <a:buNone/>
               </a:pPr>
-              <a:r>
-                <a:t/>
-              </a:r>
               <a:endParaRPr/>
             </a:p>
           </p:txBody>
@@ -3372,7 +3340,7 @@
             </a:xfrm>
             <a:prstGeom prst="diagStripe">
               <a:avLst>
-                <a:gd fmla="val 50000" name="adj"/>
+                <a:gd name="adj" fmla="val 50000"/>
               </a:avLst>
             </a:prstGeom>
             <a:solidFill>
@@ -3385,12 +3353,12 @@
             </a:ln>
           </p:spPr>
           <p:txBody>
-            <a:bodyPr anchorCtr="0" anchor="ctr" bIns="91425" lIns="91425" spcFirstLastPara="1" rIns="91425" wrap="square" tIns="91425">
+            <a:bodyPr spcFirstLastPara="1" wrap="square" lIns="91425" tIns="91425" rIns="91425" bIns="91425" anchor="ctr" anchorCtr="0">
               <a:noAutofit/>
             </a:bodyPr>
             <a:lstStyle/>
             <a:p>
-              <a:pPr indent="0" lvl="0" marL="0" rtl="0" algn="l">
+              <a:pPr marL="0" lvl="0" indent="0" algn="l" rtl="0">
                 <a:spcBef>
                   <a:spcPts val="0"/>
                 </a:spcBef>
@@ -3399,9 +3367,6 @@
                 </a:spcAft>
                 <a:buNone/>
               </a:pPr>
-              <a:r>
-                <a:t/>
-              </a:r>
               <a:endParaRPr/>
             </a:p>
           </p:txBody>
@@ -3419,7 +3384,7 @@
             </a:xfrm>
             <a:prstGeom prst="diagStripe">
               <a:avLst>
-                <a:gd fmla="val 50000" name="adj"/>
+                <a:gd name="adj" fmla="val 50000"/>
               </a:avLst>
             </a:prstGeom>
             <a:solidFill>
@@ -3430,12 +3395,12 @@
             </a:ln>
           </p:spPr>
           <p:txBody>
-            <a:bodyPr anchorCtr="0" anchor="ctr" bIns="91425" lIns="91425" spcFirstLastPara="1" rIns="91425" wrap="square" tIns="91425">
+            <a:bodyPr spcFirstLastPara="1" wrap="square" lIns="91425" tIns="91425" rIns="91425" bIns="91425" anchor="ctr" anchorCtr="0">
               <a:noAutofit/>
             </a:bodyPr>
             <a:lstStyle/>
             <a:p>
-              <a:pPr indent="0" lvl="0" marL="0" rtl="0" algn="l">
+              <a:pPr marL="0" lvl="0" indent="0" algn="l" rtl="0">
                 <a:spcBef>
                   <a:spcPts val="0"/>
                 </a:spcBef>
@@ -3444,9 +3409,6 @@
                 </a:spcAft>
                 <a:buNone/>
               </a:pPr>
-              <a:r>
-                <a:t/>
-              </a:r>
               <a:endParaRPr/>
             </a:p>
           </p:txBody>
@@ -3464,7 +3426,7 @@
             </a:xfrm>
             <a:prstGeom prst="diagStripe">
               <a:avLst>
-                <a:gd fmla="val 50000" name="adj"/>
+                <a:gd name="adj" fmla="val 50000"/>
               </a:avLst>
             </a:prstGeom>
             <a:solidFill>
@@ -3477,12 +3439,12 @@
             </a:ln>
           </p:spPr>
           <p:txBody>
-            <a:bodyPr anchorCtr="0" anchor="ctr" bIns="91425" lIns="91425" spcFirstLastPara="1" rIns="91425" wrap="square" tIns="91425">
+            <a:bodyPr spcFirstLastPara="1" wrap="square" lIns="91425" tIns="91425" rIns="91425" bIns="91425" anchor="ctr" anchorCtr="0">
               <a:noAutofit/>
             </a:bodyPr>
             <a:lstStyle/>
             <a:p>
-              <a:pPr indent="0" lvl="0" marL="0" rtl="0" algn="l">
+              <a:pPr marL="0" lvl="0" indent="0" algn="l" rtl="0">
                 <a:spcBef>
                   <a:spcPts val="0"/>
                 </a:spcBef>
@@ -3491,9 +3453,6 @@
                 </a:spcAft>
                 <a:buNone/>
               </a:pPr>
-              <a:r>
-                <a:t/>
-              </a:r>
               <a:endParaRPr/>
             </a:p>
           </p:txBody>
@@ -3511,7 +3470,7 @@
             </a:xfrm>
             <a:prstGeom prst="diagStripe">
               <a:avLst>
-                <a:gd fmla="val 50000" name="adj"/>
+                <a:gd name="adj" fmla="val 50000"/>
               </a:avLst>
             </a:prstGeom>
             <a:solidFill>
@@ -3524,12 +3483,12 @@
             </a:ln>
           </p:spPr>
           <p:txBody>
-            <a:bodyPr anchorCtr="0" anchor="ctr" bIns="91425" lIns="91425" spcFirstLastPara="1" rIns="91425" wrap="square" tIns="91425">
+            <a:bodyPr spcFirstLastPara="1" wrap="square" lIns="91425" tIns="91425" rIns="91425" bIns="91425" anchor="ctr" anchorCtr="0">
               <a:noAutofit/>
             </a:bodyPr>
             <a:lstStyle/>
             <a:p>
-              <a:pPr indent="0" lvl="0" marL="0" rtl="0" algn="l">
+              <a:pPr marL="0" lvl="0" indent="0" algn="l" rtl="0">
                 <a:spcBef>
                   <a:spcPts val="0"/>
                 </a:spcBef>
@@ -3538,9 +3497,6 @@
                 </a:spcAft>
                 <a:buNone/>
               </a:pPr>
-              <a:r>
-                <a:t/>
-              </a:r>
               <a:endParaRPr/>
             </a:p>
           </p:txBody>
@@ -3558,7 +3514,7 @@
             </a:xfrm>
             <a:prstGeom prst="diagStripe">
               <a:avLst>
-                <a:gd fmla="val 50000" name="adj"/>
+                <a:gd name="adj" fmla="val 50000"/>
               </a:avLst>
             </a:prstGeom>
             <a:solidFill>
@@ -3571,12 +3527,12 @@
             </a:ln>
           </p:spPr>
           <p:txBody>
-            <a:bodyPr anchorCtr="0" anchor="ctr" bIns="91425" lIns="91425" spcFirstLastPara="1" rIns="91425" wrap="square" tIns="91425">
+            <a:bodyPr spcFirstLastPara="1" wrap="square" lIns="91425" tIns="91425" rIns="91425" bIns="91425" anchor="ctr" anchorCtr="0">
               <a:noAutofit/>
             </a:bodyPr>
             <a:lstStyle/>
             <a:p>
-              <a:pPr indent="0" lvl="0" marL="0" rtl="0" algn="l">
+              <a:pPr marL="0" lvl="0" indent="0" algn="l" rtl="0">
                 <a:spcBef>
                   <a:spcPts val="0"/>
                 </a:spcBef>
@@ -3585,9 +3541,6 @@
                 </a:spcAft>
                 <a:buNone/>
               </a:pPr>
-              <a:r>
-                <a:t/>
-              </a:r>
               <a:endParaRPr/>
             </a:p>
           </p:txBody>
@@ -3605,7 +3558,7 @@
             </a:xfrm>
             <a:prstGeom prst="diagStripe">
               <a:avLst>
-                <a:gd fmla="val 50000" name="adj"/>
+                <a:gd name="adj" fmla="val 50000"/>
               </a:avLst>
             </a:prstGeom>
             <a:solidFill>
@@ -3618,12 +3571,12 @@
             </a:ln>
           </p:spPr>
           <p:txBody>
-            <a:bodyPr anchorCtr="0" anchor="ctr" bIns="91425" lIns="91425" spcFirstLastPara="1" rIns="91425" wrap="square" tIns="91425">
+            <a:bodyPr spcFirstLastPara="1" wrap="square" lIns="91425" tIns="91425" rIns="91425" bIns="91425" anchor="ctr" anchorCtr="0">
               <a:noAutofit/>
             </a:bodyPr>
             <a:lstStyle/>
             <a:p>
-              <a:pPr indent="0" lvl="0" marL="0" rtl="0" algn="l">
+              <a:pPr marL="0" lvl="0" indent="0" algn="l" rtl="0">
                 <a:spcBef>
                   <a:spcPts val="0"/>
                 </a:spcBef>
@@ -3632,9 +3585,6 @@
                 </a:spcAft>
                 <a:buNone/>
               </a:pPr>
-              <a:r>
-                <a:t/>
-              </a:r>
               <a:endParaRPr/>
             </a:p>
           </p:txBody>
@@ -3652,7 +3602,7 @@
             </a:xfrm>
             <a:prstGeom prst="diagStripe">
               <a:avLst>
-                <a:gd fmla="val 50000" name="adj"/>
+                <a:gd name="adj" fmla="val 50000"/>
               </a:avLst>
             </a:prstGeom>
             <a:solidFill>
@@ -3665,12 +3615,12 @@
             </a:ln>
           </p:spPr>
           <p:txBody>
-            <a:bodyPr anchorCtr="0" anchor="ctr" bIns="91425" lIns="91425" spcFirstLastPara="1" rIns="91425" wrap="square" tIns="91425">
+            <a:bodyPr spcFirstLastPara="1" wrap="square" lIns="91425" tIns="91425" rIns="91425" bIns="91425" anchor="ctr" anchorCtr="0">
               <a:noAutofit/>
             </a:bodyPr>
             <a:lstStyle/>
             <a:p>
-              <a:pPr indent="0" lvl="0" marL="0" rtl="0" algn="l">
+              <a:pPr marL="0" lvl="0" indent="0" algn="l" rtl="0">
                 <a:spcBef>
                   <a:spcPts val="0"/>
                 </a:spcBef>
@@ -3679,9 +3629,6 @@
                 </a:spcAft>
                 <a:buNone/>
               </a:pPr>
-              <a:r>
-                <a:t/>
-              </a:r>
               <a:endParaRPr/>
             </a:p>
           </p:txBody>
@@ -3699,7 +3646,7 @@
             </a:xfrm>
             <a:prstGeom prst="diagStripe">
               <a:avLst>
-                <a:gd fmla="val 50000" name="adj"/>
+                <a:gd name="adj" fmla="val 50000"/>
               </a:avLst>
             </a:prstGeom>
             <a:solidFill>
@@ -3710,12 +3657,12 @@
             </a:ln>
           </p:spPr>
           <p:txBody>
-            <a:bodyPr anchorCtr="0" anchor="ctr" bIns="91425" lIns="91425" spcFirstLastPara="1" rIns="91425" wrap="square" tIns="91425">
+            <a:bodyPr spcFirstLastPara="1" wrap="square" lIns="91425" tIns="91425" rIns="91425" bIns="91425" anchor="ctr" anchorCtr="0">
               <a:noAutofit/>
             </a:bodyPr>
             <a:lstStyle/>
             <a:p>
-              <a:pPr indent="0" lvl="0" marL="0" rtl="0" algn="l">
+              <a:pPr marL="0" lvl="0" indent="0" algn="l" rtl="0">
                 <a:spcBef>
                   <a:spcPts val="0"/>
                 </a:spcBef>
@@ -3724,9 +3671,6 @@
                 </a:spcAft>
                 <a:buNone/>
               </a:pPr>
-              <a:r>
-                <a:t/>
-              </a:r>
               <a:endParaRPr/>
             </a:p>
           </p:txBody>
@@ -3744,7 +3688,7 @@
             </a:xfrm>
             <a:prstGeom prst="diagStripe">
               <a:avLst>
-                <a:gd fmla="val 50000" name="adj"/>
+                <a:gd name="adj" fmla="val 50000"/>
               </a:avLst>
             </a:prstGeom>
             <a:solidFill>
@@ -3757,12 +3701,12 @@
             </a:ln>
           </p:spPr>
           <p:txBody>
-            <a:bodyPr anchorCtr="0" anchor="ctr" bIns="91425" lIns="91425" spcFirstLastPara="1" rIns="91425" wrap="square" tIns="91425">
+            <a:bodyPr spcFirstLastPara="1" wrap="square" lIns="91425" tIns="91425" rIns="91425" bIns="91425" anchor="ctr" anchorCtr="0">
               <a:noAutofit/>
             </a:bodyPr>
             <a:lstStyle/>
             <a:p>
-              <a:pPr indent="0" lvl="0" marL="0" rtl="0" algn="l">
+              <a:pPr marL="0" lvl="0" indent="0" algn="l" rtl="0">
                 <a:spcBef>
                   <a:spcPts val="0"/>
                 </a:spcBef>
@@ -3771,9 +3715,6 @@
                 </a:spcAft>
                 <a:buNone/>
               </a:pPr>
-              <a:r>
-                <a:t/>
-              </a:r>
               <a:endParaRPr/>
             </a:p>
           </p:txBody>
@@ -3791,7 +3732,7 @@
             </a:xfrm>
             <a:prstGeom prst="diagStripe">
               <a:avLst>
-                <a:gd fmla="val 50000" name="adj"/>
+                <a:gd name="adj" fmla="val 50000"/>
               </a:avLst>
             </a:prstGeom>
             <a:solidFill>
@@ -3804,12 +3745,12 @@
             </a:ln>
           </p:spPr>
           <p:txBody>
-            <a:bodyPr anchorCtr="0" anchor="ctr" bIns="91425" lIns="91425" spcFirstLastPara="1" rIns="91425" wrap="square" tIns="91425">
+            <a:bodyPr spcFirstLastPara="1" wrap="square" lIns="91425" tIns="91425" rIns="91425" bIns="91425" anchor="ctr" anchorCtr="0">
               <a:noAutofit/>
             </a:bodyPr>
             <a:lstStyle/>
             <a:p>
-              <a:pPr indent="0" lvl="0" marL="0" rtl="0" algn="l">
+              <a:pPr marL="0" lvl="0" indent="0" algn="l" rtl="0">
                 <a:spcBef>
                   <a:spcPts val="0"/>
                 </a:spcBef>
@@ -3818,9 +3759,6 @@
                 </a:spcAft>
                 <a:buNone/>
               </a:pPr>
-              <a:r>
-                <a:t/>
-              </a:r>
               <a:endParaRPr/>
             </a:p>
           </p:txBody>
@@ -3838,7 +3776,7 @@
             </a:xfrm>
             <a:prstGeom prst="diagStripe">
               <a:avLst>
-                <a:gd fmla="val 50000" name="adj"/>
+                <a:gd name="adj" fmla="val 50000"/>
               </a:avLst>
             </a:prstGeom>
             <a:solidFill>
@@ -3851,12 +3789,12 @@
             </a:ln>
           </p:spPr>
           <p:txBody>
-            <a:bodyPr anchorCtr="0" anchor="ctr" bIns="91425" lIns="91425" spcFirstLastPara="1" rIns="91425" wrap="square" tIns="91425">
+            <a:bodyPr spcFirstLastPara="1" wrap="square" lIns="91425" tIns="91425" rIns="91425" bIns="91425" anchor="ctr" anchorCtr="0">
               <a:noAutofit/>
             </a:bodyPr>
             <a:lstStyle/>
             <a:p>
-              <a:pPr indent="0" lvl="0" marL="0" rtl="0" algn="l">
+              <a:pPr marL="0" lvl="0" indent="0" algn="l" rtl="0">
                 <a:spcBef>
                   <a:spcPts val="0"/>
                 </a:spcBef>
@@ -3865,9 +3803,6 @@
                 </a:spcAft>
                 <a:buNone/>
               </a:pPr>
-              <a:r>
-                <a:t/>
-              </a:r>
               <a:endParaRPr/>
             </a:p>
           </p:txBody>
@@ -3885,7 +3820,7 @@
             </a:xfrm>
             <a:prstGeom prst="diagStripe">
               <a:avLst>
-                <a:gd fmla="val 50000" name="adj"/>
+                <a:gd name="adj" fmla="val 50000"/>
               </a:avLst>
             </a:prstGeom>
             <a:solidFill>
@@ -3898,12 +3833,12 @@
             </a:ln>
           </p:spPr>
           <p:txBody>
-            <a:bodyPr anchorCtr="0" anchor="ctr" bIns="91425" lIns="91425" spcFirstLastPara="1" rIns="91425" wrap="square" tIns="91425">
+            <a:bodyPr spcFirstLastPara="1" wrap="square" lIns="91425" tIns="91425" rIns="91425" bIns="91425" anchor="ctr" anchorCtr="0">
               <a:noAutofit/>
             </a:bodyPr>
             <a:lstStyle/>
             <a:p>
-              <a:pPr indent="0" lvl="0" marL="0" rtl="0" algn="l">
+              <a:pPr marL="0" lvl="0" indent="0" algn="l" rtl="0">
                 <a:spcBef>
                   <a:spcPts val="0"/>
                 </a:spcBef>
@@ -3912,9 +3847,6 @@
                 </a:spcAft>
                 <a:buNone/>
               </a:pPr>
-              <a:r>
-                <a:t/>
-              </a:r>
               <a:endParaRPr/>
             </a:p>
           </p:txBody>
@@ -3923,7 +3855,9 @@
       <p:sp>
         <p:nvSpPr>
           <p:cNvPr id="39" name="Google Shape;39;p3"/>
-          <p:cNvSpPr txBox="1"/>
+          <p:cNvSpPr txBox="1">
+            <a:spLocks noGrp="1"/>
+          </p:cNvSpPr>
           <p:nvPr>
             <p:ph type="title"/>
           </p:nvPr>
@@ -3938,7 +3872,7 @@
           </a:prstGeom>
         </p:spPr>
         <p:txBody>
-          <a:bodyPr anchorCtr="0" anchor="ctr" bIns="91425" lIns="91425" spcFirstLastPara="1" rIns="91425" wrap="square" tIns="91425">
+          <a:bodyPr spcFirstLastPara="1" wrap="square" lIns="91425" tIns="91425" rIns="91425" bIns="91425" anchor="ctr" anchorCtr="0">
             <a:noAutofit/>
           </a:bodyPr>
           <a:lstStyle>
@@ -4042,15 +3976,19 @@
               <a:defRPr/>
             </a:lvl9pPr>
           </a:lstStyle>
-          <a:p/>
+          <a:p>
+            <a:endParaRPr/>
+          </a:p>
         </p:txBody>
       </p:sp>
       <p:sp>
         <p:nvSpPr>
           <p:cNvPr id="40" name="Google Shape;40;p3"/>
-          <p:cNvSpPr txBox="1"/>
+          <p:cNvSpPr txBox="1">
+            <a:spLocks noGrp="1"/>
+          </p:cNvSpPr>
           <p:nvPr>
-            <p:ph idx="12" type="sldNum"/>
+            <p:ph type="sldNum" idx="12"/>
           </p:nvPr>
         </p:nvSpPr>
         <p:spPr>
@@ -4063,7 +4001,7 @@
           </a:prstGeom>
         </p:spPr>
         <p:txBody>
-          <a:bodyPr anchorCtr="0" anchor="ctr" bIns="91425" lIns="91425" spcFirstLastPara="1" rIns="91425" wrap="square" tIns="91425">
+          <a:bodyPr spcFirstLastPara="1" wrap="square" lIns="91425" tIns="91425" rIns="91425" bIns="91425" anchor="ctr" anchorCtr="0">
             <a:noAutofit/>
           </a:bodyPr>
           <a:lstStyle>
@@ -4105,7 +4043,7 @@
             </a:lvl9pPr>
           </a:lstStyle>
           <a:p>
-            <a:pPr indent="0" lvl="0" marL="0" rtl="0" algn="r">
+            <a:pPr marL="0" lvl="0" indent="0" algn="r" rtl="0">
               <a:spcBef>
                 <a:spcPts val="0"/>
               </a:spcBef>
@@ -4116,7 +4054,7 @@
             </a:pPr>
             <a:fld id="{00000000-1234-1234-1234-123412341234}" type="slidenum">
               <a:rPr lang="en"/>
-              <a:t>‹#›</a:t>
+              <a:t>‹nº›</a:t>
             </a:fld>
             <a:endParaRPr/>
           </a:p>
@@ -4131,11 +4069,11 @@
 </file>
 
 <file path=ppt/slideLayouts/slideLayout3.xml><?xml version="1.0" encoding="utf-8"?>
-<p:sldLayout xmlns:a="http://schemas.openxmlformats.org/drawingml/2006/main" xmlns:r="http://schemas.openxmlformats.org/officeDocument/2006/relationships" xmlns:mc="http://schemas.openxmlformats.org/markup-compatibility/2006" xmlns:mv="urn:schemas-microsoft-com:mac:vml" xmlns:p="http://schemas.openxmlformats.org/presentationml/2006/main" xmlns:c="http://schemas.openxmlformats.org/drawingml/2006/chart" xmlns:dgm="http://schemas.openxmlformats.org/drawingml/2006/diagram" xmlns:o="urn:schemas-microsoft-com:office:office" xmlns:v="urn:schemas-microsoft-com:vml" xmlns:pvml="urn:schemas-microsoft-com:office:powerpoint" xmlns:com="http://schemas.openxmlformats.org/drawingml/2006/compatibility" xmlns:p14="http://schemas.microsoft.com/office/powerpoint/2010/main" xmlns:p15="http://schemas.microsoft.com/office/powerpoint/2012/main" matchingName="Title and body" type="tx">
+<p:sldLayout xmlns:a="http://schemas.openxmlformats.org/drawingml/2006/main" xmlns:r="http://schemas.openxmlformats.org/officeDocument/2006/relationships" xmlns:p="http://schemas.openxmlformats.org/presentationml/2006/main" matchingName="Title and body" type="tx">
   <p:cSld name="TITLE_AND_BODY">
     <p:spTree>
       <p:nvGrpSpPr>
-        <p:cNvPr id="41" name="Shape 41"/>
+        <p:cNvPr id="1" name="Shape 41"/>
         <p:cNvGrpSpPr/>
         <p:nvPr/>
       </p:nvGrpSpPr>
@@ -4174,7 +4112,7 @@
             </a:xfrm>
             <a:prstGeom prst="diagStripe">
               <a:avLst>
-                <a:gd fmla="val 50000" name="adj"/>
+                <a:gd name="adj" fmla="val 50000"/>
               </a:avLst>
             </a:prstGeom>
             <a:solidFill>
@@ -4185,12 +4123,12 @@
             </a:ln>
           </p:spPr>
           <p:txBody>
-            <a:bodyPr anchorCtr="0" anchor="ctr" bIns="91425" lIns="91425" spcFirstLastPara="1" rIns="91425" wrap="square" tIns="91425">
+            <a:bodyPr spcFirstLastPara="1" wrap="square" lIns="91425" tIns="91425" rIns="91425" bIns="91425" anchor="ctr" anchorCtr="0">
               <a:noAutofit/>
             </a:bodyPr>
             <a:lstStyle/>
             <a:p>
-              <a:pPr indent="0" lvl="0" marL="0" rtl="0" algn="l">
+              <a:pPr marL="0" lvl="0" indent="0" algn="l" rtl="0">
                 <a:spcBef>
                   <a:spcPts val="0"/>
                 </a:spcBef>
@@ -4199,9 +4137,6 @@
                 </a:spcAft>
                 <a:buNone/>
               </a:pPr>
-              <a:r>
-                <a:t/>
-              </a:r>
               <a:endParaRPr/>
             </a:p>
           </p:txBody>
@@ -4219,7 +4154,7 @@
             </a:xfrm>
             <a:prstGeom prst="diagStripe">
               <a:avLst>
-                <a:gd fmla="val 50000" name="adj"/>
+                <a:gd name="adj" fmla="val 50000"/>
               </a:avLst>
             </a:prstGeom>
             <a:solidFill>
@@ -4230,12 +4165,12 @@
             </a:ln>
           </p:spPr>
           <p:txBody>
-            <a:bodyPr anchorCtr="0" anchor="ctr" bIns="91425" lIns="91425" spcFirstLastPara="1" rIns="91425" wrap="square" tIns="91425">
+            <a:bodyPr spcFirstLastPara="1" wrap="square" lIns="91425" tIns="91425" rIns="91425" bIns="91425" anchor="ctr" anchorCtr="0">
               <a:noAutofit/>
             </a:bodyPr>
             <a:lstStyle/>
             <a:p>
-              <a:pPr indent="0" lvl="0" marL="0" rtl="0" algn="l">
+              <a:pPr marL="0" lvl="0" indent="0" algn="l" rtl="0">
                 <a:spcBef>
                   <a:spcPts val="0"/>
                 </a:spcBef>
@@ -4244,9 +4179,6 @@
                 </a:spcAft>
                 <a:buNone/>
               </a:pPr>
-              <a:r>
-                <a:t/>
-              </a:r>
               <a:endParaRPr/>
             </a:p>
           </p:txBody>
@@ -4255,7 +4187,9 @@
       <p:sp>
         <p:nvSpPr>
           <p:cNvPr id="45" name="Google Shape;45;p4"/>
-          <p:cNvSpPr txBox="1"/>
+          <p:cNvSpPr txBox="1">
+            <a:spLocks noGrp="1"/>
+          </p:cNvSpPr>
           <p:nvPr>
             <p:ph type="title"/>
           </p:nvPr>
@@ -4270,7 +4204,7 @@
           </a:prstGeom>
         </p:spPr>
         <p:txBody>
-          <a:bodyPr anchorCtr="0" anchor="t" bIns="91425" lIns="91425" spcFirstLastPara="1" rIns="91425" wrap="square" tIns="91425">
+          <a:bodyPr spcFirstLastPara="1" wrap="square" lIns="91425" tIns="91425" rIns="91425" bIns="91425" anchor="t" anchorCtr="0">
             <a:noAutofit/>
           </a:bodyPr>
           <a:lstStyle>
@@ -4374,15 +4308,19 @@
               <a:defRPr sz="2400"/>
             </a:lvl9pPr>
           </a:lstStyle>
-          <a:p/>
+          <a:p>
+            <a:endParaRPr/>
+          </a:p>
         </p:txBody>
       </p:sp>
       <p:sp>
         <p:nvSpPr>
           <p:cNvPr id="46" name="Google Shape;46;p4"/>
-          <p:cNvSpPr txBox="1"/>
+          <p:cNvSpPr txBox="1">
+            <a:spLocks noGrp="1"/>
+          </p:cNvSpPr>
           <p:nvPr>
-            <p:ph idx="1" type="body"/>
+            <p:ph type="body" idx="1"/>
           </p:nvPr>
         </p:nvSpPr>
         <p:spPr>
@@ -4395,11 +4333,11 @@
           </a:prstGeom>
         </p:spPr>
         <p:txBody>
-          <a:bodyPr anchorCtr="0" anchor="t" bIns="91425" lIns="91425" spcFirstLastPara="1" rIns="91425" wrap="square" tIns="91425">
+          <a:bodyPr spcFirstLastPara="1" wrap="square" lIns="91425" tIns="91425" rIns="91425" bIns="91425" anchor="t" anchorCtr="0">
             <a:noAutofit/>
           </a:bodyPr>
           <a:lstStyle>
-            <a:lvl1pPr indent="-311150" lvl="0" marL="457200">
+            <a:lvl1pPr marL="457200" lvl="0" indent="-311150">
               <a:spcBef>
                 <a:spcPts val="0"/>
               </a:spcBef>
@@ -4410,7 +4348,7 @@
               <a:buChar char="●"/>
               <a:defRPr/>
             </a:lvl1pPr>
-            <a:lvl2pPr indent="-298450" lvl="1" marL="914400">
+            <a:lvl2pPr marL="914400" lvl="1" indent="-298450">
               <a:spcBef>
                 <a:spcPts val="1600"/>
               </a:spcBef>
@@ -4421,7 +4359,7 @@
               <a:buChar char="○"/>
               <a:defRPr/>
             </a:lvl2pPr>
-            <a:lvl3pPr indent="-298450" lvl="2" marL="1371600">
+            <a:lvl3pPr marL="1371600" lvl="2" indent="-298450">
               <a:spcBef>
                 <a:spcPts val="1600"/>
               </a:spcBef>
@@ -4432,7 +4370,7 @@
               <a:buChar char="■"/>
               <a:defRPr/>
             </a:lvl3pPr>
-            <a:lvl4pPr indent="-298450" lvl="3" marL="1828800">
+            <a:lvl4pPr marL="1828800" lvl="3" indent="-298450">
               <a:spcBef>
                 <a:spcPts val="1600"/>
               </a:spcBef>
@@ -4443,7 +4381,7 @@
               <a:buChar char="●"/>
               <a:defRPr/>
             </a:lvl4pPr>
-            <a:lvl5pPr indent="-298450" lvl="4" marL="2286000">
+            <a:lvl5pPr marL="2286000" lvl="4" indent="-298450">
               <a:spcBef>
                 <a:spcPts val="1600"/>
               </a:spcBef>
@@ -4454,7 +4392,7 @@
               <a:buChar char="○"/>
               <a:defRPr/>
             </a:lvl5pPr>
-            <a:lvl6pPr indent="-298450" lvl="5" marL="2743200">
+            <a:lvl6pPr marL="2743200" lvl="5" indent="-298450">
               <a:spcBef>
                 <a:spcPts val="1600"/>
               </a:spcBef>
@@ -4465,7 +4403,7 @@
               <a:buChar char="■"/>
               <a:defRPr/>
             </a:lvl6pPr>
-            <a:lvl7pPr indent="-298450" lvl="6" marL="3200400">
+            <a:lvl7pPr marL="3200400" lvl="6" indent="-298450">
               <a:spcBef>
                 <a:spcPts val="1600"/>
               </a:spcBef>
@@ -4476,7 +4414,7 @@
               <a:buChar char="●"/>
               <a:defRPr/>
             </a:lvl7pPr>
-            <a:lvl8pPr indent="-298450" lvl="7" marL="3657600">
+            <a:lvl8pPr marL="3657600" lvl="7" indent="-298450">
               <a:spcBef>
                 <a:spcPts val="1600"/>
               </a:spcBef>
@@ -4487,7 +4425,7 @@
               <a:buChar char="○"/>
               <a:defRPr/>
             </a:lvl8pPr>
-            <a:lvl9pPr indent="-298450" lvl="8" marL="4114800">
+            <a:lvl9pPr marL="4114800" lvl="8" indent="-298450">
               <a:spcBef>
                 <a:spcPts val="1600"/>
               </a:spcBef>
@@ -4499,15 +4437,19 @@
               <a:defRPr/>
             </a:lvl9pPr>
           </a:lstStyle>
-          <a:p/>
+          <a:p>
+            <a:endParaRPr/>
+          </a:p>
         </p:txBody>
       </p:sp>
       <p:sp>
         <p:nvSpPr>
           <p:cNvPr id="47" name="Google Shape;47;p4"/>
-          <p:cNvSpPr txBox="1"/>
+          <p:cNvSpPr txBox="1">
+            <a:spLocks noGrp="1"/>
+          </p:cNvSpPr>
           <p:nvPr>
-            <p:ph idx="12" type="sldNum"/>
+            <p:ph type="sldNum" idx="12"/>
           </p:nvPr>
         </p:nvSpPr>
         <p:spPr>
@@ -4520,7 +4462,7 @@
           </a:prstGeom>
         </p:spPr>
         <p:txBody>
-          <a:bodyPr anchorCtr="0" anchor="ctr" bIns="91425" lIns="91425" spcFirstLastPara="1" rIns="91425" wrap="square" tIns="91425">
+          <a:bodyPr spcFirstLastPara="1" wrap="square" lIns="91425" tIns="91425" rIns="91425" bIns="91425" anchor="ctr" anchorCtr="0">
             <a:noAutofit/>
           </a:bodyPr>
           <a:lstStyle>
@@ -4562,7 +4504,7 @@
             </a:lvl9pPr>
           </a:lstStyle>
           <a:p>
-            <a:pPr indent="0" lvl="0" marL="0" rtl="0" algn="r">
+            <a:pPr marL="0" lvl="0" indent="0" algn="r" rtl="0">
               <a:spcBef>
                 <a:spcPts val="0"/>
               </a:spcBef>
@@ -4573,7 +4515,7 @@
             </a:pPr>
             <a:fld id="{00000000-1234-1234-1234-123412341234}" type="slidenum">
               <a:rPr lang="en"/>
-              <a:t>‹#›</a:t>
+              <a:t>‹nº›</a:t>
             </a:fld>
             <a:endParaRPr/>
           </a:p>
@@ -4588,11 +4530,11 @@
 </file>
 
 <file path=ppt/slideLayouts/slideLayout4.xml><?xml version="1.0" encoding="utf-8"?>
-<p:sldLayout xmlns:a="http://schemas.openxmlformats.org/drawingml/2006/main" xmlns:r="http://schemas.openxmlformats.org/officeDocument/2006/relationships" xmlns:mc="http://schemas.openxmlformats.org/markup-compatibility/2006" xmlns:mv="urn:schemas-microsoft-com:mac:vml" xmlns:p="http://schemas.openxmlformats.org/presentationml/2006/main" xmlns:c="http://schemas.openxmlformats.org/drawingml/2006/chart" xmlns:dgm="http://schemas.openxmlformats.org/drawingml/2006/diagram" xmlns:o="urn:schemas-microsoft-com:office:office" xmlns:v="urn:schemas-microsoft-com:vml" xmlns:pvml="urn:schemas-microsoft-com:office:powerpoint" xmlns:com="http://schemas.openxmlformats.org/drawingml/2006/compatibility" xmlns:p14="http://schemas.microsoft.com/office/powerpoint/2010/main" xmlns:p15="http://schemas.microsoft.com/office/powerpoint/2012/main" matchingName="Title and two columns" type="twoColTx">
+<p:sldLayout xmlns:a="http://schemas.openxmlformats.org/drawingml/2006/main" xmlns:r="http://schemas.openxmlformats.org/officeDocument/2006/relationships" xmlns:p="http://schemas.openxmlformats.org/presentationml/2006/main" matchingName="Title and two columns" type="twoColTx">
   <p:cSld name="TITLE_AND_TWO_COLUMNS">
     <p:spTree>
       <p:nvGrpSpPr>
-        <p:cNvPr id="48" name="Shape 48"/>
+        <p:cNvPr id="1" name="Shape 48"/>
         <p:cNvGrpSpPr/>
         <p:nvPr/>
       </p:nvGrpSpPr>
@@ -4631,7 +4573,7 @@
             </a:xfrm>
             <a:prstGeom prst="diagStripe">
               <a:avLst>
-                <a:gd fmla="val 50000" name="adj"/>
+                <a:gd name="adj" fmla="val 50000"/>
               </a:avLst>
             </a:prstGeom>
             <a:solidFill>
@@ -4642,12 +4584,12 @@
             </a:ln>
           </p:spPr>
           <p:txBody>
-            <a:bodyPr anchorCtr="0" anchor="ctr" bIns="91425" lIns="91425" spcFirstLastPara="1" rIns="91425" wrap="square" tIns="91425">
+            <a:bodyPr spcFirstLastPara="1" wrap="square" lIns="91425" tIns="91425" rIns="91425" bIns="91425" anchor="ctr" anchorCtr="0">
               <a:noAutofit/>
             </a:bodyPr>
             <a:lstStyle/>
             <a:p>
-              <a:pPr indent="0" lvl="0" marL="0" rtl="0" algn="l">
+              <a:pPr marL="0" lvl="0" indent="0" algn="l" rtl="0">
                 <a:spcBef>
                   <a:spcPts val="0"/>
                 </a:spcBef>
@@ -4656,9 +4598,6 @@
                 </a:spcAft>
                 <a:buNone/>
               </a:pPr>
-              <a:r>
-                <a:t/>
-              </a:r>
               <a:endParaRPr/>
             </a:p>
           </p:txBody>
@@ -4676,7 +4615,7 @@
             </a:xfrm>
             <a:prstGeom prst="diagStripe">
               <a:avLst>
-                <a:gd fmla="val 50000" name="adj"/>
+                <a:gd name="adj" fmla="val 50000"/>
               </a:avLst>
             </a:prstGeom>
             <a:solidFill>
@@ -4687,12 +4626,12 @@
             </a:ln>
           </p:spPr>
           <p:txBody>
-            <a:bodyPr anchorCtr="0" anchor="ctr" bIns="91425" lIns="91425" spcFirstLastPara="1" rIns="91425" wrap="square" tIns="91425">
+            <a:bodyPr spcFirstLastPara="1" wrap="square" lIns="91425" tIns="91425" rIns="91425" bIns="91425" anchor="ctr" anchorCtr="0">
               <a:noAutofit/>
             </a:bodyPr>
             <a:lstStyle/>
             <a:p>
-              <a:pPr indent="0" lvl="0" marL="0" rtl="0" algn="l">
+              <a:pPr marL="0" lvl="0" indent="0" algn="l" rtl="0">
                 <a:spcBef>
                   <a:spcPts val="0"/>
                 </a:spcBef>
@@ -4701,9 +4640,6 @@
                 </a:spcAft>
                 <a:buNone/>
               </a:pPr>
-              <a:r>
-                <a:t/>
-              </a:r>
               <a:endParaRPr/>
             </a:p>
           </p:txBody>
@@ -4712,7 +4648,9 @@
       <p:sp>
         <p:nvSpPr>
           <p:cNvPr id="52" name="Google Shape;52;p5"/>
-          <p:cNvSpPr txBox="1"/>
+          <p:cNvSpPr txBox="1">
+            <a:spLocks noGrp="1"/>
+          </p:cNvSpPr>
           <p:nvPr>
             <p:ph type="title"/>
           </p:nvPr>
@@ -4727,7 +4665,7 @@
           </a:prstGeom>
         </p:spPr>
         <p:txBody>
-          <a:bodyPr anchorCtr="0" anchor="t" bIns="91425" lIns="91425" spcFirstLastPara="1" rIns="91425" wrap="square" tIns="91425">
+          <a:bodyPr spcFirstLastPara="1" wrap="square" lIns="91425" tIns="91425" rIns="91425" bIns="91425" anchor="t" anchorCtr="0">
             <a:noAutofit/>
           </a:bodyPr>
           <a:lstStyle>
@@ -4831,15 +4769,19 @@
               <a:defRPr sz="2400"/>
             </a:lvl9pPr>
           </a:lstStyle>
-          <a:p/>
+          <a:p>
+            <a:endParaRPr/>
+          </a:p>
         </p:txBody>
       </p:sp>
       <p:sp>
         <p:nvSpPr>
           <p:cNvPr id="53" name="Google Shape;53;p5"/>
-          <p:cNvSpPr txBox="1"/>
+          <p:cNvSpPr txBox="1">
+            <a:spLocks noGrp="1"/>
+          </p:cNvSpPr>
           <p:nvPr>
-            <p:ph idx="1" type="body"/>
+            <p:ph type="body" idx="1"/>
           </p:nvPr>
         </p:nvSpPr>
         <p:spPr>
@@ -4852,11 +4794,11 @@
           </a:prstGeom>
         </p:spPr>
         <p:txBody>
-          <a:bodyPr anchorCtr="0" anchor="t" bIns="91425" lIns="91425" spcFirstLastPara="1" rIns="91425" wrap="square" tIns="91425">
+          <a:bodyPr spcFirstLastPara="1" wrap="square" lIns="91425" tIns="91425" rIns="91425" bIns="91425" anchor="t" anchorCtr="0">
             <a:noAutofit/>
           </a:bodyPr>
           <a:lstStyle>
-            <a:lvl1pPr indent="-311150" lvl="0" marL="457200">
+            <a:lvl1pPr marL="457200" lvl="0" indent="-311150">
               <a:spcBef>
                 <a:spcPts val="0"/>
               </a:spcBef>
@@ -4867,7 +4809,7 @@
               <a:buChar char="●"/>
               <a:defRPr/>
             </a:lvl1pPr>
-            <a:lvl2pPr indent="-298450" lvl="1" marL="914400">
+            <a:lvl2pPr marL="914400" lvl="1" indent="-298450">
               <a:spcBef>
                 <a:spcPts val="1600"/>
               </a:spcBef>
@@ -4878,7 +4820,7 @@
               <a:buChar char="○"/>
               <a:defRPr/>
             </a:lvl2pPr>
-            <a:lvl3pPr indent="-298450" lvl="2" marL="1371600">
+            <a:lvl3pPr marL="1371600" lvl="2" indent="-298450">
               <a:spcBef>
                 <a:spcPts val="1600"/>
               </a:spcBef>
@@ -4889,7 +4831,7 @@
               <a:buChar char="■"/>
               <a:defRPr/>
             </a:lvl3pPr>
-            <a:lvl4pPr indent="-298450" lvl="3" marL="1828800">
+            <a:lvl4pPr marL="1828800" lvl="3" indent="-298450">
               <a:spcBef>
                 <a:spcPts val="1600"/>
               </a:spcBef>
@@ -4900,7 +4842,7 @@
               <a:buChar char="●"/>
               <a:defRPr/>
             </a:lvl4pPr>
-            <a:lvl5pPr indent="-298450" lvl="4" marL="2286000">
+            <a:lvl5pPr marL="2286000" lvl="4" indent="-298450">
               <a:spcBef>
                 <a:spcPts val="1600"/>
               </a:spcBef>
@@ -4911,7 +4853,7 @@
               <a:buChar char="○"/>
               <a:defRPr/>
             </a:lvl5pPr>
-            <a:lvl6pPr indent="-298450" lvl="5" marL="2743200">
+            <a:lvl6pPr marL="2743200" lvl="5" indent="-298450">
               <a:spcBef>
                 <a:spcPts val="1600"/>
               </a:spcBef>
@@ -4922,7 +4864,7 @@
               <a:buChar char="■"/>
               <a:defRPr/>
             </a:lvl6pPr>
-            <a:lvl7pPr indent="-298450" lvl="6" marL="3200400">
+            <a:lvl7pPr marL="3200400" lvl="6" indent="-298450">
               <a:spcBef>
                 <a:spcPts val="1600"/>
               </a:spcBef>
@@ -4933,7 +4875,7 @@
               <a:buChar char="●"/>
               <a:defRPr/>
             </a:lvl7pPr>
-            <a:lvl8pPr indent="-298450" lvl="7" marL="3657600">
+            <a:lvl8pPr marL="3657600" lvl="7" indent="-298450">
               <a:spcBef>
                 <a:spcPts val="1600"/>
               </a:spcBef>
@@ -4944,7 +4886,7 @@
               <a:buChar char="○"/>
               <a:defRPr/>
             </a:lvl8pPr>
-            <a:lvl9pPr indent="-298450" lvl="8" marL="4114800">
+            <a:lvl9pPr marL="4114800" lvl="8" indent="-298450">
               <a:spcBef>
                 <a:spcPts val="1600"/>
               </a:spcBef>
@@ -4956,15 +4898,19 @@
               <a:defRPr/>
             </a:lvl9pPr>
           </a:lstStyle>
-          <a:p/>
+          <a:p>
+            <a:endParaRPr/>
+          </a:p>
         </p:txBody>
       </p:sp>
       <p:sp>
         <p:nvSpPr>
           <p:cNvPr id="54" name="Google Shape;54;p5"/>
-          <p:cNvSpPr txBox="1"/>
+          <p:cNvSpPr txBox="1">
+            <a:spLocks noGrp="1"/>
+          </p:cNvSpPr>
           <p:nvPr>
-            <p:ph idx="2" type="body"/>
+            <p:ph type="body" idx="2"/>
           </p:nvPr>
         </p:nvSpPr>
         <p:spPr>
@@ -4977,11 +4923,11 @@
           </a:prstGeom>
         </p:spPr>
         <p:txBody>
-          <a:bodyPr anchorCtr="0" anchor="t" bIns="91425" lIns="91425" spcFirstLastPara="1" rIns="91425" wrap="square" tIns="91425">
+          <a:bodyPr spcFirstLastPara="1" wrap="square" lIns="91425" tIns="91425" rIns="91425" bIns="91425" anchor="t" anchorCtr="0">
             <a:noAutofit/>
           </a:bodyPr>
           <a:lstStyle>
-            <a:lvl1pPr indent="-311150" lvl="0" marL="457200">
+            <a:lvl1pPr marL="457200" lvl="0" indent="-311150">
               <a:spcBef>
                 <a:spcPts val="0"/>
               </a:spcBef>
@@ -4992,7 +4938,7 @@
               <a:buChar char="●"/>
               <a:defRPr/>
             </a:lvl1pPr>
-            <a:lvl2pPr indent="-298450" lvl="1" marL="914400">
+            <a:lvl2pPr marL="914400" lvl="1" indent="-298450">
               <a:spcBef>
                 <a:spcPts val="1600"/>
               </a:spcBef>
@@ -5003,7 +4949,7 @@
               <a:buChar char="○"/>
               <a:defRPr/>
             </a:lvl2pPr>
-            <a:lvl3pPr indent="-298450" lvl="2" marL="1371600">
+            <a:lvl3pPr marL="1371600" lvl="2" indent="-298450">
               <a:spcBef>
                 <a:spcPts val="1600"/>
               </a:spcBef>
@@ -5014,7 +4960,7 @@
               <a:buChar char="■"/>
               <a:defRPr/>
             </a:lvl3pPr>
-            <a:lvl4pPr indent="-298450" lvl="3" marL="1828800">
+            <a:lvl4pPr marL="1828800" lvl="3" indent="-298450">
               <a:spcBef>
                 <a:spcPts val="1600"/>
               </a:spcBef>
@@ -5025,7 +4971,7 @@
               <a:buChar char="●"/>
               <a:defRPr/>
             </a:lvl4pPr>
-            <a:lvl5pPr indent="-298450" lvl="4" marL="2286000">
+            <a:lvl5pPr marL="2286000" lvl="4" indent="-298450">
               <a:spcBef>
                 <a:spcPts val="1600"/>
               </a:spcBef>
@@ -5036,7 +4982,7 @@
               <a:buChar char="○"/>
               <a:defRPr/>
             </a:lvl5pPr>
-            <a:lvl6pPr indent="-298450" lvl="5" marL="2743200">
+            <a:lvl6pPr marL="2743200" lvl="5" indent="-298450">
               <a:spcBef>
                 <a:spcPts val="1600"/>
               </a:spcBef>
@@ -5047,7 +4993,7 @@
               <a:buChar char="■"/>
               <a:defRPr/>
             </a:lvl6pPr>
-            <a:lvl7pPr indent="-298450" lvl="6" marL="3200400">
+            <a:lvl7pPr marL="3200400" lvl="6" indent="-298450">
               <a:spcBef>
                 <a:spcPts val="1600"/>
               </a:spcBef>
@@ -5058,7 +5004,7 @@
               <a:buChar char="●"/>
               <a:defRPr/>
             </a:lvl7pPr>
-            <a:lvl8pPr indent="-298450" lvl="7" marL="3657600">
+            <a:lvl8pPr marL="3657600" lvl="7" indent="-298450">
               <a:spcBef>
                 <a:spcPts val="1600"/>
               </a:spcBef>
@@ -5069,7 +5015,7 @@
               <a:buChar char="○"/>
               <a:defRPr/>
             </a:lvl8pPr>
-            <a:lvl9pPr indent="-298450" lvl="8" marL="4114800">
+            <a:lvl9pPr marL="4114800" lvl="8" indent="-298450">
               <a:spcBef>
                 <a:spcPts val="1600"/>
               </a:spcBef>
@@ -5081,15 +5027,19 @@
               <a:defRPr/>
             </a:lvl9pPr>
           </a:lstStyle>
-          <a:p/>
+          <a:p>
+            <a:endParaRPr/>
+          </a:p>
         </p:txBody>
       </p:sp>
       <p:sp>
         <p:nvSpPr>
           <p:cNvPr id="55" name="Google Shape;55;p5"/>
-          <p:cNvSpPr txBox="1"/>
+          <p:cNvSpPr txBox="1">
+            <a:spLocks noGrp="1"/>
+          </p:cNvSpPr>
           <p:nvPr>
-            <p:ph idx="12" type="sldNum"/>
+            <p:ph type="sldNum" idx="12"/>
           </p:nvPr>
         </p:nvSpPr>
         <p:spPr>
@@ -5102,7 +5052,7 @@
           </a:prstGeom>
         </p:spPr>
         <p:txBody>
-          <a:bodyPr anchorCtr="0" anchor="ctr" bIns="91425" lIns="91425" spcFirstLastPara="1" rIns="91425" wrap="square" tIns="91425">
+          <a:bodyPr spcFirstLastPara="1" wrap="square" lIns="91425" tIns="91425" rIns="91425" bIns="91425" anchor="ctr" anchorCtr="0">
             <a:noAutofit/>
           </a:bodyPr>
           <a:lstStyle>
@@ -5144,7 +5094,7 @@
             </a:lvl9pPr>
           </a:lstStyle>
           <a:p>
-            <a:pPr indent="0" lvl="0" marL="0" rtl="0" algn="r">
+            <a:pPr marL="0" lvl="0" indent="0" algn="r" rtl="0">
               <a:spcBef>
                 <a:spcPts val="0"/>
               </a:spcBef>
@@ -5155,7 +5105,7 @@
             </a:pPr>
             <a:fld id="{00000000-1234-1234-1234-123412341234}" type="slidenum">
               <a:rPr lang="en"/>
-              <a:t>‹#›</a:t>
+              <a:t>‹nº›</a:t>
             </a:fld>
             <a:endParaRPr/>
           </a:p>
@@ -5170,11 +5120,11 @@
 </file>
 
 <file path=ppt/slideLayouts/slideLayout5.xml><?xml version="1.0" encoding="utf-8"?>
-<p:sldLayout xmlns:a="http://schemas.openxmlformats.org/drawingml/2006/main" xmlns:r="http://schemas.openxmlformats.org/officeDocument/2006/relationships" xmlns:mc="http://schemas.openxmlformats.org/markup-compatibility/2006" xmlns:mv="urn:schemas-microsoft-com:mac:vml" xmlns:p="http://schemas.openxmlformats.org/presentationml/2006/main" xmlns:c="http://schemas.openxmlformats.org/drawingml/2006/chart" xmlns:dgm="http://schemas.openxmlformats.org/drawingml/2006/diagram" xmlns:o="urn:schemas-microsoft-com:office:office" xmlns:v="urn:schemas-microsoft-com:vml" xmlns:pvml="urn:schemas-microsoft-com:office:powerpoint" xmlns:com="http://schemas.openxmlformats.org/drawingml/2006/compatibility" xmlns:p14="http://schemas.microsoft.com/office/powerpoint/2010/main" xmlns:p15="http://schemas.microsoft.com/office/powerpoint/2012/main" matchingName="Title only" type="titleOnly">
+<p:sldLayout xmlns:a="http://schemas.openxmlformats.org/drawingml/2006/main" xmlns:r="http://schemas.openxmlformats.org/officeDocument/2006/relationships" xmlns:p="http://schemas.openxmlformats.org/presentationml/2006/main" matchingName="Title only" type="titleOnly">
   <p:cSld name="TITLE_ONLY">
     <p:spTree>
       <p:nvGrpSpPr>
-        <p:cNvPr id="56" name="Shape 56"/>
+        <p:cNvPr id="1" name="Shape 56"/>
         <p:cNvGrpSpPr/>
         <p:nvPr/>
       </p:nvGrpSpPr>
@@ -5213,7 +5163,7 @@
             </a:xfrm>
             <a:prstGeom prst="diagStripe">
               <a:avLst>
-                <a:gd fmla="val 50000" name="adj"/>
+                <a:gd name="adj" fmla="val 50000"/>
               </a:avLst>
             </a:prstGeom>
             <a:solidFill>
@@ -5224,12 +5174,12 @@
             </a:ln>
           </p:spPr>
           <p:txBody>
-            <a:bodyPr anchorCtr="0" anchor="ctr" bIns="91425" lIns="91425" spcFirstLastPara="1" rIns="91425" wrap="square" tIns="91425">
+            <a:bodyPr spcFirstLastPara="1" wrap="square" lIns="91425" tIns="91425" rIns="91425" bIns="91425" anchor="ctr" anchorCtr="0">
               <a:noAutofit/>
             </a:bodyPr>
             <a:lstStyle/>
             <a:p>
-              <a:pPr indent="0" lvl="0" marL="0" rtl="0" algn="l">
+              <a:pPr marL="0" lvl="0" indent="0" algn="l" rtl="0">
                 <a:spcBef>
                   <a:spcPts val="0"/>
                 </a:spcBef>
@@ -5238,9 +5188,6 @@
                 </a:spcAft>
                 <a:buNone/>
               </a:pPr>
-              <a:r>
-                <a:t/>
-              </a:r>
               <a:endParaRPr/>
             </a:p>
           </p:txBody>
@@ -5258,7 +5205,7 @@
             </a:xfrm>
             <a:prstGeom prst="diagStripe">
               <a:avLst>
-                <a:gd fmla="val 50000" name="adj"/>
+                <a:gd name="adj" fmla="val 50000"/>
               </a:avLst>
             </a:prstGeom>
             <a:solidFill>
@@ -5269,12 +5216,12 @@
             </a:ln>
           </p:spPr>
           <p:txBody>
-            <a:bodyPr anchorCtr="0" anchor="ctr" bIns="91425" lIns="91425" spcFirstLastPara="1" rIns="91425" wrap="square" tIns="91425">
+            <a:bodyPr spcFirstLastPara="1" wrap="square" lIns="91425" tIns="91425" rIns="91425" bIns="91425" anchor="ctr" anchorCtr="0">
               <a:noAutofit/>
             </a:bodyPr>
             <a:lstStyle/>
             <a:p>
-              <a:pPr indent="0" lvl="0" marL="0" rtl="0" algn="l">
+              <a:pPr marL="0" lvl="0" indent="0" algn="l" rtl="0">
                 <a:spcBef>
                   <a:spcPts val="0"/>
                 </a:spcBef>
@@ -5283,9 +5230,6 @@
                 </a:spcAft>
                 <a:buNone/>
               </a:pPr>
-              <a:r>
-                <a:t/>
-              </a:r>
               <a:endParaRPr/>
             </a:p>
           </p:txBody>
@@ -5294,7 +5238,9 @@
       <p:sp>
         <p:nvSpPr>
           <p:cNvPr id="60" name="Google Shape;60;p6"/>
-          <p:cNvSpPr txBox="1"/>
+          <p:cNvSpPr txBox="1">
+            <a:spLocks noGrp="1"/>
+          </p:cNvSpPr>
           <p:nvPr>
             <p:ph type="title"/>
           </p:nvPr>
@@ -5309,7 +5255,7 @@
           </a:prstGeom>
         </p:spPr>
         <p:txBody>
-          <a:bodyPr anchorCtr="0" anchor="t" bIns="91425" lIns="91425" spcFirstLastPara="1" rIns="91425" wrap="square" tIns="91425">
+          <a:bodyPr spcFirstLastPara="1" wrap="square" lIns="91425" tIns="91425" rIns="91425" bIns="91425" anchor="t" anchorCtr="0">
             <a:noAutofit/>
           </a:bodyPr>
           <a:lstStyle>
@@ -5413,15 +5359,19 @@
               <a:defRPr sz="2400"/>
             </a:lvl9pPr>
           </a:lstStyle>
-          <a:p/>
+          <a:p>
+            <a:endParaRPr/>
+          </a:p>
         </p:txBody>
       </p:sp>
       <p:sp>
         <p:nvSpPr>
           <p:cNvPr id="61" name="Google Shape;61;p6"/>
-          <p:cNvSpPr txBox="1"/>
+          <p:cNvSpPr txBox="1">
+            <a:spLocks noGrp="1"/>
+          </p:cNvSpPr>
           <p:nvPr>
-            <p:ph idx="12" type="sldNum"/>
+            <p:ph type="sldNum" idx="12"/>
           </p:nvPr>
         </p:nvSpPr>
         <p:spPr>
@@ -5434,7 +5384,7 @@
           </a:prstGeom>
         </p:spPr>
         <p:txBody>
-          <a:bodyPr anchorCtr="0" anchor="ctr" bIns="91425" lIns="91425" spcFirstLastPara="1" rIns="91425" wrap="square" tIns="91425">
+          <a:bodyPr spcFirstLastPara="1" wrap="square" lIns="91425" tIns="91425" rIns="91425" bIns="91425" anchor="ctr" anchorCtr="0">
             <a:noAutofit/>
           </a:bodyPr>
           <a:lstStyle>
@@ -5476,7 +5426,7 @@
             </a:lvl9pPr>
           </a:lstStyle>
           <a:p>
-            <a:pPr indent="0" lvl="0" marL="0" rtl="0" algn="r">
+            <a:pPr marL="0" lvl="0" indent="0" algn="r" rtl="0">
               <a:spcBef>
                 <a:spcPts val="0"/>
               </a:spcBef>
@@ -5487,7 +5437,7 @@
             </a:pPr>
             <a:fld id="{00000000-1234-1234-1234-123412341234}" type="slidenum">
               <a:rPr lang="en"/>
-              <a:t>‹#›</a:t>
+              <a:t>‹nº›</a:t>
             </a:fld>
             <a:endParaRPr/>
           </a:p>
@@ -5502,11 +5452,11 @@
 </file>
 
 <file path=ppt/slideLayouts/slideLayout6.xml><?xml version="1.0" encoding="utf-8"?>
-<p:sldLayout xmlns:a="http://schemas.openxmlformats.org/drawingml/2006/main" xmlns:r="http://schemas.openxmlformats.org/officeDocument/2006/relationships" xmlns:mc="http://schemas.openxmlformats.org/markup-compatibility/2006" xmlns:mv="urn:schemas-microsoft-com:mac:vml" xmlns:p="http://schemas.openxmlformats.org/presentationml/2006/main" xmlns:c="http://schemas.openxmlformats.org/drawingml/2006/chart" xmlns:dgm="http://schemas.openxmlformats.org/drawingml/2006/diagram" xmlns:o="urn:schemas-microsoft-com:office:office" xmlns:v="urn:schemas-microsoft-com:vml" xmlns:pvml="urn:schemas-microsoft-com:office:powerpoint" xmlns:com="http://schemas.openxmlformats.org/drawingml/2006/compatibility" xmlns:p14="http://schemas.microsoft.com/office/powerpoint/2010/main" xmlns:p15="http://schemas.microsoft.com/office/powerpoint/2012/main" matchingName="One column text">
+<p:sldLayout xmlns:a="http://schemas.openxmlformats.org/drawingml/2006/main" xmlns:r="http://schemas.openxmlformats.org/officeDocument/2006/relationships" xmlns:p="http://schemas.openxmlformats.org/presentationml/2006/main" matchingName="One column text">
   <p:cSld name="ONE_COLUMN_TEXT">
     <p:spTree>
       <p:nvGrpSpPr>
-        <p:cNvPr id="62" name="Shape 62"/>
+        <p:cNvPr id="1" name="Shape 62"/>
         <p:cNvGrpSpPr/>
         <p:nvPr/>
       </p:nvGrpSpPr>
@@ -5545,7 +5495,7 @@
             </a:xfrm>
             <a:prstGeom prst="diagStripe">
               <a:avLst>
-                <a:gd fmla="val 50000" name="adj"/>
+                <a:gd name="adj" fmla="val 50000"/>
               </a:avLst>
             </a:prstGeom>
             <a:solidFill>
@@ -5556,12 +5506,12 @@
             </a:ln>
           </p:spPr>
           <p:txBody>
-            <a:bodyPr anchorCtr="0" anchor="ctr" bIns="91425" lIns="91425" spcFirstLastPara="1" rIns="91425" wrap="square" tIns="91425">
+            <a:bodyPr spcFirstLastPara="1" wrap="square" lIns="91425" tIns="91425" rIns="91425" bIns="91425" anchor="ctr" anchorCtr="0">
               <a:noAutofit/>
             </a:bodyPr>
             <a:lstStyle/>
             <a:p>
-              <a:pPr indent="0" lvl="0" marL="0" rtl="0" algn="l">
+              <a:pPr marL="0" lvl="0" indent="0" algn="l" rtl="0">
                 <a:spcBef>
                   <a:spcPts val="0"/>
                 </a:spcBef>
@@ -5570,9 +5520,6 @@
                 </a:spcAft>
                 <a:buNone/>
               </a:pPr>
-              <a:r>
-                <a:t/>
-              </a:r>
               <a:endParaRPr/>
             </a:p>
           </p:txBody>
@@ -5590,7 +5537,7 @@
             </a:xfrm>
             <a:prstGeom prst="diagStripe">
               <a:avLst>
-                <a:gd fmla="val 50000" name="adj"/>
+                <a:gd name="adj" fmla="val 50000"/>
               </a:avLst>
             </a:prstGeom>
             <a:solidFill>
@@ -5601,12 +5548,12 @@
             </a:ln>
           </p:spPr>
           <p:txBody>
-            <a:bodyPr anchorCtr="0" anchor="ctr" bIns="91425" lIns="91425" spcFirstLastPara="1" rIns="91425" wrap="square" tIns="91425">
+            <a:bodyPr spcFirstLastPara="1" wrap="square" lIns="91425" tIns="91425" rIns="91425" bIns="91425" anchor="ctr" anchorCtr="0">
               <a:noAutofit/>
             </a:bodyPr>
             <a:lstStyle/>
             <a:p>
-              <a:pPr indent="0" lvl="0" marL="0" rtl="0" algn="l">
+              <a:pPr marL="0" lvl="0" indent="0" algn="l" rtl="0">
                 <a:spcBef>
                   <a:spcPts val="0"/>
                 </a:spcBef>
@@ -5615,9 +5562,6 @@
                 </a:spcAft>
                 <a:buNone/>
               </a:pPr>
-              <a:r>
-                <a:t/>
-              </a:r>
               <a:endParaRPr/>
             </a:p>
           </p:txBody>
@@ -5626,7 +5570,9 @@
       <p:sp>
         <p:nvSpPr>
           <p:cNvPr id="66" name="Google Shape;66;p7"/>
-          <p:cNvSpPr txBox="1"/>
+          <p:cNvSpPr txBox="1">
+            <a:spLocks noGrp="1"/>
+          </p:cNvSpPr>
           <p:nvPr>
             <p:ph type="title"/>
           </p:nvPr>
@@ -5641,7 +5587,7 @@
           </a:prstGeom>
         </p:spPr>
         <p:txBody>
-          <a:bodyPr anchorCtr="0" anchor="t" bIns="91425" lIns="91425" spcFirstLastPara="1" rIns="91425" wrap="square" tIns="91425">
+          <a:bodyPr spcFirstLastPara="1" wrap="square" lIns="91425" tIns="91425" rIns="91425" bIns="91425" anchor="t" anchorCtr="0">
             <a:noAutofit/>
           </a:bodyPr>
           <a:lstStyle>
@@ -5745,15 +5691,19 @@
               <a:defRPr sz="2400"/>
             </a:lvl9pPr>
           </a:lstStyle>
-          <a:p/>
+          <a:p>
+            <a:endParaRPr/>
+          </a:p>
         </p:txBody>
       </p:sp>
       <p:sp>
         <p:nvSpPr>
           <p:cNvPr id="67" name="Google Shape;67;p7"/>
-          <p:cNvSpPr txBox="1"/>
+          <p:cNvSpPr txBox="1">
+            <a:spLocks noGrp="1"/>
+          </p:cNvSpPr>
           <p:nvPr>
-            <p:ph idx="1" type="body"/>
+            <p:ph type="body" idx="1"/>
           </p:nvPr>
         </p:nvSpPr>
         <p:spPr>
@@ -5766,11 +5716,11 @@
           </a:prstGeom>
         </p:spPr>
         <p:txBody>
-          <a:bodyPr anchorCtr="0" anchor="t" bIns="91425" lIns="91425" spcFirstLastPara="1" rIns="91425" wrap="square" tIns="91425">
+          <a:bodyPr spcFirstLastPara="1" wrap="square" lIns="91425" tIns="91425" rIns="91425" bIns="91425" anchor="t" anchorCtr="0">
             <a:noAutofit/>
           </a:bodyPr>
           <a:lstStyle>
-            <a:lvl1pPr indent="-311150" lvl="0" marL="457200">
+            <a:lvl1pPr marL="457200" lvl="0" indent="-311150">
               <a:spcBef>
                 <a:spcPts val="0"/>
               </a:spcBef>
@@ -5781,7 +5731,7 @@
               <a:buChar char="●"/>
               <a:defRPr/>
             </a:lvl1pPr>
-            <a:lvl2pPr indent="-298450" lvl="1" marL="914400">
+            <a:lvl2pPr marL="914400" lvl="1" indent="-298450">
               <a:spcBef>
                 <a:spcPts val="1600"/>
               </a:spcBef>
@@ -5792,7 +5742,7 @@
               <a:buChar char="○"/>
               <a:defRPr/>
             </a:lvl2pPr>
-            <a:lvl3pPr indent="-298450" lvl="2" marL="1371600">
+            <a:lvl3pPr marL="1371600" lvl="2" indent="-298450">
               <a:spcBef>
                 <a:spcPts val="1600"/>
               </a:spcBef>
@@ -5803,7 +5753,7 @@
               <a:buChar char="■"/>
               <a:defRPr/>
             </a:lvl3pPr>
-            <a:lvl4pPr indent="-298450" lvl="3" marL="1828800">
+            <a:lvl4pPr marL="1828800" lvl="3" indent="-298450">
               <a:spcBef>
                 <a:spcPts val="1600"/>
               </a:spcBef>
@@ -5814,7 +5764,7 @@
               <a:buChar char="●"/>
               <a:defRPr/>
             </a:lvl4pPr>
-            <a:lvl5pPr indent="-298450" lvl="4" marL="2286000">
+            <a:lvl5pPr marL="2286000" lvl="4" indent="-298450">
               <a:spcBef>
                 <a:spcPts val="1600"/>
               </a:spcBef>
@@ -5825,7 +5775,7 @@
               <a:buChar char="○"/>
               <a:defRPr/>
             </a:lvl5pPr>
-            <a:lvl6pPr indent="-298450" lvl="5" marL="2743200">
+            <a:lvl6pPr marL="2743200" lvl="5" indent="-298450">
               <a:spcBef>
                 <a:spcPts val="1600"/>
               </a:spcBef>
@@ -5836,7 +5786,7 @@
               <a:buChar char="■"/>
               <a:defRPr/>
             </a:lvl6pPr>
-            <a:lvl7pPr indent="-298450" lvl="6" marL="3200400">
+            <a:lvl7pPr marL="3200400" lvl="6" indent="-298450">
               <a:spcBef>
                 <a:spcPts val="1600"/>
               </a:spcBef>
@@ -5847,7 +5797,7 @@
               <a:buChar char="●"/>
               <a:defRPr/>
             </a:lvl7pPr>
-            <a:lvl8pPr indent="-298450" lvl="7" marL="3657600">
+            <a:lvl8pPr marL="3657600" lvl="7" indent="-298450">
               <a:spcBef>
                 <a:spcPts val="1600"/>
               </a:spcBef>
@@ -5858,7 +5808,7 @@
               <a:buChar char="○"/>
               <a:defRPr/>
             </a:lvl8pPr>
-            <a:lvl9pPr indent="-298450" lvl="8" marL="4114800">
+            <a:lvl9pPr marL="4114800" lvl="8" indent="-298450">
               <a:spcBef>
                 <a:spcPts val="1600"/>
               </a:spcBef>
@@ -5870,15 +5820,19 @@
               <a:defRPr/>
             </a:lvl9pPr>
           </a:lstStyle>
-          <a:p/>
+          <a:p>
+            <a:endParaRPr/>
+          </a:p>
         </p:txBody>
       </p:sp>
       <p:sp>
         <p:nvSpPr>
           <p:cNvPr id="68" name="Google Shape;68;p7"/>
-          <p:cNvSpPr txBox="1"/>
+          <p:cNvSpPr txBox="1">
+            <a:spLocks noGrp="1"/>
+          </p:cNvSpPr>
           <p:nvPr>
-            <p:ph idx="12" type="sldNum"/>
+            <p:ph type="sldNum" idx="12"/>
           </p:nvPr>
         </p:nvSpPr>
         <p:spPr>
@@ -5891,7 +5845,7 @@
           </a:prstGeom>
         </p:spPr>
         <p:txBody>
-          <a:bodyPr anchorCtr="0" anchor="ctr" bIns="91425" lIns="91425" spcFirstLastPara="1" rIns="91425" wrap="square" tIns="91425">
+          <a:bodyPr spcFirstLastPara="1" wrap="square" lIns="91425" tIns="91425" rIns="91425" bIns="91425" anchor="ctr" anchorCtr="0">
             <a:noAutofit/>
           </a:bodyPr>
           <a:lstStyle>
@@ -5933,7 +5887,7 @@
             </a:lvl9pPr>
           </a:lstStyle>
           <a:p>
-            <a:pPr indent="0" lvl="0" marL="0" rtl="0" algn="r">
+            <a:pPr marL="0" lvl="0" indent="0" algn="r" rtl="0">
               <a:spcBef>
                 <a:spcPts val="0"/>
               </a:spcBef>
@@ -5944,7 +5898,7 @@
             </a:pPr>
             <a:fld id="{00000000-1234-1234-1234-123412341234}" type="slidenum">
               <a:rPr lang="en"/>
-              <a:t>‹#›</a:t>
+              <a:t>‹nº›</a:t>
             </a:fld>
             <a:endParaRPr/>
           </a:p>
@@ -5959,11 +5913,11 @@
 </file>
 
 <file path=ppt/slideLayouts/slideLayout7.xml><?xml version="1.0" encoding="utf-8"?>
-<p:sldLayout xmlns:a="http://schemas.openxmlformats.org/drawingml/2006/main" xmlns:r="http://schemas.openxmlformats.org/officeDocument/2006/relationships" xmlns:mc="http://schemas.openxmlformats.org/markup-compatibility/2006" xmlns:mv="urn:schemas-microsoft-com:mac:vml" xmlns:p="http://schemas.openxmlformats.org/presentationml/2006/main" xmlns:c="http://schemas.openxmlformats.org/drawingml/2006/chart" xmlns:dgm="http://schemas.openxmlformats.org/drawingml/2006/diagram" xmlns:o="urn:schemas-microsoft-com:office:office" xmlns:v="urn:schemas-microsoft-com:vml" xmlns:pvml="urn:schemas-microsoft-com:office:powerpoint" xmlns:com="http://schemas.openxmlformats.org/drawingml/2006/compatibility" xmlns:p14="http://schemas.microsoft.com/office/powerpoint/2010/main" xmlns:p15="http://schemas.microsoft.com/office/powerpoint/2012/main" matchingName="Main point">
+<p:sldLayout xmlns:a="http://schemas.openxmlformats.org/drawingml/2006/main" xmlns:r="http://schemas.openxmlformats.org/officeDocument/2006/relationships" xmlns:p="http://schemas.openxmlformats.org/presentationml/2006/main" matchingName="Main point">
   <p:cSld name="MAIN_POINT">
     <p:spTree>
       <p:nvGrpSpPr>
-        <p:cNvPr id="69" name="Shape 69"/>
+        <p:cNvPr id="1" name="Shape 69"/>
         <p:cNvGrpSpPr/>
         <p:nvPr/>
       </p:nvGrpSpPr>
@@ -6002,7 +5956,7 @@
             </a:xfrm>
             <a:prstGeom prst="diagStripe">
               <a:avLst>
-                <a:gd fmla="val 49469" name="adj"/>
+                <a:gd name="adj" fmla="val 49469"/>
               </a:avLst>
             </a:prstGeom>
             <a:solidFill>
@@ -6015,12 +5969,12 @@
             </a:ln>
           </p:spPr>
           <p:txBody>
-            <a:bodyPr anchorCtr="0" anchor="ctr" bIns="91425" lIns="91425" spcFirstLastPara="1" rIns="91425" wrap="square" tIns="91425">
+            <a:bodyPr spcFirstLastPara="1" wrap="square" lIns="91425" tIns="91425" rIns="91425" bIns="91425" anchor="ctr" anchorCtr="0">
               <a:noAutofit/>
             </a:bodyPr>
             <a:lstStyle/>
             <a:p>
-              <a:pPr indent="0" lvl="0" marL="0" rtl="0" algn="l">
+              <a:pPr marL="0" lvl="0" indent="0" algn="l" rtl="0">
                 <a:spcBef>
                   <a:spcPts val="0"/>
                 </a:spcBef>
@@ -6029,9 +5983,6 @@
                 </a:spcAft>
                 <a:buNone/>
               </a:pPr>
-              <a:r>
-                <a:t/>
-              </a:r>
               <a:endParaRPr/>
             </a:p>
           </p:txBody>
@@ -6049,7 +6000,7 @@
             </a:xfrm>
             <a:prstGeom prst="diagStripe">
               <a:avLst>
-                <a:gd fmla="val 0" name="adj"/>
+                <a:gd name="adj" fmla="val 0"/>
               </a:avLst>
             </a:prstGeom>
             <a:solidFill>
@@ -6062,12 +6013,12 @@
             </a:ln>
           </p:spPr>
           <p:txBody>
-            <a:bodyPr anchorCtr="0" anchor="ctr" bIns="91425" lIns="91425" spcFirstLastPara="1" rIns="91425" wrap="square" tIns="91425">
+            <a:bodyPr spcFirstLastPara="1" wrap="square" lIns="91425" tIns="91425" rIns="91425" bIns="91425" anchor="ctr" anchorCtr="0">
               <a:noAutofit/>
             </a:bodyPr>
             <a:lstStyle/>
             <a:p>
-              <a:pPr indent="0" lvl="0" marL="0" rtl="0" algn="l">
+              <a:pPr marL="0" lvl="0" indent="0" algn="l" rtl="0">
                 <a:spcBef>
                   <a:spcPts val="0"/>
                 </a:spcBef>
@@ -6076,9 +6027,6 @@
                 </a:spcAft>
                 <a:buNone/>
               </a:pPr>
-              <a:r>
-                <a:t/>
-              </a:r>
               <a:endParaRPr/>
             </a:p>
           </p:txBody>
@@ -6096,7 +6044,7 @@
             </a:xfrm>
             <a:prstGeom prst="diagStripe">
               <a:avLst>
-                <a:gd fmla="val 50000" name="adj"/>
+                <a:gd name="adj" fmla="val 50000"/>
               </a:avLst>
             </a:prstGeom>
             <a:solidFill>
@@ -6109,12 +6057,12 @@
             </a:ln>
           </p:spPr>
           <p:txBody>
-            <a:bodyPr anchorCtr="0" anchor="ctr" bIns="91425" lIns="91425" spcFirstLastPara="1" rIns="91425" wrap="square" tIns="91425">
+            <a:bodyPr spcFirstLastPara="1" wrap="square" lIns="91425" tIns="91425" rIns="91425" bIns="91425" anchor="ctr" anchorCtr="0">
               <a:noAutofit/>
             </a:bodyPr>
             <a:lstStyle/>
             <a:p>
-              <a:pPr indent="0" lvl="0" marL="0" rtl="0" algn="l">
+              <a:pPr marL="0" lvl="0" indent="0" algn="l" rtl="0">
                 <a:spcBef>
                   <a:spcPts val="0"/>
                 </a:spcBef>
@@ -6123,9 +6071,6 @@
                 </a:spcAft>
                 <a:buNone/>
               </a:pPr>
-              <a:r>
-                <a:t/>
-              </a:r>
               <a:endParaRPr/>
             </a:p>
           </p:txBody>
@@ -6143,7 +6088,7 @@
             </a:xfrm>
             <a:prstGeom prst="diagStripe">
               <a:avLst>
-                <a:gd fmla="val 50000" name="adj"/>
+                <a:gd name="adj" fmla="val 50000"/>
               </a:avLst>
             </a:prstGeom>
             <a:solidFill>
@@ -6156,12 +6101,12 @@
             </a:ln>
           </p:spPr>
           <p:txBody>
-            <a:bodyPr anchorCtr="0" anchor="ctr" bIns="91425" lIns="91425" spcFirstLastPara="1" rIns="91425" wrap="square" tIns="91425">
+            <a:bodyPr spcFirstLastPara="1" wrap="square" lIns="91425" tIns="91425" rIns="91425" bIns="91425" anchor="ctr" anchorCtr="0">
               <a:noAutofit/>
             </a:bodyPr>
             <a:lstStyle/>
             <a:p>
-              <a:pPr indent="0" lvl="0" marL="0" rtl="0" algn="l">
+              <a:pPr marL="0" lvl="0" indent="0" algn="l" rtl="0">
                 <a:spcBef>
                   <a:spcPts val="0"/>
                 </a:spcBef>
@@ -6170,9 +6115,6 @@
                 </a:spcAft>
                 <a:buNone/>
               </a:pPr>
-              <a:r>
-                <a:t/>
-              </a:r>
               <a:endParaRPr/>
             </a:p>
           </p:txBody>
@@ -6190,7 +6132,7 @@
             </a:xfrm>
             <a:prstGeom prst="diagStripe">
               <a:avLst>
-                <a:gd fmla="val 50000" name="adj"/>
+                <a:gd name="adj" fmla="val 50000"/>
               </a:avLst>
             </a:prstGeom>
             <a:solidFill>
@@ -6203,12 +6145,12 @@
             </a:ln>
           </p:spPr>
           <p:txBody>
-            <a:bodyPr anchorCtr="0" anchor="ctr" bIns="91425" lIns="91425" spcFirstLastPara="1" rIns="91425" wrap="square" tIns="91425">
+            <a:bodyPr spcFirstLastPara="1" wrap="square" lIns="91425" tIns="91425" rIns="91425" bIns="91425" anchor="ctr" anchorCtr="0">
               <a:noAutofit/>
             </a:bodyPr>
             <a:lstStyle/>
             <a:p>
-              <a:pPr indent="0" lvl="0" marL="0" rtl="0" algn="l">
+              <a:pPr marL="0" lvl="0" indent="0" algn="l" rtl="0">
                 <a:spcBef>
                   <a:spcPts val="0"/>
                 </a:spcBef>
@@ -6217,9 +6159,6 @@
                 </a:spcAft>
                 <a:buNone/>
               </a:pPr>
-              <a:r>
-                <a:t/>
-              </a:r>
               <a:endParaRPr/>
             </a:p>
           </p:txBody>
@@ -6237,7 +6176,7 @@
             </a:xfrm>
             <a:prstGeom prst="diagStripe">
               <a:avLst>
-                <a:gd fmla="val 50000" name="adj"/>
+                <a:gd name="adj" fmla="val 50000"/>
               </a:avLst>
             </a:prstGeom>
             <a:solidFill>
@@ -6250,12 +6189,12 @@
             </a:ln>
           </p:spPr>
           <p:txBody>
-            <a:bodyPr anchorCtr="0" anchor="ctr" bIns="91425" lIns="91425" spcFirstLastPara="1" rIns="91425" wrap="square" tIns="91425">
+            <a:bodyPr spcFirstLastPara="1" wrap="square" lIns="91425" tIns="91425" rIns="91425" bIns="91425" anchor="ctr" anchorCtr="0">
               <a:noAutofit/>
             </a:bodyPr>
             <a:lstStyle/>
             <a:p>
-              <a:pPr indent="0" lvl="0" marL="0" rtl="0" algn="l">
+              <a:pPr marL="0" lvl="0" indent="0" algn="l" rtl="0">
                 <a:spcBef>
                   <a:spcPts val="0"/>
                 </a:spcBef>
@@ -6264,9 +6203,6 @@
                 </a:spcAft>
                 <a:buNone/>
               </a:pPr>
-              <a:r>
-                <a:t/>
-              </a:r>
               <a:endParaRPr/>
             </a:p>
           </p:txBody>
@@ -6284,7 +6220,7 @@
             </a:xfrm>
             <a:prstGeom prst="diagStripe">
               <a:avLst>
-                <a:gd fmla="val 50000" name="adj"/>
+                <a:gd name="adj" fmla="val 50000"/>
               </a:avLst>
             </a:prstGeom>
             <a:solidFill>
@@ -6297,12 +6233,12 @@
             </a:ln>
           </p:spPr>
           <p:txBody>
-            <a:bodyPr anchorCtr="0" anchor="ctr" bIns="91425" lIns="91425" spcFirstLastPara="1" rIns="91425" wrap="square" tIns="91425">
+            <a:bodyPr spcFirstLastPara="1" wrap="square" lIns="91425" tIns="91425" rIns="91425" bIns="91425" anchor="ctr" anchorCtr="0">
               <a:noAutofit/>
             </a:bodyPr>
             <a:lstStyle/>
             <a:p>
-              <a:pPr indent="0" lvl="0" marL="0" rtl="0" algn="l">
+              <a:pPr marL="0" lvl="0" indent="0" algn="l" rtl="0">
                 <a:spcBef>
                   <a:spcPts val="0"/>
                 </a:spcBef>
@@ -6311,9 +6247,6 @@
                 </a:spcAft>
                 <a:buNone/>
               </a:pPr>
-              <a:r>
-                <a:t/>
-              </a:r>
               <a:endParaRPr/>
             </a:p>
           </p:txBody>
@@ -6331,7 +6264,7 @@
             </a:xfrm>
             <a:prstGeom prst="diagStripe">
               <a:avLst>
-                <a:gd fmla="val 50000" name="adj"/>
+                <a:gd name="adj" fmla="val 50000"/>
               </a:avLst>
             </a:prstGeom>
             <a:solidFill>
@@ -6342,12 +6275,12 @@
             </a:ln>
           </p:spPr>
           <p:txBody>
-            <a:bodyPr anchorCtr="0" anchor="ctr" bIns="91425" lIns="91425" spcFirstLastPara="1" rIns="91425" wrap="square" tIns="91425">
+            <a:bodyPr spcFirstLastPara="1" wrap="square" lIns="91425" tIns="91425" rIns="91425" bIns="91425" anchor="ctr" anchorCtr="0">
               <a:noAutofit/>
             </a:bodyPr>
             <a:lstStyle/>
             <a:p>
-              <a:pPr indent="0" lvl="0" marL="0" rtl="0" algn="l">
+              <a:pPr marL="0" lvl="0" indent="0" algn="l" rtl="0">
                 <a:spcBef>
                   <a:spcPts val="0"/>
                 </a:spcBef>
@@ -6356,9 +6289,6 @@
                 </a:spcAft>
                 <a:buNone/>
               </a:pPr>
-              <a:r>
-                <a:t/>
-              </a:r>
               <a:endParaRPr/>
             </a:p>
           </p:txBody>
@@ -6376,7 +6306,7 @@
             </a:xfrm>
             <a:prstGeom prst="diagStripe">
               <a:avLst>
-                <a:gd fmla="val 50000" name="adj"/>
+                <a:gd name="adj" fmla="val 50000"/>
               </a:avLst>
             </a:prstGeom>
             <a:solidFill>
@@ -6389,12 +6319,12 @@
             </a:ln>
           </p:spPr>
           <p:txBody>
-            <a:bodyPr anchorCtr="0" anchor="ctr" bIns="91425" lIns="91425" spcFirstLastPara="1" rIns="91425" wrap="square" tIns="91425">
+            <a:bodyPr spcFirstLastPara="1" wrap="square" lIns="91425" tIns="91425" rIns="91425" bIns="91425" anchor="ctr" anchorCtr="0">
               <a:noAutofit/>
             </a:bodyPr>
             <a:lstStyle/>
             <a:p>
-              <a:pPr indent="0" lvl="0" marL="0" rtl="0" algn="l">
+              <a:pPr marL="0" lvl="0" indent="0" algn="l" rtl="0">
                 <a:spcBef>
                   <a:spcPts val="0"/>
                 </a:spcBef>
@@ -6403,9 +6333,6 @@
                 </a:spcAft>
                 <a:buNone/>
               </a:pPr>
-              <a:r>
-                <a:t/>
-              </a:r>
               <a:endParaRPr/>
             </a:p>
           </p:txBody>
@@ -6423,7 +6350,7 @@
             </a:xfrm>
             <a:prstGeom prst="diagStripe">
               <a:avLst>
-                <a:gd fmla="val 50000" name="adj"/>
+                <a:gd name="adj" fmla="val 50000"/>
               </a:avLst>
             </a:prstGeom>
             <a:solidFill>
@@ -6436,12 +6363,12 @@
             </a:ln>
           </p:spPr>
           <p:txBody>
-            <a:bodyPr anchorCtr="0" anchor="ctr" bIns="91425" lIns="91425" spcFirstLastPara="1" rIns="91425" wrap="square" tIns="91425">
+            <a:bodyPr spcFirstLastPara="1" wrap="square" lIns="91425" tIns="91425" rIns="91425" bIns="91425" anchor="ctr" anchorCtr="0">
               <a:noAutofit/>
             </a:bodyPr>
             <a:lstStyle/>
             <a:p>
-              <a:pPr indent="0" lvl="0" marL="0" rtl="0" algn="l">
+              <a:pPr marL="0" lvl="0" indent="0" algn="l" rtl="0">
                 <a:spcBef>
                   <a:spcPts val="0"/>
                 </a:spcBef>
@@ -6450,9 +6377,6 @@
                 </a:spcAft>
                 <a:buNone/>
               </a:pPr>
-              <a:r>
-                <a:t/>
-              </a:r>
               <a:endParaRPr/>
             </a:p>
           </p:txBody>
@@ -6470,7 +6394,7 @@
             </a:xfrm>
             <a:prstGeom prst="diagStripe">
               <a:avLst>
-                <a:gd fmla="val 50000" name="adj"/>
+                <a:gd name="adj" fmla="val 50000"/>
               </a:avLst>
             </a:prstGeom>
             <a:solidFill>
@@ -6483,12 +6407,12 @@
             </a:ln>
           </p:spPr>
           <p:txBody>
-            <a:bodyPr anchorCtr="0" anchor="ctr" bIns="91425" lIns="91425" spcFirstLastPara="1" rIns="91425" wrap="square" tIns="91425">
+            <a:bodyPr spcFirstLastPara="1" wrap="square" lIns="91425" tIns="91425" rIns="91425" bIns="91425" anchor="ctr" anchorCtr="0">
               <a:noAutofit/>
             </a:bodyPr>
             <a:lstStyle/>
             <a:p>
-              <a:pPr indent="0" lvl="0" marL="0" rtl="0" algn="l">
+              <a:pPr marL="0" lvl="0" indent="0" algn="l" rtl="0">
                 <a:spcBef>
                   <a:spcPts val="0"/>
                 </a:spcBef>
@@ -6497,9 +6421,6 @@
                 </a:spcAft>
                 <a:buNone/>
               </a:pPr>
-              <a:r>
-                <a:t/>
-              </a:r>
               <a:endParaRPr/>
             </a:p>
           </p:txBody>
@@ -6517,7 +6438,7 @@
             </a:xfrm>
             <a:prstGeom prst="diagStripe">
               <a:avLst>
-                <a:gd fmla="val 50000" name="adj"/>
+                <a:gd name="adj" fmla="val 50000"/>
               </a:avLst>
             </a:prstGeom>
             <a:solidFill>
@@ -6530,12 +6451,12 @@
             </a:ln>
           </p:spPr>
           <p:txBody>
-            <a:bodyPr anchorCtr="0" anchor="ctr" bIns="91425" lIns="91425" spcFirstLastPara="1" rIns="91425" wrap="square" tIns="91425">
+            <a:bodyPr spcFirstLastPara="1" wrap="square" lIns="91425" tIns="91425" rIns="91425" bIns="91425" anchor="ctr" anchorCtr="0">
               <a:noAutofit/>
             </a:bodyPr>
             <a:lstStyle/>
             <a:p>
-              <a:pPr indent="0" lvl="0" marL="0" rtl="0" algn="l">
+              <a:pPr marL="0" lvl="0" indent="0" algn="l" rtl="0">
                 <a:spcBef>
                   <a:spcPts val="0"/>
                 </a:spcBef>
@@ -6544,9 +6465,6 @@
                 </a:spcAft>
                 <a:buNone/>
               </a:pPr>
-              <a:r>
-                <a:t/>
-              </a:r>
               <a:endParaRPr/>
             </a:p>
           </p:txBody>
@@ -6564,7 +6482,7 @@
             </a:xfrm>
             <a:prstGeom prst="diagStripe">
               <a:avLst>
-                <a:gd fmla="val 50000" name="adj"/>
+                <a:gd name="adj" fmla="val 50000"/>
               </a:avLst>
             </a:prstGeom>
             <a:solidFill>
@@ -6577,12 +6495,12 @@
             </a:ln>
           </p:spPr>
           <p:txBody>
-            <a:bodyPr anchorCtr="0" anchor="ctr" bIns="91425" lIns="91425" spcFirstLastPara="1" rIns="91425" wrap="square" tIns="91425">
+            <a:bodyPr spcFirstLastPara="1" wrap="square" lIns="91425" tIns="91425" rIns="91425" bIns="91425" anchor="ctr" anchorCtr="0">
               <a:noAutofit/>
             </a:bodyPr>
             <a:lstStyle/>
             <a:p>
-              <a:pPr indent="0" lvl="0" marL="0" rtl="0" algn="l">
+              <a:pPr marL="0" lvl="0" indent="0" algn="l" rtl="0">
                 <a:spcBef>
                   <a:spcPts val="0"/>
                 </a:spcBef>
@@ -6591,9 +6509,6 @@
                 </a:spcAft>
                 <a:buNone/>
               </a:pPr>
-              <a:r>
-                <a:t/>
-              </a:r>
               <a:endParaRPr/>
             </a:p>
           </p:txBody>
@@ -6611,7 +6526,7 @@
             </a:xfrm>
             <a:prstGeom prst="diagStripe">
               <a:avLst>
-                <a:gd fmla="val 50000" name="adj"/>
+                <a:gd name="adj" fmla="val 50000"/>
               </a:avLst>
             </a:prstGeom>
             <a:solidFill>
@@ -6622,12 +6537,12 @@
             </a:ln>
           </p:spPr>
           <p:txBody>
-            <a:bodyPr anchorCtr="0" anchor="ctr" bIns="91425" lIns="91425" spcFirstLastPara="1" rIns="91425" wrap="square" tIns="91425">
+            <a:bodyPr spcFirstLastPara="1" wrap="square" lIns="91425" tIns="91425" rIns="91425" bIns="91425" anchor="ctr" anchorCtr="0">
               <a:noAutofit/>
             </a:bodyPr>
             <a:lstStyle/>
             <a:p>
-              <a:pPr indent="0" lvl="0" marL="0" rtl="0" algn="l">
+              <a:pPr marL="0" lvl="0" indent="0" algn="l" rtl="0">
                 <a:spcBef>
                   <a:spcPts val="0"/>
                 </a:spcBef>
@@ -6636,9 +6551,6 @@
                 </a:spcAft>
                 <a:buNone/>
               </a:pPr>
-              <a:r>
-                <a:t/>
-              </a:r>
               <a:endParaRPr/>
             </a:p>
           </p:txBody>
@@ -6656,7 +6568,7 @@
             </a:xfrm>
             <a:prstGeom prst="diagStripe">
               <a:avLst>
-                <a:gd fmla="val 50000" name="adj"/>
+                <a:gd name="adj" fmla="val 50000"/>
               </a:avLst>
             </a:prstGeom>
             <a:solidFill>
@@ -6669,12 +6581,12 @@
             </a:ln>
           </p:spPr>
           <p:txBody>
-            <a:bodyPr anchorCtr="0" anchor="ctr" bIns="91425" lIns="91425" spcFirstLastPara="1" rIns="91425" wrap="square" tIns="91425">
+            <a:bodyPr spcFirstLastPara="1" wrap="square" lIns="91425" tIns="91425" rIns="91425" bIns="91425" anchor="ctr" anchorCtr="0">
               <a:noAutofit/>
             </a:bodyPr>
             <a:lstStyle/>
             <a:p>
-              <a:pPr indent="0" lvl="0" marL="0" rtl="0" algn="l">
+              <a:pPr marL="0" lvl="0" indent="0" algn="l" rtl="0">
                 <a:spcBef>
                   <a:spcPts val="0"/>
                 </a:spcBef>
@@ -6683,9 +6595,6 @@
                 </a:spcAft>
                 <a:buNone/>
               </a:pPr>
-              <a:r>
-                <a:t/>
-              </a:r>
               <a:endParaRPr/>
             </a:p>
           </p:txBody>
@@ -6703,7 +6612,7 @@
             </a:xfrm>
             <a:prstGeom prst="diagStripe">
               <a:avLst>
-                <a:gd fmla="val 50000" name="adj"/>
+                <a:gd name="adj" fmla="val 50000"/>
               </a:avLst>
             </a:prstGeom>
             <a:solidFill>
@@ -6716,12 +6625,12 @@
             </a:ln>
           </p:spPr>
           <p:txBody>
-            <a:bodyPr anchorCtr="0" anchor="ctr" bIns="91425" lIns="91425" spcFirstLastPara="1" rIns="91425" wrap="square" tIns="91425">
+            <a:bodyPr spcFirstLastPara="1" wrap="square" lIns="91425" tIns="91425" rIns="91425" bIns="91425" anchor="ctr" anchorCtr="0">
               <a:noAutofit/>
             </a:bodyPr>
             <a:lstStyle/>
             <a:p>
-              <a:pPr indent="0" lvl="0" marL="0" rtl="0" algn="l">
+              <a:pPr marL="0" lvl="0" indent="0" algn="l" rtl="0">
                 <a:spcBef>
                   <a:spcPts val="0"/>
                 </a:spcBef>
@@ -6730,9 +6639,6 @@
                 </a:spcAft>
                 <a:buNone/>
               </a:pPr>
-              <a:r>
-                <a:t/>
-              </a:r>
               <a:endParaRPr/>
             </a:p>
           </p:txBody>
@@ -6750,7 +6656,7 @@
             </a:xfrm>
             <a:prstGeom prst="diagStripe">
               <a:avLst>
-                <a:gd fmla="val 50000" name="adj"/>
+                <a:gd name="adj" fmla="val 50000"/>
               </a:avLst>
             </a:prstGeom>
             <a:solidFill>
@@ -6763,12 +6669,12 @@
             </a:ln>
           </p:spPr>
           <p:txBody>
-            <a:bodyPr anchorCtr="0" anchor="ctr" bIns="91425" lIns="91425" spcFirstLastPara="1" rIns="91425" wrap="square" tIns="91425">
+            <a:bodyPr spcFirstLastPara="1" wrap="square" lIns="91425" tIns="91425" rIns="91425" bIns="91425" anchor="ctr" anchorCtr="0">
               <a:noAutofit/>
             </a:bodyPr>
             <a:lstStyle/>
             <a:p>
-              <a:pPr indent="0" lvl="0" marL="0" rtl="0" algn="l">
+              <a:pPr marL="0" lvl="0" indent="0" algn="l" rtl="0">
                 <a:spcBef>
                   <a:spcPts val="0"/>
                 </a:spcBef>
@@ -6777,9 +6683,6 @@
                 </a:spcAft>
                 <a:buNone/>
               </a:pPr>
-              <a:r>
-                <a:t/>
-              </a:r>
               <a:endParaRPr/>
             </a:p>
           </p:txBody>
@@ -6797,7 +6700,7 @@
             </a:xfrm>
             <a:prstGeom prst="diagStripe">
               <a:avLst>
-                <a:gd fmla="val 50000" name="adj"/>
+                <a:gd name="adj" fmla="val 50000"/>
               </a:avLst>
             </a:prstGeom>
             <a:solidFill>
@@ -6810,12 +6713,12 @@
             </a:ln>
           </p:spPr>
           <p:txBody>
-            <a:bodyPr anchorCtr="0" anchor="ctr" bIns="91425" lIns="91425" spcFirstLastPara="1" rIns="91425" wrap="square" tIns="91425">
+            <a:bodyPr spcFirstLastPara="1" wrap="square" lIns="91425" tIns="91425" rIns="91425" bIns="91425" anchor="ctr" anchorCtr="0">
               <a:noAutofit/>
             </a:bodyPr>
             <a:lstStyle/>
             <a:p>
-              <a:pPr indent="0" lvl="0" marL="0" rtl="0" algn="l">
+              <a:pPr marL="0" lvl="0" indent="0" algn="l" rtl="0">
                 <a:spcBef>
                   <a:spcPts val="0"/>
                 </a:spcBef>
@@ -6824,9 +6727,6 @@
                 </a:spcAft>
                 <a:buNone/>
               </a:pPr>
-              <a:r>
-                <a:t/>
-              </a:r>
               <a:endParaRPr/>
             </a:p>
           </p:txBody>
@@ -6835,7 +6735,9 @@
       <p:sp>
         <p:nvSpPr>
           <p:cNvPr id="89" name="Google Shape;89;p8"/>
-          <p:cNvSpPr txBox="1"/>
+          <p:cNvSpPr txBox="1">
+            <a:spLocks noGrp="1"/>
+          </p:cNvSpPr>
           <p:nvPr>
             <p:ph type="title"/>
           </p:nvPr>
@@ -6850,7 +6752,7 @@
           </a:prstGeom>
         </p:spPr>
         <p:txBody>
-          <a:bodyPr anchorCtr="0" anchor="ctr" bIns="91425" lIns="91425" spcFirstLastPara="1" rIns="91425" wrap="square" tIns="91425">
+          <a:bodyPr spcFirstLastPara="1" wrap="square" lIns="91425" tIns="91425" rIns="91425" bIns="91425" anchor="ctr" anchorCtr="0">
             <a:noAutofit/>
           </a:bodyPr>
           <a:lstStyle>
@@ -6954,15 +6856,19 @@
               <a:defRPr/>
             </a:lvl9pPr>
           </a:lstStyle>
-          <a:p/>
+          <a:p>
+            <a:endParaRPr/>
+          </a:p>
         </p:txBody>
       </p:sp>
       <p:sp>
         <p:nvSpPr>
           <p:cNvPr id="90" name="Google Shape;90;p8"/>
-          <p:cNvSpPr txBox="1"/>
+          <p:cNvSpPr txBox="1">
+            <a:spLocks noGrp="1"/>
+          </p:cNvSpPr>
           <p:nvPr>
-            <p:ph idx="12" type="sldNum"/>
+            <p:ph type="sldNum" idx="12"/>
           </p:nvPr>
         </p:nvSpPr>
         <p:spPr>
@@ -6975,7 +6881,7 @@
           </a:prstGeom>
         </p:spPr>
         <p:txBody>
-          <a:bodyPr anchorCtr="0" anchor="ctr" bIns="91425" lIns="91425" spcFirstLastPara="1" rIns="91425" wrap="square" tIns="91425">
+          <a:bodyPr spcFirstLastPara="1" wrap="square" lIns="91425" tIns="91425" rIns="91425" bIns="91425" anchor="ctr" anchorCtr="0">
             <a:noAutofit/>
           </a:bodyPr>
           <a:lstStyle>
@@ -7017,7 +6923,7 @@
             </a:lvl9pPr>
           </a:lstStyle>
           <a:p>
-            <a:pPr indent="0" lvl="0" marL="0" rtl="0" algn="r">
+            <a:pPr marL="0" lvl="0" indent="0" algn="r" rtl="0">
               <a:spcBef>
                 <a:spcPts val="0"/>
               </a:spcBef>
@@ -7028,7 +6934,7 @@
             </a:pPr>
             <a:fld id="{00000000-1234-1234-1234-123412341234}" type="slidenum">
               <a:rPr lang="en"/>
-              <a:t>‹#›</a:t>
+              <a:t>‹nº›</a:t>
             </a:fld>
             <a:endParaRPr/>
           </a:p>
@@ -7043,11 +6949,11 @@
 </file>
 
 <file path=ppt/slideLayouts/slideLayout8.xml><?xml version="1.0" encoding="utf-8"?>
-<p:sldLayout xmlns:a="http://schemas.openxmlformats.org/drawingml/2006/main" xmlns:r="http://schemas.openxmlformats.org/officeDocument/2006/relationships" xmlns:mc="http://schemas.openxmlformats.org/markup-compatibility/2006" xmlns:mv="urn:schemas-microsoft-com:mac:vml" xmlns:p="http://schemas.openxmlformats.org/presentationml/2006/main" xmlns:c="http://schemas.openxmlformats.org/drawingml/2006/chart" xmlns:dgm="http://schemas.openxmlformats.org/drawingml/2006/diagram" xmlns:o="urn:schemas-microsoft-com:office:office" xmlns:v="urn:schemas-microsoft-com:vml" xmlns:pvml="urn:schemas-microsoft-com:office:powerpoint" xmlns:com="http://schemas.openxmlformats.org/drawingml/2006/compatibility" xmlns:p14="http://schemas.microsoft.com/office/powerpoint/2010/main" xmlns:p15="http://schemas.microsoft.com/office/powerpoint/2012/main" matchingName="Section title and description">
+<p:sldLayout xmlns:a="http://schemas.openxmlformats.org/drawingml/2006/main" xmlns:r="http://schemas.openxmlformats.org/officeDocument/2006/relationships" xmlns:p="http://schemas.openxmlformats.org/presentationml/2006/main" matchingName="Section title and description">
   <p:cSld name="SECTION_TITLE_AND_DESCRIPTION">
     <p:spTree>
       <p:nvGrpSpPr>
-        <p:cNvPr id="91" name="Shape 91"/>
+        <p:cNvPr id="1" name="Shape 91"/>
         <p:cNvGrpSpPr/>
         <p:nvPr/>
       </p:nvGrpSpPr>
@@ -7086,7 +6992,7 @@
             </a:xfrm>
             <a:prstGeom prst="diagStripe">
               <a:avLst>
-                <a:gd fmla="val 50000" name="adj"/>
+                <a:gd name="adj" fmla="val 50000"/>
               </a:avLst>
             </a:prstGeom>
             <a:solidFill>
@@ -7097,12 +7003,12 @@
             </a:ln>
           </p:spPr>
           <p:txBody>
-            <a:bodyPr anchorCtr="0" anchor="ctr" bIns="91425" lIns="91425" spcFirstLastPara="1" rIns="91425" wrap="square" tIns="91425">
+            <a:bodyPr spcFirstLastPara="1" wrap="square" lIns="91425" tIns="91425" rIns="91425" bIns="91425" anchor="ctr" anchorCtr="0">
               <a:noAutofit/>
             </a:bodyPr>
             <a:lstStyle/>
             <a:p>
-              <a:pPr indent="0" lvl="0" marL="0" rtl="0" algn="l">
+              <a:pPr marL="0" lvl="0" indent="0" algn="l" rtl="0">
                 <a:spcBef>
                   <a:spcPts val="0"/>
                 </a:spcBef>
@@ -7111,9 +7017,6 @@
                 </a:spcAft>
                 <a:buNone/>
               </a:pPr>
-              <a:r>
-                <a:t/>
-              </a:r>
               <a:endParaRPr/>
             </a:p>
           </p:txBody>
@@ -7131,7 +7034,7 @@
             </a:xfrm>
             <a:prstGeom prst="diagStripe">
               <a:avLst>
-                <a:gd fmla="val 50000" name="adj"/>
+                <a:gd name="adj" fmla="val 50000"/>
               </a:avLst>
             </a:prstGeom>
             <a:solidFill>
@@ -7142,12 +7045,12 @@
             </a:ln>
           </p:spPr>
           <p:txBody>
-            <a:bodyPr anchorCtr="0" anchor="ctr" bIns="91425" lIns="91425" spcFirstLastPara="1" rIns="91425" wrap="square" tIns="91425">
+            <a:bodyPr spcFirstLastPara="1" wrap="square" lIns="91425" tIns="91425" rIns="91425" bIns="91425" anchor="ctr" anchorCtr="0">
               <a:noAutofit/>
             </a:bodyPr>
             <a:lstStyle/>
             <a:p>
-              <a:pPr indent="0" lvl="0" marL="0" rtl="0" algn="l">
+              <a:pPr marL="0" lvl="0" indent="0" algn="l" rtl="0">
                 <a:spcBef>
                   <a:spcPts val="0"/>
                 </a:spcBef>
@@ -7156,9 +7059,6 @@
                 </a:spcAft>
                 <a:buNone/>
               </a:pPr>
-              <a:r>
-                <a:t/>
-              </a:r>
               <a:endParaRPr/>
             </a:p>
           </p:txBody>
@@ -7167,7 +7067,9 @@
       <p:sp>
         <p:nvSpPr>
           <p:cNvPr id="95" name="Google Shape;95;p9"/>
-          <p:cNvSpPr txBox="1"/>
+          <p:cNvSpPr txBox="1">
+            <a:spLocks noGrp="1"/>
+          </p:cNvSpPr>
           <p:nvPr>
             <p:ph type="title"/>
           </p:nvPr>
@@ -7182,7 +7084,7 @@
           </a:prstGeom>
         </p:spPr>
         <p:txBody>
-          <a:bodyPr anchorCtr="0" anchor="t" bIns="91425" lIns="91425" spcFirstLastPara="1" rIns="91425" wrap="square" tIns="91425">
+          <a:bodyPr spcFirstLastPara="1" wrap="square" lIns="91425" tIns="91425" rIns="91425" bIns="91425" anchor="t" anchorCtr="0">
             <a:noAutofit/>
           </a:bodyPr>
           <a:lstStyle>
@@ -7286,15 +7188,19 @@
               <a:defRPr sz="2400"/>
             </a:lvl9pPr>
           </a:lstStyle>
-          <a:p/>
+          <a:p>
+            <a:endParaRPr/>
+          </a:p>
         </p:txBody>
       </p:sp>
       <p:sp>
         <p:nvSpPr>
           <p:cNvPr id="96" name="Google Shape;96;p9"/>
-          <p:cNvSpPr txBox="1"/>
+          <p:cNvSpPr txBox="1">
+            <a:spLocks noGrp="1"/>
+          </p:cNvSpPr>
           <p:nvPr>
-            <p:ph idx="1" type="subTitle"/>
+            <p:ph type="subTitle" idx="1"/>
           </p:nvPr>
         </p:nvSpPr>
         <p:spPr>
@@ -7307,7 +7213,7 @@
           </a:prstGeom>
         </p:spPr>
         <p:txBody>
-          <a:bodyPr anchorCtr="0" anchor="t" bIns="91425" lIns="91425" spcFirstLastPara="1" rIns="91425" wrap="square" tIns="91425">
+          <a:bodyPr spcFirstLastPara="1" wrap="square" lIns="91425" tIns="91425" rIns="91425" bIns="91425" anchor="t" anchorCtr="0">
             <a:noAutofit/>
           </a:bodyPr>
           <a:lstStyle>
@@ -7438,15 +7344,19 @@
               <a:defRPr sz="1300"/>
             </a:lvl9pPr>
           </a:lstStyle>
-          <a:p/>
+          <a:p>
+            <a:endParaRPr/>
+          </a:p>
         </p:txBody>
       </p:sp>
       <p:sp>
         <p:nvSpPr>
           <p:cNvPr id="97" name="Google Shape;97;p9"/>
-          <p:cNvSpPr txBox="1"/>
+          <p:cNvSpPr txBox="1">
+            <a:spLocks noGrp="1"/>
+          </p:cNvSpPr>
           <p:nvPr>
-            <p:ph idx="2" type="body"/>
+            <p:ph type="body" idx="2"/>
           </p:nvPr>
         </p:nvSpPr>
         <p:spPr>
@@ -7459,11 +7369,11 @@
           </a:prstGeom>
         </p:spPr>
         <p:txBody>
-          <a:bodyPr anchorCtr="0" anchor="t" bIns="91425" lIns="91425" spcFirstLastPara="1" rIns="91425" wrap="square" tIns="91425">
+          <a:bodyPr spcFirstLastPara="1" wrap="square" lIns="91425" tIns="91425" rIns="91425" bIns="91425" anchor="t" anchorCtr="0">
             <a:noAutofit/>
           </a:bodyPr>
           <a:lstStyle>
-            <a:lvl1pPr indent="-311150" lvl="0" marL="457200">
+            <a:lvl1pPr marL="457200" lvl="0" indent="-311150">
               <a:spcBef>
                 <a:spcPts val="0"/>
               </a:spcBef>
@@ -7474,7 +7384,7 @@
               <a:buChar char="●"/>
               <a:defRPr/>
             </a:lvl1pPr>
-            <a:lvl2pPr indent="-298450" lvl="1" marL="914400">
+            <a:lvl2pPr marL="914400" lvl="1" indent="-298450">
               <a:spcBef>
                 <a:spcPts val="1600"/>
               </a:spcBef>
@@ -7485,7 +7395,7 @@
               <a:buChar char="○"/>
               <a:defRPr/>
             </a:lvl2pPr>
-            <a:lvl3pPr indent="-298450" lvl="2" marL="1371600">
+            <a:lvl3pPr marL="1371600" lvl="2" indent="-298450">
               <a:spcBef>
                 <a:spcPts val="1600"/>
               </a:spcBef>
@@ -7496,7 +7406,7 @@
               <a:buChar char="■"/>
               <a:defRPr/>
             </a:lvl3pPr>
-            <a:lvl4pPr indent="-298450" lvl="3" marL="1828800">
+            <a:lvl4pPr marL="1828800" lvl="3" indent="-298450">
               <a:spcBef>
                 <a:spcPts val="1600"/>
               </a:spcBef>
@@ -7507,7 +7417,7 @@
               <a:buChar char="●"/>
               <a:defRPr/>
             </a:lvl4pPr>
-            <a:lvl5pPr indent="-298450" lvl="4" marL="2286000">
+            <a:lvl5pPr marL="2286000" lvl="4" indent="-298450">
               <a:spcBef>
                 <a:spcPts val="1600"/>
               </a:spcBef>
@@ -7518,7 +7428,7 @@
               <a:buChar char="○"/>
               <a:defRPr/>
             </a:lvl5pPr>
-            <a:lvl6pPr indent="-298450" lvl="5" marL="2743200">
+            <a:lvl6pPr marL="2743200" lvl="5" indent="-298450">
               <a:spcBef>
                 <a:spcPts val="1600"/>
               </a:spcBef>
@@ -7529,7 +7439,7 @@
               <a:buChar char="■"/>
               <a:defRPr/>
             </a:lvl6pPr>
-            <a:lvl7pPr indent="-298450" lvl="6" marL="3200400">
+            <a:lvl7pPr marL="3200400" lvl="6" indent="-298450">
               <a:spcBef>
                 <a:spcPts val="1600"/>
               </a:spcBef>
@@ -7540,7 +7450,7 @@
               <a:buChar char="●"/>
               <a:defRPr/>
             </a:lvl7pPr>
-            <a:lvl8pPr indent="-298450" lvl="7" marL="3657600">
+            <a:lvl8pPr marL="3657600" lvl="7" indent="-298450">
               <a:spcBef>
                 <a:spcPts val="1600"/>
               </a:spcBef>
@@ -7551,7 +7461,7 @@
               <a:buChar char="○"/>
               <a:defRPr/>
             </a:lvl8pPr>
-            <a:lvl9pPr indent="-298450" lvl="8" marL="4114800">
+            <a:lvl9pPr marL="4114800" lvl="8" indent="-298450">
               <a:spcBef>
                 <a:spcPts val="1600"/>
               </a:spcBef>
@@ -7563,15 +7473,19 @@
               <a:defRPr/>
             </a:lvl9pPr>
           </a:lstStyle>
-          <a:p/>
+          <a:p>
+            <a:endParaRPr/>
+          </a:p>
         </p:txBody>
       </p:sp>
       <p:sp>
         <p:nvSpPr>
           <p:cNvPr id="98" name="Google Shape;98;p9"/>
-          <p:cNvSpPr txBox="1"/>
+          <p:cNvSpPr txBox="1">
+            <a:spLocks noGrp="1"/>
+          </p:cNvSpPr>
           <p:nvPr>
-            <p:ph idx="12" type="sldNum"/>
+            <p:ph type="sldNum" idx="12"/>
           </p:nvPr>
         </p:nvSpPr>
         <p:spPr>
@@ -7584,7 +7498,7 @@
           </a:prstGeom>
         </p:spPr>
         <p:txBody>
-          <a:bodyPr anchorCtr="0" anchor="ctr" bIns="91425" lIns="91425" spcFirstLastPara="1" rIns="91425" wrap="square" tIns="91425">
+          <a:bodyPr spcFirstLastPara="1" wrap="square" lIns="91425" tIns="91425" rIns="91425" bIns="91425" anchor="ctr" anchorCtr="0">
             <a:noAutofit/>
           </a:bodyPr>
           <a:lstStyle>
@@ -7626,7 +7540,7 @@
             </a:lvl9pPr>
           </a:lstStyle>
           <a:p>
-            <a:pPr indent="0" lvl="0" marL="0" rtl="0" algn="r">
+            <a:pPr marL="0" lvl="0" indent="0" algn="r" rtl="0">
               <a:spcBef>
                 <a:spcPts val="0"/>
               </a:spcBef>
@@ -7637,7 +7551,7 @@
             </a:pPr>
             <a:fld id="{00000000-1234-1234-1234-123412341234}" type="slidenum">
               <a:rPr lang="en"/>
-              <a:t>‹#›</a:t>
+              <a:t>‹nº›</a:t>
             </a:fld>
             <a:endParaRPr/>
           </a:p>
@@ -7652,11 +7566,11 @@
 </file>
 
 <file path=ppt/slideLayouts/slideLayout9.xml><?xml version="1.0" encoding="utf-8"?>
-<p:sldLayout xmlns:a="http://schemas.openxmlformats.org/drawingml/2006/main" xmlns:r="http://schemas.openxmlformats.org/officeDocument/2006/relationships" xmlns:mc="http://schemas.openxmlformats.org/markup-compatibility/2006" xmlns:mv="urn:schemas-microsoft-com:mac:vml" xmlns:p="http://schemas.openxmlformats.org/presentationml/2006/main" xmlns:c="http://schemas.openxmlformats.org/drawingml/2006/chart" xmlns:dgm="http://schemas.openxmlformats.org/drawingml/2006/diagram" xmlns:o="urn:schemas-microsoft-com:office:office" xmlns:v="urn:schemas-microsoft-com:vml" xmlns:pvml="urn:schemas-microsoft-com:office:powerpoint" xmlns:com="http://schemas.openxmlformats.org/drawingml/2006/compatibility" xmlns:p14="http://schemas.microsoft.com/office/powerpoint/2010/main" xmlns:p15="http://schemas.microsoft.com/office/powerpoint/2012/main" matchingName="Caption">
+<p:sldLayout xmlns:a="http://schemas.openxmlformats.org/drawingml/2006/main" xmlns:r="http://schemas.openxmlformats.org/officeDocument/2006/relationships" xmlns:p="http://schemas.openxmlformats.org/presentationml/2006/main" matchingName="Caption">
   <p:cSld name="CAPTION_ONLY">
     <p:spTree>
       <p:nvGrpSpPr>
-        <p:cNvPr id="99" name="Shape 99"/>
+        <p:cNvPr id="1" name="Shape 99"/>
         <p:cNvGrpSpPr/>
         <p:nvPr/>
       </p:nvGrpSpPr>
@@ -7695,7 +7609,7 @@
             </a:xfrm>
             <a:prstGeom prst="diagStripe">
               <a:avLst>
-                <a:gd fmla="val 50000" name="adj"/>
+                <a:gd name="adj" fmla="val 50000"/>
               </a:avLst>
             </a:prstGeom>
             <a:solidFill>
@@ -7708,12 +7622,12 @@
             </a:ln>
           </p:spPr>
           <p:txBody>
-            <a:bodyPr anchorCtr="0" anchor="ctr" bIns="91425" lIns="91425" spcFirstLastPara="1" rIns="91425" wrap="square" tIns="91425">
+            <a:bodyPr spcFirstLastPara="1" wrap="square" lIns="91425" tIns="91425" rIns="91425" bIns="91425" anchor="ctr" anchorCtr="0">
               <a:noAutofit/>
             </a:bodyPr>
             <a:lstStyle/>
             <a:p>
-              <a:pPr indent="0" lvl="0" marL="0" rtl="0" algn="l">
+              <a:pPr marL="0" lvl="0" indent="0" algn="l" rtl="0">
                 <a:spcBef>
                   <a:spcPts val="0"/>
                 </a:spcBef>
@@ -7722,9 +7636,6 @@
                 </a:spcAft>
                 <a:buNone/>
               </a:pPr>
-              <a:r>
-                <a:t/>
-              </a:r>
               <a:endParaRPr/>
             </a:p>
           </p:txBody>
@@ -7742,7 +7653,7 @@
             </a:xfrm>
             <a:prstGeom prst="diagStripe">
               <a:avLst>
-                <a:gd fmla="val 50000" name="adj"/>
+                <a:gd name="adj" fmla="val 50000"/>
               </a:avLst>
             </a:prstGeom>
             <a:solidFill>
@@ -7755,12 +7666,12 @@
             </a:ln>
           </p:spPr>
           <p:txBody>
-            <a:bodyPr anchorCtr="0" anchor="ctr" bIns="91425" lIns="91425" spcFirstLastPara="1" rIns="91425" wrap="square" tIns="91425">
+            <a:bodyPr spcFirstLastPara="1" wrap="square" lIns="91425" tIns="91425" rIns="91425" bIns="91425" anchor="ctr" anchorCtr="0">
               <a:noAutofit/>
             </a:bodyPr>
             <a:lstStyle/>
             <a:p>
-              <a:pPr indent="0" lvl="0" marL="0" rtl="0" algn="l">
+              <a:pPr marL="0" lvl="0" indent="0" algn="l" rtl="0">
                 <a:spcBef>
                   <a:spcPts val="0"/>
                 </a:spcBef>
@@ -7769,9 +7680,6 @@
                 </a:spcAft>
                 <a:buNone/>
               </a:pPr>
-              <a:r>
-                <a:t/>
-              </a:r>
               <a:endParaRPr/>
             </a:p>
           </p:txBody>
@@ -7780,9 +7688,11 @@
       <p:sp>
         <p:nvSpPr>
           <p:cNvPr id="103" name="Google Shape;103;p10"/>
-          <p:cNvSpPr txBox="1"/>
+          <p:cNvSpPr txBox="1">
+            <a:spLocks noGrp="1"/>
+          </p:cNvSpPr>
           <p:nvPr>
-            <p:ph idx="1" type="body"/>
+            <p:ph type="body" idx="1"/>
           </p:nvPr>
         </p:nvSpPr>
         <p:spPr>
@@ -7795,11 +7705,11 @@
           </a:prstGeom>
         </p:spPr>
         <p:txBody>
-          <a:bodyPr anchorCtr="0" anchor="ctr" bIns="91425" lIns="91425" spcFirstLastPara="1" rIns="91425" wrap="square" tIns="91425">
+          <a:bodyPr spcFirstLastPara="1" wrap="square" lIns="91425" tIns="91425" rIns="91425" bIns="91425" anchor="ctr" anchorCtr="0">
             <a:noAutofit/>
           </a:bodyPr>
           <a:lstStyle>
-            <a:lvl1pPr indent="-228600" lvl="0" marL="457200">
+            <a:lvl1pPr marL="457200" lvl="0" indent="-228600">
               <a:lnSpc>
                 <a:spcPct val="100000"/>
               </a:lnSpc>
@@ -7814,15 +7724,19 @@
               <a:defRPr/>
             </a:lvl1pPr>
           </a:lstStyle>
-          <a:p/>
+          <a:p>
+            <a:endParaRPr/>
+          </a:p>
         </p:txBody>
       </p:sp>
       <p:sp>
         <p:nvSpPr>
           <p:cNvPr id="104" name="Google Shape;104;p10"/>
-          <p:cNvSpPr txBox="1"/>
+          <p:cNvSpPr txBox="1">
+            <a:spLocks noGrp="1"/>
+          </p:cNvSpPr>
           <p:nvPr>
-            <p:ph idx="12" type="sldNum"/>
+            <p:ph type="sldNum" idx="12"/>
           </p:nvPr>
         </p:nvSpPr>
         <p:spPr>
@@ -7835,7 +7749,7 @@
           </a:prstGeom>
         </p:spPr>
         <p:txBody>
-          <a:bodyPr anchorCtr="0" anchor="ctr" bIns="91425" lIns="91425" spcFirstLastPara="1" rIns="91425" wrap="square" tIns="91425">
+          <a:bodyPr spcFirstLastPara="1" wrap="square" lIns="91425" tIns="91425" rIns="91425" bIns="91425" anchor="ctr" anchorCtr="0">
             <a:noAutofit/>
           </a:bodyPr>
           <a:lstStyle>
@@ -7877,7 +7791,7 @@
             </a:lvl9pPr>
           </a:lstStyle>
           <a:p>
-            <a:pPr indent="0" lvl="0" marL="0" rtl="0" algn="r">
+            <a:pPr marL="0" lvl="0" indent="0" algn="r" rtl="0">
               <a:spcBef>
                 <a:spcPts val="0"/>
               </a:spcBef>
@@ -7888,7 +7802,7 @@
             </a:pPr>
             <a:fld id="{00000000-1234-1234-1234-123412341234}" type="slidenum">
               <a:rPr lang="en"/>
-              <a:t>‹#›</a:t>
+              <a:t>‹nº›</a:t>
             </a:fld>
             <a:endParaRPr/>
           </a:p>
@@ -7903,18 +7817,19 @@
 </file>
 
 <file path=ppt/slideMasters/slideMaster1.xml><?xml version="1.0" encoding="utf-8"?>
-<p:sldMaster xmlns:a="http://schemas.openxmlformats.org/drawingml/2006/main" xmlns:r="http://schemas.openxmlformats.org/officeDocument/2006/relationships" xmlns:mc="http://schemas.openxmlformats.org/markup-compatibility/2006" xmlns:mv="urn:schemas-microsoft-com:mac:vml" xmlns:p="http://schemas.openxmlformats.org/presentationml/2006/main" xmlns:c="http://schemas.openxmlformats.org/drawingml/2006/chart" xmlns:dgm="http://schemas.openxmlformats.org/drawingml/2006/diagram" xmlns:o="urn:schemas-microsoft-com:office:office" xmlns:v="urn:schemas-microsoft-com:vml" xmlns:pvml="urn:schemas-microsoft-com:office:powerpoint" xmlns:com="http://schemas.openxmlformats.org/drawingml/2006/compatibility" xmlns:p14="http://schemas.microsoft.com/office/powerpoint/2010/main" xmlns:p15="http://schemas.microsoft.com/office/powerpoint/2012/main">
+<p:sldMaster xmlns:a="http://schemas.openxmlformats.org/drawingml/2006/main" xmlns:r="http://schemas.openxmlformats.org/officeDocument/2006/relationships" xmlns:p="http://schemas.openxmlformats.org/presentationml/2006/main">
   <p:cSld name="focus">
     <p:bg>
       <p:bgPr>
         <a:solidFill>
           <a:schemeClr val="dk1"/>
         </a:solidFill>
+        <a:effectLst/>
       </p:bgPr>
     </p:bg>
     <p:spTree>
       <p:nvGrpSpPr>
-        <p:cNvPr id="5" name="Shape 5"/>
+        <p:cNvPr id="1" name="Shape 5"/>
         <p:cNvGrpSpPr/>
         <p:nvPr/>
       </p:nvGrpSpPr>
@@ -7929,7 +7844,9 @@
       <p:sp>
         <p:nvSpPr>
           <p:cNvPr id="6" name="Google Shape;6;p1"/>
-          <p:cNvSpPr txBox="1"/>
+          <p:cNvSpPr txBox="1">
+            <a:spLocks noGrp="1"/>
+          </p:cNvSpPr>
           <p:nvPr>
             <p:ph type="title"/>
           </p:nvPr>
@@ -7948,7 +7865,7 @@
           </a:ln>
         </p:spPr>
         <p:txBody>
-          <a:bodyPr anchorCtr="0" anchor="t" bIns="91425" lIns="91425" spcFirstLastPara="1" rIns="91425" wrap="square" tIns="91425">
+          <a:bodyPr spcFirstLastPara="1" wrap="square" lIns="91425" tIns="91425" rIns="91425" bIns="91425" anchor="t" anchorCtr="0">
             <a:noAutofit/>
           </a:bodyPr>
           <a:lstStyle>
@@ -8160,15 +8077,19 @@
               </a:defRPr>
             </a:lvl9pPr>
           </a:lstStyle>
-          <a:p/>
+          <a:p>
+            <a:endParaRPr/>
+          </a:p>
         </p:txBody>
       </p:sp>
       <p:sp>
         <p:nvSpPr>
           <p:cNvPr id="7" name="Google Shape;7;p1"/>
-          <p:cNvSpPr txBox="1"/>
+          <p:cNvSpPr txBox="1">
+            <a:spLocks noGrp="1"/>
+          </p:cNvSpPr>
           <p:nvPr>
-            <p:ph idx="1" type="body"/>
+            <p:ph type="body" idx="1"/>
           </p:nvPr>
         </p:nvSpPr>
         <p:spPr>
@@ -8185,11 +8106,11 @@
           </a:ln>
         </p:spPr>
         <p:txBody>
-          <a:bodyPr anchorCtr="0" anchor="t" bIns="91425" lIns="91425" spcFirstLastPara="1" rIns="91425" wrap="square" tIns="91425">
+          <a:bodyPr spcFirstLastPara="1" wrap="square" lIns="91425" tIns="91425" rIns="91425" bIns="91425" anchor="t" anchorCtr="0">
             <a:noAutofit/>
           </a:bodyPr>
           <a:lstStyle>
-            <a:lvl1pPr indent="-311150" lvl="0" marL="457200">
+            <a:lvl1pPr marL="457200" lvl="0" indent="-311150">
               <a:lnSpc>
                 <a:spcPct val="115000"/>
               </a:lnSpc>
@@ -8215,7 +8136,7 @@
                 <a:sym typeface="Lato"/>
               </a:defRPr>
             </a:lvl1pPr>
-            <a:lvl2pPr indent="-298450" lvl="1" marL="914400">
+            <a:lvl2pPr marL="914400" lvl="1" indent="-298450">
               <a:lnSpc>
                 <a:spcPct val="115000"/>
               </a:lnSpc>
@@ -8241,7 +8162,7 @@
                 <a:sym typeface="Lato"/>
               </a:defRPr>
             </a:lvl2pPr>
-            <a:lvl3pPr indent="-298450" lvl="2" marL="1371600">
+            <a:lvl3pPr marL="1371600" lvl="2" indent="-298450">
               <a:lnSpc>
                 <a:spcPct val="115000"/>
               </a:lnSpc>
@@ -8267,7 +8188,7 @@
                 <a:sym typeface="Lato"/>
               </a:defRPr>
             </a:lvl3pPr>
-            <a:lvl4pPr indent="-298450" lvl="3" marL="1828800">
+            <a:lvl4pPr marL="1828800" lvl="3" indent="-298450">
               <a:lnSpc>
                 <a:spcPct val="115000"/>
               </a:lnSpc>
@@ -8293,7 +8214,7 @@
                 <a:sym typeface="Lato"/>
               </a:defRPr>
             </a:lvl4pPr>
-            <a:lvl5pPr indent="-298450" lvl="4" marL="2286000">
+            <a:lvl5pPr marL="2286000" lvl="4" indent="-298450">
               <a:lnSpc>
                 <a:spcPct val="115000"/>
               </a:lnSpc>
@@ -8319,7 +8240,7 @@
                 <a:sym typeface="Lato"/>
               </a:defRPr>
             </a:lvl5pPr>
-            <a:lvl6pPr indent="-298450" lvl="5" marL="2743200">
+            <a:lvl6pPr marL="2743200" lvl="5" indent="-298450">
               <a:lnSpc>
                 <a:spcPct val="115000"/>
               </a:lnSpc>
@@ -8345,7 +8266,7 @@
                 <a:sym typeface="Lato"/>
               </a:defRPr>
             </a:lvl6pPr>
-            <a:lvl7pPr indent="-298450" lvl="6" marL="3200400">
+            <a:lvl7pPr marL="3200400" lvl="6" indent="-298450">
               <a:lnSpc>
                 <a:spcPct val="115000"/>
               </a:lnSpc>
@@ -8371,7 +8292,7 @@
                 <a:sym typeface="Lato"/>
               </a:defRPr>
             </a:lvl7pPr>
-            <a:lvl8pPr indent="-298450" lvl="7" marL="3657600">
+            <a:lvl8pPr marL="3657600" lvl="7" indent="-298450">
               <a:lnSpc>
                 <a:spcPct val="115000"/>
               </a:lnSpc>
@@ -8397,7 +8318,7 @@
                 <a:sym typeface="Lato"/>
               </a:defRPr>
             </a:lvl8pPr>
-            <a:lvl9pPr indent="-298450" lvl="8" marL="4114800">
+            <a:lvl9pPr marL="4114800" lvl="8" indent="-298450">
               <a:lnSpc>
                 <a:spcPct val="115000"/>
               </a:lnSpc>
@@ -8424,15 +8345,19 @@
               </a:defRPr>
             </a:lvl9pPr>
           </a:lstStyle>
-          <a:p/>
+          <a:p>
+            <a:endParaRPr/>
+          </a:p>
         </p:txBody>
       </p:sp>
       <p:sp>
         <p:nvSpPr>
           <p:cNvPr id="8" name="Google Shape;8;p1"/>
-          <p:cNvSpPr txBox="1"/>
+          <p:cNvSpPr txBox="1">
+            <a:spLocks noGrp="1"/>
+          </p:cNvSpPr>
           <p:nvPr>
-            <p:ph idx="12" type="sldNum"/>
+            <p:ph type="sldNum" idx="12"/>
           </p:nvPr>
         </p:nvSpPr>
         <p:spPr>
@@ -8449,7 +8374,7 @@
           </a:ln>
         </p:spPr>
         <p:txBody>
-          <a:bodyPr anchorCtr="0" anchor="ctr" bIns="91425" lIns="91425" spcFirstLastPara="1" rIns="91425" wrap="square" tIns="91425">
+          <a:bodyPr spcFirstLastPara="1" wrap="square" lIns="91425" tIns="91425" rIns="91425" bIns="91425" anchor="ctr" anchorCtr="0">
             <a:noAutofit/>
           </a:bodyPr>
           <a:lstStyle>
@@ -8563,7 +8488,7 @@
             </a:lvl9pPr>
           </a:lstStyle>
           <a:p>
-            <a:pPr indent="0" lvl="0" marL="0" rtl="0" algn="r">
+            <a:pPr marL="0" lvl="0" indent="0" algn="r" rtl="0">
               <a:spcBef>
                 <a:spcPts val="0"/>
               </a:spcBef>
@@ -8574,7 +8499,7 @@
             </a:pPr>
             <a:fld id="{00000000-1234-1234-1234-123412341234}" type="slidenum">
               <a:rPr lang="en"/>
-              <a:t>‹#›</a:t>
+              <a:t>‹nº›</a:t>
             </a:fld>
             <a:endParaRPr/>
           </a:p>
@@ -8582,7 +8507,7 @@
       </p:sp>
     </p:spTree>
   </p:cSld>
-  <p:clrMap accent1="accent1" accent2="accent2" accent3="accent3" accent4="accent4" accent5="accent5" accent6="accent6" bg1="lt1" bg2="dk2" tx1="dk1" tx2="lt2" folHlink="folHlink" hlink="hlink"/>
+  <p:clrMap bg1="lt1" tx1="dk1" bg2="dk2" tx2="lt2" accent1="accent1" accent2="accent2" accent3="accent3" accent4="accent4" accent5="accent5" accent6="accent6" hlink="hlink" folHlink="folHlink"/>
   <p:sldLayoutIdLst>
     <p:sldLayoutId id="2147483648" r:id="rId1"/>
     <p:sldLayoutId id="2147483649" r:id="rId2"/>
@@ -8596,10 +8521,10 @@
     <p:sldLayoutId id="2147483657" r:id="rId10"/>
     <p:sldLayoutId id="2147483658" r:id="rId11"/>
   </p:sldLayoutIdLst>
-  <p:hf dt="0" ftr="0" hdr="0" sldNum="0"/>
+  <p:hf sldNum="0" hdr="0" ftr="0" dt="0"/>
   <p:txStyles>
     <p:titleStyle>
-      <a:defPPr lvl="0" marR="0" rtl="0" algn="l">
+      <a:defPPr marR="0" lvl="0" algn="l" rtl="0">
         <a:lnSpc>
           <a:spcPct val="100000"/>
         </a:lnSpc>
@@ -8610,7 +8535,7 @@
           <a:spcPts val="0"/>
         </a:spcAft>
       </a:defPPr>
-      <a:lvl1pPr lvl="0" marR="0" rtl="0" algn="l">
+      <a:lvl1pPr marR="0" lvl="0" algn="l" rtl="0">
         <a:lnSpc>
           <a:spcPct val="100000"/>
         </a:lnSpc>
@@ -8624,7 +8549,7 @@
           <a:srgbClr val="000000"/>
         </a:buClr>
         <a:buFont typeface="Arial"/>
-        <a:defRPr b="0" i="0" sz="1400" u="none" cap="none" strike="noStrike">
+        <a:defRPr sz="1400" b="0" i="0" u="none" strike="noStrike" cap="none">
           <a:solidFill>
             <a:srgbClr val="000000"/>
           </a:solidFill>
@@ -8634,7 +8559,7 @@
           <a:sym typeface="Arial"/>
         </a:defRPr>
       </a:lvl1pPr>
-      <a:lvl2pPr lvl="1" marR="0" rtl="0" algn="l">
+      <a:lvl2pPr marR="0" lvl="1" algn="l" rtl="0">
         <a:lnSpc>
           <a:spcPct val="100000"/>
         </a:lnSpc>
@@ -8648,7 +8573,7 @@
           <a:srgbClr val="000000"/>
         </a:buClr>
         <a:buFont typeface="Arial"/>
-        <a:defRPr b="0" i="0" sz="1400" u="none" cap="none" strike="noStrike">
+        <a:defRPr sz="1400" b="0" i="0" u="none" strike="noStrike" cap="none">
           <a:solidFill>
             <a:srgbClr val="000000"/>
           </a:solidFill>
@@ -8658,7 +8583,7 @@
           <a:sym typeface="Arial"/>
         </a:defRPr>
       </a:lvl2pPr>
-      <a:lvl3pPr lvl="2" marR="0" rtl="0" algn="l">
+      <a:lvl3pPr marR="0" lvl="2" algn="l" rtl="0">
         <a:lnSpc>
           <a:spcPct val="100000"/>
         </a:lnSpc>
@@ -8672,7 +8597,7 @@
           <a:srgbClr val="000000"/>
         </a:buClr>
         <a:buFont typeface="Arial"/>
-        <a:defRPr b="0" i="0" sz="1400" u="none" cap="none" strike="noStrike">
+        <a:defRPr sz="1400" b="0" i="0" u="none" strike="noStrike" cap="none">
           <a:solidFill>
             <a:srgbClr val="000000"/>
           </a:solidFill>
@@ -8682,7 +8607,7 @@
           <a:sym typeface="Arial"/>
         </a:defRPr>
       </a:lvl3pPr>
-      <a:lvl4pPr lvl="3" marR="0" rtl="0" algn="l">
+      <a:lvl4pPr marR="0" lvl="3" algn="l" rtl="0">
         <a:lnSpc>
           <a:spcPct val="100000"/>
         </a:lnSpc>
@@ -8696,7 +8621,7 @@
           <a:srgbClr val="000000"/>
         </a:buClr>
         <a:buFont typeface="Arial"/>
-        <a:defRPr b="0" i="0" sz="1400" u="none" cap="none" strike="noStrike">
+        <a:defRPr sz="1400" b="0" i="0" u="none" strike="noStrike" cap="none">
           <a:solidFill>
             <a:srgbClr val="000000"/>
           </a:solidFill>
@@ -8706,7 +8631,7 @@
           <a:sym typeface="Arial"/>
         </a:defRPr>
       </a:lvl4pPr>
-      <a:lvl5pPr lvl="4" marR="0" rtl="0" algn="l">
+      <a:lvl5pPr marR="0" lvl="4" algn="l" rtl="0">
         <a:lnSpc>
           <a:spcPct val="100000"/>
         </a:lnSpc>
@@ -8720,7 +8645,7 @@
           <a:srgbClr val="000000"/>
         </a:buClr>
         <a:buFont typeface="Arial"/>
-        <a:defRPr b="0" i="0" sz="1400" u="none" cap="none" strike="noStrike">
+        <a:defRPr sz="1400" b="0" i="0" u="none" strike="noStrike" cap="none">
           <a:solidFill>
             <a:srgbClr val="000000"/>
           </a:solidFill>
@@ -8730,7 +8655,7 @@
           <a:sym typeface="Arial"/>
         </a:defRPr>
       </a:lvl5pPr>
-      <a:lvl6pPr lvl="5" marR="0" rtl="0" algn="l">
+      <a:lvl6pPr marR="0" lvl="5" algn="l" rtl="0">
         <a:lnSpc>
           <a:spcPct val="100000"/>
         </a:lnSpc>
@@ -8744,7 +8669,7 @@
           <a:srgbClr val="000000"/>
         </a:buClr>
         <a:buFont typeface="Arial"/>
-        <a:defRPr b="0" i="0" sz="1400" u="none" cap="none" strike="noStrike">
+        <a:defRPr sz="1400" b="0" i="0" u="none" strike="noStrike" cap="none">
           <a:solidFill>
             <a:srgbClr val="000000"/>
           </a:solidFill>
@@ -8754,7 +8679,7 @@
           <a:sym typeface="Arial"/>
         </a:defRPr>
       </a:lvl6pPr>
-      <a:lvl7pPr lvl="6" marR="0" rtl="0" algn="l">
+      <a:lvl7pPr marR="0" lvl="6" algn="l" rtl="0">
         <a:lnSpc>
           <a:spcPct val="100000"/>
         </a:lnSpc>
@@ -8768,7 +8693,7 @@
           <a:srgbClr val="000000"/>
         </a:buClr>
         <a:buFont typeface="Arial"/>
-        <a:defRPr b="0" i="0" sz="1400" u="none" cap="none" strike="noStrike">
+        <a:defRPr sz="1400" b="0" i="0" u="none" strike="noStrike" cap="none">
           <a:solidFill>
             <a:srgbClr val="000000"/>
           </a:solidFill>
@@ -8778,7 +8703,7 @@
           <a:sym typeface="Arial"/>
         </a:defRPr>
       </a:lvl7pPr>
-      <a:lvl8pPr lvl="7" marR="0" rtl="0" algn="l">
+      <a:lvl8pPr marR="0" lvl="7" algn="l" rtl="0">
         <a:lnSpc>
           <a:spcPct val="100000"/>
         </a:lnSpc>
@@ -8792,7 +8717,7 @@
           <a:srgbClr val="000000"/>
         </a:buClr>
         <a:buFont typeface="Arial"/>
-        <a:defRPr b="0" i="0" sz="1400" u="none" cap="none" strike="noStrike">
+        <a:defRPr sz="1400" b="0" i="0" u="none" strike="noStrike" cap="none">
           <a:solidFill>
             <a:srgbClr val="000000"/>
           </a:solidFill>
@@ -8802,7 +8727,7 @@
           <a:sym typeface="Arial"/>
         </a:defRPr>
       </a:lvl8pPr>
-      <a:lvl9pPr lvl="8" marR="0" rtl="0" algn="l">
+      <a:lvl9pPr marR="0" lvl="8" algn="l" rtl="0">
         <a:lnSpc>
           <a:spcPct val="100000"/>
         </a:lnSpc>
@@ -8816,7 +8741,7 @@
           <a:srgbClr val="000000"/>
         </a:buClr>
         <a:buFont typeface="Arial"/>
-        <a:defRPr b="0" i="0" sz="1400" u="none" cap="none" strike="noStrike">
+        <a:defRPr sz="1400" b="0" i="0" u="none" strike="noStrike" cap="none">
           <a:solidFill>
             <a:srgbClr val="000000"/>
           </a:solidFill>
@@ -8828,7 +8753,7 @@
       </a:lvl9pPr>
     </p:titleStyle>
     <p:bodyStyle>
-      <a:defPPr lvl="0" marR="0" rtl="0" algn="l">
+      <a:defPPr marR="0" lvl="0" algn="l" rtl="0">
         <a:lnSpc>
           <a:spcPct val="100000"/>
         </a:lnSpc>
@@ -8839,7 +8764,7 @@
           <a:spcPts val="0"/>
         </a:spcAft>
       </a:defPPr>
-      <a:lvl1pPr lvl="0" marR="0" rtl="0" algn="l">
+      <a:lvl1pPr marR="0" lvl="0" algn="l" rtl="0">
         <a:lnSpc>
           <a:spcPct val="100000"/>
         </a:lnSpc>
@@ -8853,7 +8778,7 @@
           <a:srgbClr val="000000"/>
         </a:buClr>
         <a:buFont typeface="Arial"/>
-        <a:defRPr b="0" i="0" sz="1400" u="none" cap="none" strike="noStrike">
+        <a:defRPr sz="1400" b="0" i="0" u="none" strike="noStrike" cap="none">
           <a:solidFill>
             <a:srgbClr val="000000"/>
           </a:solidFill>
@@ -8863,7 +8788,7 @@
           <a:sym typeface="Arial"/>
         </a:defRPr>
       </a:lvl1pPr>
-      <a:lvl2pPr lvl="1" marR="0" rtl="0" algn="l">
+      <a:lvl2pPr marR="0" lvl="1" algn="l" rtl="0">
         <a:lnSpc>
           <a:spcPct val="100000"/>
         </a:lnSpc>
@@ -8877,7 +8802,7 @@
           <a:srgbClr val="000000"/>
         </a:buClr>
         <a:buFont typeface="Arial"/>
-        <a:defRPr b="0" i="0" sz="1400" u="none" cap="none" strike="noStrike">
+        <a:defRPr sz="1400" b="0" i="0" u="none" strike="noStrike" cap="none">
           <a:solidFill>
             <a:srgbClr val="000000"/>
           </a:solidFill>
@@ -8887,7 +8812,7 @@
           <a:sym typeface="Arial"/>
         </a:defRPr>
       </a:lvl2pPr>
-      <a:lvl3pPr lvl="2" marR="0" rtl="0" algn="l">
+      <a:lvl3pPr marR="0" lvl="2" algn="l" rtl="0">
         <a:lnSpc>
           <a:spcPct val="100000"/>
         </a:lnSpc>
@@ -8901,7 +8826,7 @@
           <a:srgbClr val="000000"/>
         </a:buClr>
         <a:buFont typeface="Arial"/>
-        <a:defRPr b="0" i="0" sz="1400" u="none" cap="none" strike="noStrike">
+        <a:defRPr sz="1400" b="0" i="0" u="none" strike="noStrike" cap="none">
           <a:solidFill>
             <a:srgbClr val="000000"/>
           </a:solidFill>
@@ -8911,7 +8836,7 @@
           <a:sym typeface="Arial"/>
         </a:defRPr>
       </a:lvl3pPr>
-      <a:lvl4pPr lvl="3" marR="0" rtl="0" algn="l">
+      <a:lvl4pPr marR="0" lvl="3" algn="l" rtl="0">
         <a:lnSpc>
           <a:spcPct val="100000"/>
         </a:lnSpc>
@@ -8925,7 +8850,7 @@
           <a:srgbClr val="000000"/>
         </a:buClr>
         <a:buFont typeface="Arial"/>
-        <a:defRPr b="0" i="0" sz="1400" u="none" cap="none" strike="noStrike">
+        <a:defRPr sz="1400" b="0" i="0" u="none" strike="noStrike" cap="none">
           <a:solidFill>
             <a:srgbClr val="000000"/>
           </a:solidFill>
@@ -8935,7 +8860,7 @@
           <a:sym typeface="Arial"/>
         </a:defRPr>
       </a:lvl4pPr>
-      <a:lvl5pPr lvl="4" marR="0" rtl="0" algn="l">
+      <a:lvl5pPr marR="0" lvl="4" algn="l" rtl="0">
         <a:lnSpc>
           <a:spcPct val="100000"/>
         </a:lnSpc>
@@ -8949,7 +8874,7 @@
           <a:srgbClr val="000000"/>
         </a:buClr>
         <a:buFont typeface="Arial"/>
-        <a:defRPr b="0" i="0" sz="1400" u="none" cap="none" strike="noStrike">
+        <a:defRPr sz="1400" b="0" i="0" u="none" strike="noStrike" cap="none">
           <a:solidFill>
             <a:srgbClr val="000000"/>
           </a:solidFill>
@@ -8959,7 +8884,7 @@
           <a:sym typeface="Arial"/>
         </a:defRPr>
       </a:lvl5pPr>
-      <a:lvl6pPr lvl="5" marR="0" rtl="0" algn="l">
+      <a:lvl6pPr marR="0" lvl="5" algn="l" rtl="0">
         <a:lnSpc>
           <a:spcPct val="100000"/>
         </a:lnSpc>
@@ -8973,7 +8898,7 @@
           <a:srgbClr val="000000"/>
         </a:buClr>
         <a:buFont typeface="Arial"/>
-        <a:defRPr b="0" i="0" sz="1400" u="none" cap="none" strike="noStrike">
+        <a:defRPr sz="1400" b="0" i="0" u="none" strike="noStrike" cap="none">
           <a:solidFill>
             <a:srgbClr val="000000"/>
           </a:solidFill>
@@ -8983,7 +8908,7 @@
           <a:sym typeface="Arial"/>
         </a:defRPr>
       </a:lvl6pPr>
-      <a:lvl7pPr lvl="6" marR="0" rtl="0" algn="l">
+      <a:lvl7pPr marR="0" lvl="6" algn="l" rtl="0">
         <a:lnSpc>
           <a:spcPct val="100000"/>
         </a:lnSpc>
@@ -8997,7 +8922,7 @@
           <a:srgbClr val="000000"/>
         </a:buClr>
         <a:buFont typeface="Arial"/>
-        <a:defRPr b="0" i="0" sz="1400" u="none" cap="none" strike="noStrike">
+        <a:defRPr sz="1400" b="0" i="0" u="none" strike="noStrike" cap="none">
           <a:solidFill>
             <a:srgbClr val="000000"/>
           </a:solidFill>
@@ -9007,7 +8932,7 @@
           <a:sym typeface="Arial"/>
         </a:defRPr>
       </a:lvl7pPr>
-      <a:lvl8pPr lvl="7" marR="0" rtl="0" algn="l">
+      <a:lvl8pPr marR="0" lvl="7" algn="l" rtl="0">
         <a:lnSpc>
           <a:spcPct val="100000"/>
         </a:lnSpc>
@@ -9021,7 +8946,7 @@
           <a:srgbClr val="000000"/>
         </a:buClr>
         <a:buFont typeface="Arial"/>
-        <a:defRPr b="0" i="0" sz="1400" u="none" cap="none" strike="noStrike">
+        <a:defRPr sz="1400" b="0" i="0" u="none" strike="noStrike" cap="none">
           <a:solidFill>
             <a:srgbClr val="000000"/>
           </a:solidFill>
@@ -9031,7 +8956,7 @@
           <a:sym typeface="Arial"/>
         </a:defRPr>
       </a:lvl8pPr>
-      <a:lvl9pPr lvl="8" marR="0" rtl="0" algn="l">
+      <a:lvl9pPr marR="0" lvl="8" algn="l" rtl="0">
         <a:lnSpc>
           <a:spcPct val="100000"/>
         </a:lnSpc>
@@ -9045,7 +8970,7 @@
           <a:srgbClr val="000000"/>
         </a:buClr>
         <a:buFont typeface="Arial"/>
-        <a:defRPr b="0" i="0" sz="1400" u="none" cap="none" strike="noStrike">
+        <a:defRPr sz="1400" b="0" i="0" u="none" strike="noStrike" cap="none">
           <a:solidFill>
             <a:srgbClr val="000000"/>
           </a:solidFill>
@@ -9057,7 +8982,7 @@
       </a:lvl9pPr>
     </p:bodyStyle>
     <p:otherStyle>
-      <a:defPPr lvl="0" marR="0" rtl="0" algn="l">
+      <a:defPPr marR="0" lvl="0" algn="l" rtl="0">
         <a:lnSpc>
           <a:spcPct val="100000"/>
         </a:lnSpc>
@@ -9068,7 +8993,7 @@
           <a:spcPts val="0"/>
         </a:spcAft>
       </a:defPPr>
-      <a:lvl1pPr lvl="0" marR="0" rtl="0" algn="l">
+      <a:lvl1pPr marR="0" lvl="0" algn="l" rtl="0">
         <a:lnSpc>
           <a:spcPct val="100000"/>
         </a:lnSpc>
@@ -9082,7 +9007,7 @@
           <a:srgbClr val="000000"/>
         </a:buClr>
         <a:buFont typeface="Arial"/>
-        <a:defRPr b="0" i="0" sz="1400" u="none" cap="none" strike="noStrike">
+        <a:defRPr sz="1400" b="0" i="0" u="none" strike="noStrike" cap="none">
           <a:solidFill>
             <a:srgbClr val="000000"/>
           </a:solidFill>
@@ -9092,7 +9017,7 @@
           <a:sym typeface="Arial"/>
         </a:defRPr>
       </a:lvl1pPr>
-      <a:lvl2pPr lvl="1" marR="0" rtl="0" algn="l">
+      <a:lvl2pPr marR="0" lvl="1" algn="l" rtl="0">
         <a:lnSpc>
           <a:spcPct val="100000"/>
         </a:lnSpc>
@@ -9106,7 +9031,7 @@
           <a:srgbClr val="000000"/>
         </a:buClr>
         <a:buFont typeface="Arial"/>
-        <a:defRPr b="0" i="0" sz="1400" u="none" cap="none" strike="noStrike">
+        <a:defRPr sz="1400" b="0" i="0" u="none" strike="noStrike" cap="none">
           <a:solidFill>
             <a:srgbClr val="000000"/>
           </a:solidFill>
@@ -9116,7 +9041,7 @@
           <a:sym typeface="Arial"/>
         </a:defRPr>
       </a:lvl2pPr>
-      <a:lvl3pPr lvl="2" marR="0" rtl="0" algn="l">
+      <a:lvl3pPr marR="0" lvl="2" algn="l" rtl="0">
         <a:lnSpc>
           <a:spcPct val="100000"/>
         </a:lnSpc>
@@ -9130,7 +9055,7 @@
           <a:srgbClr val="000000"/>
         </a:buClr>
         <a:buFont typeface="Arial"/>
-        <a:defRPr b="0" i="0" sz="1400" u="none" cap="none" strike="noStrike">
+        <a:defRPr sz="1400" b="0" i="0" u="none" strike="noStrike" cap="none">
           <a:solidFill>
             <a:srgbClr val="000000"/>
           </a:solidFill>
@@ -9140,7 +9065,7 @@
           <a:sym typeface="Arial"/>
         </a:defRPr>
       </a:lvl3pPr>
-      <a:lvl4pPr lvl="3" marR="0" rtl="0" algn="l">
+      <a:lvl4pPr marR="0" lvl="3" algn="l" rtl="0">
         <a:lnSpc>
           <a:spcPct val="100000"/>
         </a:lnSpc>
@@ -9154,7 +9079,7 @@
           <a:srgbClr val="000000"/>
         </a:buClr>
         <a:buFont typeface="Arial"/>
-        <a:defRPr b="0" i="0" sz="1400" u="none" cap="none" strike="noStrike">
+        <a:defRPr sz="1400" b="0" i="0" u="none" strike="noStrike" cap="none">
           <a:solidFill>
             <a:srgbClr val="000000"/>
           </a:solidFill>
@@ -9164,7 +9089,7 @@
           <a:sym typeface="Arial"/>
         </a:defRPr>
       </a:lvl4pPr>
-      <a:lvl5pPr lvl="4" marR="0" rtl="0" algn="l">
+      <a:lvl5pPr marR="0" lvl="4" algn="l" rtl="0">
         <a:lnSpc>
           <a:spcPct val="100000"/>
         </a:lnSpc>
@@ -9178,7 +9103,7 @@
           <a:srgbClr val="000000"/>
         </a:buClr>
         <a:buFont typeface="Arial"/>
-        <a:defRPr b="0" i="0" sz="1400" u="none" cap="none" strike="noStrike">
+        <a:defRPr sz="1400" b="0" i="0" u="none" strike="noStrike" cap="none">
           <a:solidFill>
             <a:srgbClr val="000000"/>
           </a:solidFill>
@@ -9188,7 +9113,7 @@
           <a:sym typeface="Arial"/>
         </a:defRPr>
       </a:lvl5pPr>
-      <a:lvl6pPr lvl="5" marR="0" rtl="0" algn="l">
+      <a:lvl6pPr marR="0" lvl="5" algn="l" rtl="0">
         <a:lnSpc>
           <a:spcPct val="100000"/>
         </a:lnSpc>
@@ -9202,7 +9127,7 @@
           <a:srgbClr val="000000"/>
         </a:buClr>
         <a:buFont typeface="Arial"/>
-        <a:defRPr b="0" i="0" sz="1400" u="none" cap="none" strike="noStrike">
+        <a:defRPr sz="1400" b="0" i="0" u="none" strike="noStrike" cap="none">
           <a:solidFill>
             <a:srgbClr val="000000"/>
           </a:solidFill>
@@ -9212,7 +9137,7 @@
           <a:sym typeface="Arial"/>
         </a:defRPr>
       </a:lvl6pPr>
-      <a:lvl7pPr lvl="6" marR="0" rtl="0" algn="l">
+      <a:lvl7pPr marR="0" lvl="6" algn="l" rtl="0">
         <a:lnSpc>
           <a:spcPct val="100000"/>
         </a:lnSpc>
@@ -9226,7 +9151,7 @@
           <a:srgbClr val="000000"/>
         </a:buClr>
         <a:buFont typeface="Arial"/>
-        <a:defRPr b="0" i="0" sz="1400" u="none" cap="none" strike="noStrike">
+        <a:defRPr sz="1400" b="0" i="0" u="none" strike="noStrike" cap="none">
           <a:solidFill>
             <a:srgbClr val="000000"/>
           </a:solidFill>
@@ -9236,7 +9161,7 @@
           <a:sym typeface="Arial"/>
         </a:defRPr>
       </a:lvl7pPr>
-      <a:lvl8pPr lvl="7" marR="0" rtl="0" algn="l">
+      <a:lvl8pPr marR="0" lvl="7" algn="l" rtl="0">
         <a:lnSpc>
           <a:spcPct val="100000"/>
         </a:lnSpc>
@@ -9250,7 +9175,7 @@
           <a:srgbClr val="000000"/>
         </a:buClr>
         <a:buFont typeface="Arial"/>
-        <a:defRPr b="0" i="0" sz="1400" u="none" cap="none" strike="noStrike">
+        <a:defRPr sz="1400" b="0" i="0" u="none" strike="noStrike" cap="none">
           <a:solidFill>
             <a:srgbClr val="000000"/>
           </a:solidFill>
@@ -9260,7 +9185,7 @@
           <a:sym typeface="Arial"/>
         </a:defRPr>
       </a:lvl8pPr>
-      <a:lvl9pPr lvl="8" marR="0" rtl="0" algn="l">
+      <a:lvl9pPr marR="0" lvl="8" algn="l" rtl="0">
         <a:lnSpc>
           <a:spcPct val="100000"/>
         </a:lnSpc>
@@ -9274,7 +9199,7 @@
           <a:srgbClr val="000000"/>
         </a:buClr>
         <a:buFont typeface="Arial"/>
-        <a:defRPr b="0" i="0" sz="1400" u="none" cap="none" strike="noStrike">
+        <a:defRPr sz="1400" b="0" i="0" u="none" strike="noStrike" cap="none">
           <a:solidFill>
             <a:srgbClr val="000000"/>
           </a:solidFill>
@@ -9290,18 +9215,19 @@
 </file>
 
 <file path=ppt/slides/slide1.xml><?xml version="1.0" encoding="utf-8"?>
-<p:sld xmlns:a="http://schemas.openxmlformats.org/drawingml/2006/main" xmlns:r="http://schemas.openxmlformats.org/officeDocument/2006/relationships" xmlns:mc="http://schemas.openxmlformats.org/markup-compatibility/2006" xmlns:mv="urn:schemas-microsoft-com:mac:vml" xmlns:p="http://schemas.openxmlformats.org/presentationml/2006/main" xmlns:c="http://schemas.openxmlformats.org/drawingml/2006/chart" xmlns:dgm="http://schemas.openxmlformats.org/drawingml/2006/diagram" xmlns:o="urn:schemas-microsoft-com:office:office" xmlns:v="urn:schemas-microsoft-com:vml" xmlns:pvml="urn:schemas-microsoft-com:office:powerpoint" xmlns:com="http://schemas.openxmlformats.org/drawingml/2006/compatibility" xmlns:p14="http://schemas.microsoft.com/office/powerpoint/2010/main" xmlns:p15="http://schemas.microsoft.com/office/powerpoint/2012/main">
+<p:sld xmlns:a="http://schemas.openxmlformats.org/drawingml/2006/main" xmlns:r="http://schemas.openxmlformats.org/officeDocument/2006/relationships" xmlns:p="http://schemas.openxmlformats.org/presentationml/2006/main">
   <p:cSld>
     <p:bg>
       <p:bgPr>
         <a:solidFill>
           <a:srgbClr val="6FC9C5"/>
         </a:solidFill>
+        <a:effectLst/>
       </p:bgPr>
     </p:bg>
     <p:spTree>
       <p:nvGrpSpPr>
-        <p:cNvPr id="133" name="Shape 133"/>
+        <p:cNvPr id="1" name="Shape 133"/>
         <p:cNvGrpSpPr/>
         <p:nvPr/>
       </p:nvGrpSpPr>
@@ -9316,7 +9242,9 @@
       <p:sp>
         <p:nvSpPr>
           <p:cNvPr id="134" name="Google Shape;134;p13"/>
-          <p:cNvSpPr txBox="1"/>
+          <p:cNvSpPr txBox="1">
+            <a:spLocks noGrp="1"/>
+          </p:cNvSpPr>
           <p:nvPr>
             <p:ph type="title"/>
           </p:nvPr>
@@ -9331,12 +9259,12 @@
           </a:prstGeom>
         </p:spPr>
         <p:txBody>
-          <a:bodyPr anchorCtr="0" anchor="t" bIns="91425" lIns="91425" spcFirstLastPara="1" rIns="91425" wrap="square" tIns="91425">
+          <a:bodyPr spcFirstLastPara="1" wrap="square" lIns="91425" tIns="91425" rIns="91425" bIns="91425" anchor="t" anchorCtr="0">
             <a:noAutofit/>
           </a:bodyPr>
           <a:lstStyle/>
           <a:p>
-            <a:pPr indent="0" lvl="0" marL="0" rtl="0" algn="l">
+            <a:pPr marL="0" lvl="0" indent="0" algn="l" rtl="0">
               <a:spcBef>
                 <a:spcPts val="0"/>
               </a:spcBef>
@@ -9346,7 +9274,7 @@
               <a:buNone/>
             </a:pPr>
             <a:r>
-              <a:rPr i="1" lang="en">
+              <a:rPr lang="en" i="1">
                 <a:solidFill>
                   <a:srgbClr val="000000"/>
                 </a:solidFill>
@@ -9389,12 +9317,12 @@
           </a:ln>
         </p:spPr>
         <p:txBody>
-          <a:bodyPr anchorCtr="0" anchor="t" bIns="91425" lIns="91425" spcFirstLastPara="1" rIns="91425" wrap="square" tIns="91425">
+          <a:bodyPr spcFirstLastPara="1" wrap="square" lIns="91425" tIns="91425" rIns="91425" bIns="91425" anchor="t" anchorCtr="0">
             <a:noAutofit/>
           </a:bodyPr>
           <a:lstStyle/>
           <a:p>
-            <a:pPr indent="0" lvl="0" marL="0" rtl="0" algn="l">
+            <a:pPr marL="0" lvl="0" indent="0" algn="l" rtl="0">
               <a:spcBef>
                 <a:spcPts val="0"/>
               </a:spcBef>
@@ -9404,7 +9332,7 @@
               <a:buNone/>
             </a:pPr>
             <a:r>
-              <a:rPr i="1" lang="en">
+              <a:rPr lang="en" i="1">
                 <a:latin typeface="Lato"/>
                 <a:ea typeface="Lato"/>
                 <a:cs typeface="Lato"/>
@@ -9458,18 +9386,19 @@
 </file>
 
 <file path=ppt/slides/slide2.xml><?xml version="1.0" encoding="utf-8"?>
-<p:sld xmlns:a="http://schemas.openxmlformats.org/drawingml/2006/main" xmlns:r="http://schemas.openxmlformats.org/officeDocument/2006/relationships" xmlns:mc="http://schemas.openxmlformats.org/markup-compatibility/2006" xmlns:mv="urn:schemas-microsoft-com:mac:vml" xmlns:p="http://schemas.openxmlformats.org/presentationml/2006/main" xmlns:c="http://schemas.openxmlformats.org/drawingml/2006/chart" xmlns:dgm="http://schemas.openxmlformats.org/drawingml/2006/diagram" xmlns:o="urn:schemas-microsoft-com:office:office" xmlns:v="urn:schemas-microsoft-com:vml" xmlns:pvml="urn:schemas-microsoft-com:office:powerpoint" xmlns:com="http://schemas.openxmlformats.org/drawingml/2006/compatibility" xmlns:p14="http://schemas.microsoft.com/office/powerpoint/2010/main" xmlns:p15="http://schemas.microsoft.com/office/powerpoint/2012/main">
+<p:sld xmlns:a="http://schemas.openxmlformats.org/drawingml/2006/main" xmlns:r="http://schemas.openxmlformats.org/officeDocument/2006/relationships" xmlns:p="http://schemas.openxmlformats.org/presentationml/2006/main">
   <p:cSld>
     <p:bg>
       <p:bgPr>
         <a:solidFill>
           <a:srgbClr val="6FC9C5"/>
         </a:solidFill>
+        <a:effectLst/>
       </p:bgPr>
     </p:bg>
     <p:spTree>
       <p:nvGrpSpPr>
-        <p:cNvPr id="140" name="Shape 140"/>
+        <p:cNvPr id="1" name="Shape 140"/>
         <p:cNvGrpSpPr/>
         <p:nvPr/>
       </p:nvGrpSpPr>
@@ -9487,18 +9416,17 @@
           <p:cNvPicPr preferRelativeResize="0"/>
           <p:nvPr/>
         </p:nvPicPr>
-        <p:blipFill>
+        <p:blipFill rotWithShape="1">
           <a:blip r:embed="rId3">
             <a:alphaModFix/>
           </a:blip>
-          <a:stretch>
-            <a:fillRect/>
-          </a:stretch>
+          <a:srcRect b="37931"/>
+          <a:stretch/>
         </p:blipFill>
         <p:spPr>
           <a:xfrm>
             <a:off x="1932000" y="152400"/>
-            <a:ext cx="3852170" cy="4838701"/>
+            <a:ext cx="3852170" cy="3003311"/>
           </a:xfrm>
           <a:prstGeom prst="rect">
             <a:avLst/>
@@ -9507,6 +9435,36 @@
           <a:ln>
             <a:noFill/>
           </a:ln>
+        </p:spPr>
+      </p:pic>
+      <p:pic>
+        <p:nvPicPr>
+          <p:cNvPr id="2" name="Imagem 1">
+            <a:extLst>
+              <a:ext uri="{FF2B5EF4-FFF2-40B4-BE49-F238E27FC236}">
+                <a16:creationId xmlns:a16="http://schemas.microsoft.com/office/drawing/2014/main" id="{E22429EE-944E-4DF4-8BC3-D12C8F7EE45A}"/>
+              </a:ext>
+            </a:extLst>
+          </p:cNvPr>
+          <p:cNvPicPr>
+            <a:picLocks noChangeAspect="1"/>
+          </p:cNvPicPr>
+          <p:nvPr/>
+        </p:nvPicPr>
+        <p:blipFill>
+          <a:blip r:embed="rId4"/>
+          <a:stretch>
+            <a:fillRect/>
+          </a:stretch>
+        </p:blipFill>
+        <p:spPr>
+          <a:xfrm>
+            <a:off x="4409787" y="3155711"/>
+            <a:ext cx="1269545" cy="1907090"/>
+          </a:xfrm>
+          <a:prstGeom prst="rect">
+            <a:avLst/>
+          </a:prstGeom>
         </p:spPr>
       </p:pic>
     </p:spTree>
@@ -9518,18 +9476,19 @@
 </file>
 
 <file path=ppt/slides/slide3.xml><?xml version="1.0" encoding="utf-8"?>
-<p:sld xmlns:a="http://schemas.openxmlformats.org/drawingml/2006/main" xmlns:r="http://schemas.openxmlformats.org/officeDocument/2006/relationships" xmlns:mc="http://schemas.openxmlformats.org/markup-compatibility/2006" xmlns:mv="urn:schemas-microsoft-com:mac:vml" xmlns:p="http://schemas.openxmlformats.org/presentationml/2006/main" xmlns:c="http://schemas.openxmlformats.org/drawingml/2006/chart" xmlns:dgm="http://schemas.openxmlformats.org/drawingml/2006/diagram" xmlns:o="urn:schemas-microsoft-com:office:office" xmlns:v="urn:schemas-microsoft-com:vml" xmlns:pvml="urn:schemas-microsoft-com:office:powerpoint" xmlns:com="http://schemas.openxmlformats.org/drawingml/2006/compatibility" xmlns:p14="http://schemas.microsoft.com/office/powerpoint/2010/main" xmlns:p15="http://schemas.microsoft.com/office/powerpoint/2012/main">
+<p:sld xmlns:a="http://schemas.openxmlformats.org/drawingml/2006/main" xmlns:r="http://schemas.openxmlformats.org/officeDocument/2006/relationships" xmlns:p="http://schemas.openxmlformats.org/presentationml/2006/main">
   <p:cSld>
     <p:bg>
       <p:bgPr>
         <a:solidFill>
           <a:srgbClr val="6FC9C5"/>
         </a:solidFill>
+        <a:effectLst/>
       </p:bgPr>
     </p:bg>
     <p:spTree>
       <p:nvGrpSpPr>
-        <p:cNvPr id="145" name="Shape 145"/>
+        <p:cNvPr id="1" name="Shape 145"/>
         <p:cNvGrpSpPr/>
         <p:nvPr/>
       </p:nvGrpSpPr>
@@ -9547,18 +9506,17 @@
           <p:cNvPicPr preferRelativeResize="0"/>
           <p:nvPr/>
         </p:nvPicPr>
-        <p:blipFill>
+        <p:blipFill rotWithShape="1">
           <a:blip r:embed="rId3">
             <a:alphaModFix/>
           </a:blip>
-          <a:stretch>
-            <a:fillRect/>
-          </a:stretch>
+          <a:srcRect b="41290"/>
+          <a:stretch/>
         </p:blipFill>
         <p:spPr>
           <a:xfrm>
             <a:off x="1111100" y="101775"/>
-            <a:ext cx="6921802" cy="4838701"/>
+            <a:ext cx="6921802" cy="2840805"/>
           </a:xfrm>
           <a:prstGeom prst="rect">
             <a:avLst/>
@@ -9567,6 +9525,126 @@
           <a:ln>
             <a:noFill/>
           </a:ln>
+        </p:spPr>
+      </p:pic>
+      <p:pic>
+        <p:nvPicPr>
+          <p:cNvPr id="2" name="Imagem 1">
+            <a:extLst>
+              <a:ext uri="{FF2B5EF4-FFF2-40B4-BE49-F238E27FC236}">
+                <a16:creationId xmlns:a16="http://schemas.microsoft.com/office/drawing/2014/main" id="{B8F218CE-A2BF-4D94-9506-1B805ED6AB2F}"/>
+              </a:ext>
+            </a:extLst>
+          </p:cNvPr>
+          <p:cNvPicPr>
+            <a:picLocks noChangeAspect="1"/>
+          </p:cNvPicPr>
+          <p:nvPr/>
+        </p:nvPicPr>
+        <p:blipFill>
+          <a:blip r:embed="rId4"/>
+          <a:stretch>
+            <a:fillRect/>
+          </a:stretch>
+        </p:blipFill>
+        <p:spPr>
+          <a:xfrm>
+            <a:off x="3666853" y="60525"/>
+            <a:ext cx="1851543" cy="1762990"/>
+          </a:xfrm>
+          <a:prstGeom prst="rect">
+            <a:avLst/>
+          </a:prstGeom>
+        </p:spPr>
+      </p:pic>
+      <p:pic>
+        <p:nvPicPr>
+          <p:cNvPr id="3" name="Imagem 2">
+            <a:extLst>
+              <a:ext uri="{FF2B5EF4-FFF2-40B4-BE49-F238E27FC236}">
+                <a16:creationId xmlns:a16="http://schemas.microsoft.com/office/drawing/2014/main" id="{4CD02562-671C-4C07-B91E-471CB01A35FD}"/>
+              </a:ext>
+            </a:extLst>
+          </p:cNvPr>
+          <p:cNvPicPr>
+            <a:picLocks noChangeAspect="1"/>
+          </p:cNvPicPr>
+          <p:nvPr/>
+        </p:nvPicPr>
+        <p:blipFill>
+          <a:blip r:embed="rId5"/>
+          <a:stretch>
+            <a:fillRect/>
+          </a:stretch>
+        </p:blipFill>
+        <p:spPr>
+          <a:xfrm>
+            <a:off x="1372125" y="2344526"/>
+            <a:ext cx="1632331" cy="2697199"/>
+          </a:xfrm>
+          <a:prstGeom prst="rect">
+            <a:avLst/>
+          </a:prstGeom>
+        </p:spPr>
+      </p:pic>
+      <p:pic>
+        <p:nvPicPr>
+          <p:cNvPr id="4" name="Imagem 3">
+            <a:extLst>
+              <a:ext uri="{FF2B5EF4-FFF2-40B4-BE49-F238E27FC236}">
+                <a16:creationId xmlns:a16="http://schemas.microsoft.com/office/drawing/2014/main" id="{7BE72B1D-BD3C-42C5-9FB8-832D9DEEA51F}"/>
+              </a:ext>
+            </a:extLst>
+          </p:cNvPr>
+          <p:cNvPicPr>
+            <a:picLocks noChangeAspect="1"/>
+          </p:cNvPicPr>
+          <p:nvPr/>
+        </p:nvPicPr>
+        <p:blipFill>
+          <a:blip r:embed="rId6"/>
+          <a:stretch>
+            <a:fillRect/>
+          </a:stretch>
+        </p:blipFill>
+        <p:spPr>
+          <a:xfrm>
+            <a:off x="3821500" y="2344526"/>
+            <a:ext cx="1696896" cy="2662372"/>
+          </a:xfrm>
+          <a:prstGeom prst="rect">
+            <a:avLst/>
+          </a:prstGeom>
+        </p:spPr>
+      </p:pic>
+      <p:pic>
+        <p:nvPicPr>
+          <p:cNvPr id="5" name="Imagem 4">
+            <a:extLst>
+              <a:ext uri="{FF2B5EF4-FFF2-40B4-BE49-F238E27FC236}">
+                <a16:creationId xmlns:a16="http://schemas.microsoft.com/office/drawing/2014/main" id="{EB805DB5-5F94-40DA-A779-42FFF6E686B8}"/>
+              </a:ext>
+            </a:extLst>
+          </p:cNvPr>
+          <p:cNvPicPr>
+            <a:picLocks noChangeAspect="1"/>
+          </p:cNvPicPr>
+          <p:nvPr/>
+        </p:nvPicPr>
+        <p:blipFill>
+          <a:blip r:embed="rId7"/>
+          <a:stretch>
+            <a:fillRect/>
+          </a:stretch>
+        </p:blipFill>
+        <p:spPr>
+          <a:xfrm>
+            <a:off x="6197353" y="2344526"/>
+            <a:ext cx="1648532" cy="2612628"/>
+          </a:xfrm>
+          <a:prstGeom prst="rect">
+            <a:avLst/>
+          </a:prstGeom>
         </p:spPr>
       </p:pic>
     </p:spTree>
@@ -9578,18 +9656,19 @@
 </file>
 
 <file path=ppt/slides/slide4.xml><?xml version="1.0" encoding="utf-8"?>
-<p:sld xmlns:a="http://schemas.openxmlformats.org/drawingml/2006/main" xmlns:r="http://schemas.openxmlformats.org/officeDocument/2006/relationships" xmlns:mc="http://schemas.openxmlformats.org/markup-compatibility/2006" xmlns:mv="urn:schemas-microsoft-com:mac:vml" xmlns:p="http://schemas.openxmlformats.org/presentationml/2006/main" xmlns:c="http://schemas.openxmlformats.org/drawingml/2006/chart" xmlns:dgm="http://schemas.openxmlformats.org/drawingml/2006/diagram" xmlns:o="urn:schemas-microsoft-com:office:office" xmlns:v="urn:schemas-microsoft-com:vml" xmlns:pvml="urn:schemas-microsoft-com:office:powerpoint" xmlns:com="http://schemas.openxmlformats.org/drawingml/2006/compatibility" xmlns:p14="http://schemas.microsoft.com/office/powerpoint/2010/main" xmlns:p15="http://schemas.microsoft.com/office/powerpoint/2012/main">
+<p:sld xmlns:a="http://schemas.openxmlformats.org/drawingml/2006/main" xmlns:r="http://schemas.openxmlformats.org/officeDocument/2006/relationships" xmlns:p="http://schemas.openxmlformats.org/presentationml/2006/main">
   <p:cSld>
     <p:bg>
       <p:bgPr>
         <a:solidFill>
           <a:srgbClr val="6FC9C5"/>
         </a:solidFill>
+        <a:effectLst/>
       </p:bgPr>
     </p:bg>
     <p:spTree>
       <p:nvGrpSpPr>
-        <p:cNvPr id="150" name="Shape 150"/>
+        <p:cNvPr id="1" name="Shape 150"/>
         <p:cNvGrpSpPr/>
         <p:nvPr/>
       </p:nvGrpSpPr>
@@ -9611,7 +9690,7 @@
           <a:blip r:embed="rId3">
             <a:alphaModFix/>
           </a:blip>
-          <a:srcRect b="0" l="0" r="0" t="69977"/>
+          <a:srcRect t="69977"/>
           <a:stretch/>
         </p:blipFill>
         <p:spPr>
@@ -9635,10 +9714,10 @@
           <p:nvPr/>
         </p:nvPicPr>
         <p:blipFill rotWithShape="1">
-          <a:blip r:embed="rId4">
+          <a:blip r:embed="rId3">
             <a:alphaModFix/>
           </a:blip>
-          <a:srcRect b="65110" l="0" r="0" t="0"/>
+          <a:srcRect b="65110"/>
           <a:stretch/>
         </p:blipFill>
         <p:spPr>
@@ -9655,6 +9734,36 @@
           </a:ln>
         </p:spPr>
       </p:pic>
+      <p:pic>
+        <p:nvPicPr>
+          <p:cNvPr id="2" name="Imagem 1">
+            <a:extLst>
+              <a:ext uri="{FF2B5EF4-FFF2-40B4-BE49-F238E27FC236}">
+                <a16:creationId xmlns:a16="http://schemas.microsoft.com/office/drawing/2014/main" id="{C3ED3AA6-E009-4B38-9D59-3F5625E84074}"/>
+              </a:ext>
+            </a:extLst>
+          </p:cNvPr>
+          <p:cNvPicPr>
+            <a:picLocks noChangeAspect="1"/>
+          </p:cNvPicPr>
+          <p:nvPr/>
+        </p:nvPicPr>
+        <p:blipFill>
+          <a:blip r:embed="rId4"/>
+          <a:stretch>
+            <a:fillRect/>
+          </a:stretch>
+        </p:blipFill>
+        <p:spPr>
+          <a:xfrm>
+            <a:off x="3426411" y="241725"/>
+            <a:ext cx="1977490" cy="2138205"/>
+          </a:xfrm>
+          <a:prstGeom prst="rect">
+            <a:avLst/>
+          </a:prstGeom>
+        </p:spPr>
+      </p:pic>
     </p:spTree>
   </p:cSld>
   <p:clrMapOvr>
@@ -9664,7 +9773,288 @@
 </file>
 
 <file path=ppt/theme/theme1.xml><?xml version="1.0" encoding="utf-8"?>
-<a:theme xmlns:a="http://schemas.openxmlformats.org/drawingml/2006/main" xmlns:r="http://schemas.openxmlformats.org/officeDocument/2006/relationships">
+<a:theme xmlns:a="http://schemas.openxmlformats.org/drawingml/2006/main" name="Focus">
+  <a:themeElements>
+    <a:clrScheme name="Focus">
+      <a:dk1>
+        <a:srgbClr val="1B212C"/>
+      </a:dk1>
+      <a:lt1>
+        <a:srgbClr val="FFFFFF"/>
+      </a:lt1>
+      <a:dk2>
+        <a:srgbClr val="D9D9D9"/>
+      </a:dk2>
+      <a:lt2>
+        <a:srgbClr val="82C7A5"/>
+      </a:lt2>
+      <a:accent1>
+        <a:srgbClr val="0145AC"/>
+      </a:accent1>
+      <a:accent2>
+        <a:srgbClr val="EECE1A"/>
+      </a:accent2>
+      <a:accent3>
+        <a:srgbClr val="4E5567"/>
+      </a:accent3>
+      <a:accent4>
+        <a:srgbClr val="F4D6AD"/>
+      </a:accent4>
+      <a:accent5>
+        <a:srgbClr val="7890CD"/>
+      </a:accent5>
+      <a:accent6>
+        <a:srgbClr val="F15E22"/>
+      </a:accent6>
+      <a:hlink>
+        <a:srgbClr val="7890CD"/>
+      </a:hlink>
+      <a:folHlink>
+        <a:srgbClr val="7890CD"/>
+      </a:folHlink>
+    </a:clrScheme>
+    <a:fontScheme name="Office">
+      <a:majorFont>
+        <a:latin typeface="Arial"/>
+        <a:ea typeface=""/>
+        <a:cs typeface=""/>
+        <a:font script="Jpan" typeface="ＭＳ Ｐゴシック"/>
+        <a:font script="Hang" typeface="맑은 고딕"/>
+        <a:font script="Hans" typeface="宋体"/>
+        <a:font script="Hant" typeface="新細明體"/>
+        <a:font script="Arab" typeface="Times New Roman"/>
+        <a:font script="Hebr" typeface="Times New Roman"/>
+        <a:font script="Thai" typeface="Angsana New"/>
+        <a:font script="Ethi" typeface="Nyala"/>
+        <a:font script="Beng" typeface="Vrinda"/>
+        <a:font script="Gujr" typeface="Shruti"/>
+        <a:font script="Khmr" typeface="MoolBoran"/>
+        <a:font script="Knda" typeface="Tunga"/>
+        <a:font script="Guru" typeface="Raavi"/>
+        <a:font script="Cans" typeface="Euphemia"/>
+        <a:font script="Cher" typeface="Plantagenet Cherokee"/>
+        <a:font script="Yiii" typeface="Microsoft Yi Baiti"/>
+        <a:font script="Tibt" typeface="Microsoft Himalaya"/>
+        <a:font script="Thaa" typeface="MV Boli"/>
+        <a:font script="Deva" typeface="Mangal"/>
+        <a:font script="Telu" typeface="Gautami"/>
+        <a:font script="Taml" typeface="Latha"/>
+        <a:font script="Syrc" typeface="Estrangelo Edessa"/>
+        <a:font script="Orya" typeface="Kalinga"/>
+        <a:font script="Mlym" typeface="Kartika"/>
+        <a:font script="Laoo" typeface="DokChampa"/>
+        <a:font script="Sinh" typeface="Iskoola Pota"/>
+        <a:font script="Mong" typeface="Mongolian Baiti"/>
+        <a:font script="Viet" typeface="Times New Roman"/>
+        <a:font script="Uigh" typeface="Microsoft Uighur"/>
+        <a:font script="Geor" typeface="Sylfaen"/>
+      </a:majorFont>
+      <a:minorFont>
+        <a:latin typeface="Arial"/>
+        <a:ea typeface=""/>
+        <a:cs typeface=""/>
+        <a:font script="Jpan" typeface="ＭＳ Ｐゴシック"/>
+        <a:font script="Hang" typeface="맑은 고딕"/>
+        <a:font script="Hans" typeface="宋体"/>
+        <a:font script="Hant" typeface="新細明體"/>
+        <a:font script="Arab" typeface="Arial"/>
+        <a:font script="Hebr" typeface="Arial"/>
+        <a:font script="Thai" typeface="Cordia New"/>
+        <a:font script="Ethi" typeface="Nyala"/>
+        <a:font script="Beng" typeface="Vrinda"/>
+        <a:font script="Gujr" typeface="Shruti"/>
+        <a:font script="Khmr" typeface="DaunPenh"/>
+        <a:font script="Knda" typeface="Tunga"/>
+        <a:font script="Guru" typeface="Raavi"/>
+        <a:font script="Cans" typeface="Euphemia"/>
+        <a:font script="Cher" typeface="Plantagenet Cherokee"/>
+        <a:font script="Yiii" typeface="Microsoft Yi Baiti"/>
+        <a:font script="Tibt" typeface="Microsoft Himalaya"/>
+        <a:font script="Thaa" typeface="MV Boli"/>
+        <a:font script="Deva" typeface="Mangal"/>
+        <a:font script="Telu" typeface="Gautami"/>
+        <a:font script="Taml" typeface="Latha"/>
+        <a:font script="Syrc" typeface="Estrangelo Edessa"/>
+        <a:font script="Orya" typeface="Kalinga"/>
+        <a:font script="Mlym" typeface="Kartika"/>
+        <a:font script="Laoo" typeface="DokChampa"/>
+        <a:font script="Sinh" typeface="Iskoola Pota"/>
+        <a:font script="Mong" typeface="Mongolian Baiti"/>
+        <a:font script="Viet" typeface="Arial"/>
+        <a:font script="Uigh" typeface="Microsoft Uighur"/>
+        <a:font script="Geor" typeface="Sylfaen"/>
+      </a:minorFont>
+    </a:fontScheme>
+    <a:fmtScheme name="Office">
+      <a:fillStyleLst>
+        <a:solidFill>
+          <a:schemeClr val="phClr"/>
+        </a:solidFill>
+        <a:gradFill rotWithShape="1">
+          <a:gsLst>
+            <a:gs pos="0">
+              <a:schemeClr val="phClr">
+                <a:tint val="50000"/>
+                <a:satMod val="300000"/>
+              </a:schemeClr>
+            </a:gs>
+            <a:gs pos="35000">
+              <a:schemeClr val="phClr">
+                <a:tint val="37000"/>
+                <a:satMod val="300000"/>
+              </a:schemeClr>
+            </a:gs>
+            <a:gs pos="100000">
+              <a:schemeClr val="phClr">
+                <a:tint val="15000"/>
+                <a:satMod val="350000"/>
+              </a:schemeClr>
+            </a:gs>
+          </a:gsLst>
+          <a:lin ang="16200000" scaled="1"/>
+        </a:gradFill>
+        <a:gradFill rotWithShape="1">
+          <a:gsLst>
+            <a:gs pos="0">
+              <a:schemeClr val="phClr">
+                <a:tint val="100000"/>
+                <a:shade val="100000"/>
+                <a:satMod val="130000"/>
+              </a:schemeClr>
+            </a:gs>
+            <a:gs pos="100000">
+              <a:schemeClr val="phClr">
+                <a:tint val="50000"/>
+                <a:shade val="100000"/>
+                <a:satMod val="350000"/>
+              </a:schemeClr>
+            </a:gs>
+          </a:gsLst>
+          <a:lin ang="16200000" scaled="0"/>
+        </a:gradFill>
+      </a:fillStyleLst>
+      <a:lnStyleLst>
+        <a:ln w="9525" cap="flat" cmpd="sng" algn="ctr">
+          <a:solidFill>
+            <a:schemeClr val="phClr">
+              <a:shade val="95000"/>
+              <a:satMod val="105000"/>
+            </a:schemeClr>
+          </a:solidFill>
+          <a:prstDash val="solid"/>
+        </a:ln>
+        <a:ln w="25400" cap="flat" cmpd="sng" algn="ctr">
+          <a:solidFill>
+            <a:schemeClr val="phClr"/>
+          </a:solidFill>
+          <a:prstDash val="solid"/>
+        </a:ln>
+        <a:ln w="38100" cap="flat" cmpd="sng" algn="ctr">
+          <a:solidFill>
+            <a:schemeClr val="phClr"/>
+          </a:solidFill>
+          <a:prstDash val="solid"/>
+        </a:ln>
+      </a:lnStyleLst>
+      <a:effectStyleLst>
+        <a:effectStyle>
+          <a:effectLst>
+            <a:outerShdw blurRad="40000" dist="20000" dir="5400000" rotWithShape="0">
+              <a:srgbClr val="000000">
+                <a:alpha val="38000"/>
+              </a:srgbClr>
+            </a:outerShdw>
+          </a:effectLst>
+        </a:effectStyle>
+        <a:effectStyle>
+          <a:effectLst>
+            <a:outerShdw blurRad="40000" dist="23000" dir="5400000" rotWithShape="0">
+              <a:srgbClr val="000000">
+                <a:alpha val="35000"/>
+              </a:srgbClr>
+            </a:outerShdw>
+          </a:effectLst>
+        </a:effectStyle>
+        <a:effectStyle>
+          <a:effectLst>
+            <a:outerShdw blurRad="40000" dist="23000" dir="5400000" rotWithShape="0">
+              <a:srgbClr val="000000">
+                <a:alpha val="35000"/>
+              </a:srgbClr>
+            </a:outerShdw>
+          </a:effectLst>
+          <a:scene3d>
+            <a:camera prst="orthographicFront">
+              <a:rot lat="0" lon="0" rev="0"/>
+            </a:camera>
+            <a:lightRig rig="threePt" dir="t">
+              <a:rot lat="0" lon="0" rev="1200000"/>
+            </a:lightRig>
+          </a:scene3d>
+          <a:sp3d>
+            <a:bevelT w="63500" h="25400"/>
+          </a:sp3d>
+        </a:effectStyle>
+      </a:effectStyleLst>
+      <a:bgFillStyleLst>
+        <a:solidFill>
+          <a:schemeClr val="phClr"/>
+        </a:solidFill>
+        <a:gradFill rotWithShape="1">
+          <a:gsLst>
+            <a:gs pos="0">
+              <a:schemeClr val="phClr">
+                <a:tint val="40000"/>
+                <a:satMod val="350000"/>
+              </a:schemeClr>
+            </a:gs>
+            <a:gs pos="40000">
+              <a:schemeClr val="phClr">
+                <a:tint val="45000"/>
+                <a:shade val="99000"/>
+                <a:satMod val="350000"/>
+              </a:schemeClr>
+            </a:gs>
+            <a:gs pos="100000">
+              <a:schemeClr val="phClr">
+                <a:shade val="20000"/>
+                <a:satMod val="255000"/>
+              </a:schemeClr>
+            </a:gs>
+          </a:gsLst>
+          <a:path path="circle">
+            <a:fillToRect l="50000" t="-80000" r="50000" b="180000"/>
+          </a:path>
+        </a:gradFill>
+        <a:gradFill rotWithShape="1">
+          <a:gsLst>
+            <a:gs pos="0">
+              <a:schemeClr val="phClr">
+                <a:tint val="80000"/>
+                <a:satMod val="300000"/>
+              </a:schemeClr>
+            </a:gs>
+            <a:gs pos="100000">
+              <a:schemeClr val="phClr">
+                <a:shade val="30000"/>
+                <a:satMod val="200000"/>
+              </a:schemeClr>
+            </a:gs>
+          </a:gsLst>
+          <a:path path="circle">
+            <a:fillToRect l="50000" t="50000" r="50000" b="50000"/>
+          </a:path>
+        </a:gradFill>
+      </a:bgFillStyleLst>
+    </a:fmtScheme>
+  </a:themeElements>
+  <a:objectDefaults/>
+  <a:extraClrSchemeLst/>
+</a:theme>
+</file>
+
+<file path=ppt/theme/theme2.xml><?xml version="1.0" encoding="utf-8"?>
+<a:theme xmlns:a="http://schemas.openxmlformats.org/drawingml/2006/main">
   <a:themeElements>
     <a:clrScheme name="Default">
       <a:dk1>
@@ -9939,284 +10329,7 @@
       </a:bgFillStyleLst>
     </a:fmtScheme>
   </a:themeElements>
-</a:theme>
-</file>
-
-<file path=ppt/theme/theme2.xml><?xml version="1.0" encoding="utf-8"?>
-<a:theme xmlns:a="http://schemas.openxmlformats.org/drawingml/2006/main" xmlns:r="http://schemas.openxmlformats.org/officeDocument/2006/relationships" name="Focus">
-  <a:themeElements>
-    <a:clrScheme name="Focus">
-      <a:dk1>
-        <a:srgbClr val="1B212C"/>
-      </a:dk1>
-      <a:lt1>
-        <a:srgbClr val="FFFFFF"/>
-      </a:lt1>
-      <a:dk2>
-        <a:srgbClr val="D9D9D9"/>
-      </a:dk2>
-      <a:lt2>
-        <a:srgbClr val="82C7A5"/>
-      </a:lt2>
-      <a:accent1>
-        <a:srgbClr val="0145AC"/>
-      </a:accent1>
-      <a:accent2>
-        <a:srgbClr val="EECE1A"/>
-      </a:accent2>
-      <a:accent3>
-        <a:srgbClr val="4E5567"/>
-      </a:accent3>
-      <a:accent4>
-        <a:srgbClr val="F4D6AD"/>
-      </a:accent4>
-      <a:accent5>
-        <a:srgbClr val="7890CD"/>
-      </a:accent5>
-      <a:accent6>
-        <a:srgbClr val="F15E22"/>
-      </a:accent6>
-      <a:hlink>
-        <a:srgbClr val="7890CD"/>
-      </a:hlink>
-      <a:folHlink>
-        <a:srgbClr val="7890CD"/>
-      </a:folHlink>
-    </a:clrScheme>
-    <a:fontScheme name="Office">
-      <a:majorFont>
-        <a:latin typeface="Arial"/>
-        <a:ea typeface=""/>
-        <a:cs typeface=""/>
-        <a:font script="Jpan" typeface="ＭＳ Ｐゴシック"/>
-        <a:font script="Hang" typeface="맑은 고딕"/>
-        <a:font script="Hans" typeface="宋体"/>
-        <a:font script="Hant" typeface="新細明體"/>
-        <a:font script="Arab" typeface="Times New Roman"/>
-        <a:font script="Hebr" typeface="Times New Roman"/>
-        <a:font script="Thai" typeface="Angsana New"/>
-        <a:font script="Ethi" typeface="Nyala"/>
-        <a:font script="Beng" typeface="Vrinda"/>
-        <a:font script="Gujr" typeface="Shruti"/>
-        <a:font script="Khmr" typeface="MoolBoran"/>
-        <a:font script="Knda" typeface="Tunga"/>
-        <a:font script="Guru" typeface="Raavi"/>
-        <a:font script="Cans" typeface="Euphemia"/>
-        <a:font script="Cher" typeface="Plantagenet Cherokee"/>
-        <a:font script="Yiii" typeface="Microsoft Yi Baiti"/>
-        <a:font script="Tibt" typeface="Microsoft Himalaya"/>
-        <a:font script="Thaa" typeface="MV Boli"/>
-        <a:font script="Deva" typeface="Mangal"/>
-        <a:font script="Telu" typeface="Gautami"/>
-        <a:font script="Taml" typeface="Latha"/>
-        <a:font script="Syrc" typeface="Estrangelo Edessa"/>
-        <a:font script="Orya" typeface="Kalinga"/>
-        <a:font script="Mlym" typeface="Kartika"/>
-        <a:font script="Laoo" typeface="DokChampa"/>
-        <a:font script="Sinh" typeface="Iskoola Pota"/>
-        <a:font script="Mong" typeface="Mongolian Baiti"/>
-        <a:font script="Viet" typeface="Times New Roman"/>
-        <a:font script="Uigh" typeface="Microsoft Uighur"/>
-        <a:font script="Geor" typeface="Sylfaen"/>
-      </a:majorFont>
-      <a:minorFont>
-        <a:latin typeface="Arial"/>
-        <a:ea typeface=""/>
-        <a:cs typeface=""/>
-        <a:font script="Jpan" typeface="ＭＳ Ｐゴシック"/>
-        <a:font script="Hang" typeface="맑은 고딕"/>
-        <a:font script="Hans" typeface="宋体"/>
-        <a:font script="Hant" typeface="新細明體"/>
-        <a:font script="Arab" typeface="Arial"/>
-        <a:font script="Hebr" typeface="Arial"/>
-        <a:font script="Thai" typeface="Cordia New"/>
-        <a:font script="Ethi" typeface="Nyala"/>
-        <a:font script="Beng" typeface="Vrinda"/>
-        <a:font script="Gujr" typeface="Shruti"/>
-        <a:font script="Khmr" typeface="DaunPenh"/>
-        <a:font script="Knda" typeface="Tunga"/>
-        <a:font script="Guru" typeface="Raavi"/>
-        <a:font script="Cans" typeface="Euphemia"/>
-        <a:font script="Cher" typeface="Plantagenet Cherokee"/>
-        <a:font script="Yiii" typeface="Microsoft Yi Baiti"/>
-        <a:font script="Tibt" typeface="Microsoft Himalaya"/>
-        <a:font script="Thaa" typeface="MV Boli"/>
-        <a:font script="Deva" typeface="Mangal"/>
-        <a:font script="Telu" typeface="Gautami"/>
-        <a:font script="Taml" typeface="Latha"/>
-        <a:font script="Syrc" typeface="Estrangelo Edessa"/>
-        <a:font script="Orya" typeface="Kalinga"/>
-        <a:font script="Mlym" typeface="Kartika"/>
-        <a:font script="Laoo" typeface="DokChampa"/>
-        <a:font script="Sinh" typeface="Iskoola Pota"/>
-        <a:font script="Mong" typeface="Mongolian Baiti"/>
-        <a:font script="Viet" typeface="Arial"/>
-        <a:font script="Uigh" typeface="Microsoft Uighur"/>
-        <a:font script="Geor" typeface="Sylfaen"/>
-      </a:minorFont>
-    </a:fontScheme>
-    <a:fmtScheme name="Office">
-      <a:fillStyleLst>
-        <a:solidFill>
-          <a:schemeClr val="phClr"/>
-        </a:solidFill>
-        <a:gradFill rotWithShape="1">
-          <a:gsLst>
-            <a:gs pos="0">
-              <a:schemeClr val="phClr">
-                <a:tint val="50000"/>
-                <a:satMod val="300000"/>
-              </a:schemeClr>
-            </a:gs>
-            <a:gs pos="35000">
-              <a:schemeClr val="phClr">
-                <a:tint val="37000"/>
-                <a:satMod val="300000"/>
-              </a:schemeClr>
-            </a:gs>
-            <a:gs pos="100000">
-              <a:schemeClr val="phClr">
-                <a:tint val="15000"/>
-                <a:satMod val="350000"/>
-              </a:schemeClr>
-            </a:gs>
-          </a:gsLst>
-          <a:lin ang="16200000" scaled="1"/>
-        </a:gradFill>
-        <a:gradFill rotWithShape="1">
-          <a:gsLst>
-            <a:gs pos="0">
-              <a:schemeClr val="phClr">
-                <a:tint val="100000"/>
-                <a:shade val="100000"/>
-                <a:satMod val="130000"/>
-              </a:schemeClr>
-            </a:gs>
-            <a:gs pos="100000">
-              <a:schemeClr val="phClr">
-                <a:tint val="50000"/>
-                <a:shade val="100000"/>
-                <a:satMod val="350000"/>
-              </a:schemeClr>
-            </a:gs>
-          </a:gsLst>
-          <a:lin ang="16200000" scaled="0"/>
-        </a:gradFill>
-      </a:fillStyleLst>
-      <a:lnStyleLst>
-        <a:ln w="9525" cap="flat" cmpd="sng" algn="ctr">
-          <a:solidFill>
-            <a:schemeClr val="phClr">
-              <a:shade val="95000"/>
-              <a:satMod val="105000"/>
-            </a:schemeClr>
-          </a:solidFill>
-          <a:prstDash val="solid"/>
-        </a:ln>
-        <a:ln w="25400" cap="flat" cmpd="sng" algn="ctr">
-          <a:solidFill>
-            <a:schemeClr val="phClr"/>
-          </a:solidFill>
-          <a:prstDash val="solid"/>
-        </a:ln>
-        <a:ln w="38100" cap="flat" cmpd="sng" algn="ctr">
-          <a:solidFill>
-            <a:schemeClr val="phClr"/>
-          </a:solidFill>
-          <a:prstDash val="solid"/>
-        </a:ln>
-      </a:lnStyleLst>
-      <a:effectStyleLst>
-        <a:effectStyle>
-          <a:effectLst>
-            <a:outerShdw blurRad="40000" dist="20000" dir="5400000" rotWithShape="0">
-              <a:srgbClr val="000000">
-                <a:alpha val="38000"/>
-              </a:srgbClr>
-            </a:outerShdw>
-          </a:effectLst>
-        </a:effectStyle>
-        <a:effectStyle>
-          <a:effectLst>
-            <a:outerShdw blurRad="40000" dist="23000" dir="5400000" rotWithShape="0">
-              <a:srgbClr val="000000">
-                <a:alpha val="35000"/>
-              </a:srgbClr>
-            </a:outerShdw>
-          </a:effectLst>
-        </a:effectStyle>
-        <a:effectStyle>
-          <a:effectLst>
-            <a:outerShdw blurRad="40000" dist="23000" dir="5400000" rotWithShape="0">
-              <a:srgbClr val="000000">
-                <a:alpha val="35000"/>
-              </a:srgbClr>
-            </a:outerShdw>
-          </a:effectLst>
-          <a:scene3d>
-            <a:camera prst="orthographicFront">
-              <a:rot lat="0" lon="0" rev="0"/>
-            </a:camera>
-            <a:lightRig rig="threePt" dir="t">
-              <a:rot lat="0" lon="0" rev="1200000"/>
-            </a:lightRig>
-          </a:scene3d>
-          <a:sp3d>
-            <a:bevelT w="63500" h="25400"/>
-          </a:sp3d>
-        </a:effectStyle>
-      </a:effectStyleLst>
-      <a:bgFillStyleLst>
-        <a:solidFill>
-          <a:schemeClr val="phClr"/>
-        </a:solidFill>
-        <a:gradFill rotWithShape="1">
-          <a:gsLst>
-            <a:gs pos="0">
-              <a:schemeClr val="phClr">
-                <a:tint val="40000"/>
-                <a:satMod val="350000"/>
-              </a:schemeClr>
-            </a:gs>
-            <a:gs pos="40000">
-              <a:schemeClr val="phClr">
-                <a:tint val="45000"/>
-                <a:shade val="99000"/>
-                <a:satMod val="350000"/>
-              </a:schemeClr>
-            </a:gs>
-            <a:gs pos="100000">
-              <a:schemeClr val="phClr">
-                <a:shade val="20000"/>
-                <a:satMod val="255000"/>
-              </a:schemeClr>
-            </a:gs>
-          </a:gsLst>
-          <a:path path="circle">
-            <a:fillToRect l="50000" t="-80000" r="50000" b="180000"/>
-          </a:path>
-        </a:gradFill>
-        <a:gradFill rotWithShape="1">
-          <a:gsLst>
-            <a:gs pos="0">
-              <a:schemeClr val="phClr">
-                <a:tint val="80000"/>
-                <a:satMod val="300000"/>
-              </a:schemeClr>
-            </a:gs>
-            <a:gs pos="100000">
-              <a:schemeClr val="phClr">
-                <a:shade val="30000"/>
-                <a:satMod val="200000"/>
-              </a:schemeClr>
-            </a:gs>
-          </a:gsLst>
-          <a:path path="circle">
-            <a:fillToRect l="50000" t="50000" r="50000" b="50000"/>
-          </a:path>
-        </a:gradFill>
-      </a:bgFillStyleLst>
-    </a:fmtScheme>
-  </a:themeElements>
+  <a:objectDefaults/>
+  <a:extraClrSchemeLst/>
 </a:theme>
 </file>